--- a/MyWif/Presentation.pptx
+++ b/MyWif/Presentation.pptx
@@ -2,7 +2,7 @@
 <file path=ppt/presentation.xml><?xml version="1.0" encoding="utf-8"?>
 <p:presentation xmlns:a="http://schemas.openxmlformats.org/drawingml/2006/main" xmlns:r="http://schemas.openxmlformats.org/officeDocument/2006/relationships" xmlns:p="http://schemas.openxmlformats.org/presentationml/2006/main" saveSubsetFonts="1">
   <p:sldMasterIdLst>
-    <p:sldMasterId id="2147483696" r:id="rId1"/>
+    <p:sldMasterId id="2147483744" r:id="rId1"/>
   </p:sldMasterIdLst>
   <p:sldIdLst>
     <p:sldId id="256" r:id="rId2"/>
@@ -17,9 +17,9 @@
   <p:notesSz cx="6858000" cy="9144000"/>
   <p:defaultTextStyle>
     <a:defPPr>
-      <a:defRPr lang="bg-BG"/>
+      <a:defRPr lang="en-US"/>
     </a:defPPr>
-    <a:lvl1pPr marL="0" algn="l" defTabSz="914400" rtl="0" eaLnBrk="1" latinLnBrk="0" hangingPunct="1">
+    <a:lvl1pPr marL="0" algn="l" defTabSz="457200" rtl="0" eaLnBrk="1" latinLnBrk="0" hangingPunct="1">
       <a:defRPr sz="1800" kern="1200">
         <a:solidFill>
           <a:schemeClr val="tx1"/>
@@ -29,7 +29,7 @@
         <a:cs typeface="+mn-cs"/>
       </a:defRPr>
     </a:lvl1pPr>
-    <a:lvl2pPr marL="457200" algn="l" defTabSz="914400" rtl="0" eaLnBrk="1" latinLnBrk="0" hangingPunct="1">
+    <a:lvl2pPr marL="457200" algn="l" defTabSz="457200" rtl="0" eaLnBrk="1" latinLnBrk="0" hangingPunct="1">
       <a:defRPr sz="1800" kern="1200">
         <a:solidFill>
           <a:schemeClr val="tx1"/>
@@ -39,7 +39,7 @@
         <a:cs typeface="+mn-cs"/>
       </a:defRPr>
     </a:lvl2pPr>
-    <a:lvl3pPr marL="914400" algn="l" defTabSz="914400" rtl="0" eaLnBrk="1" latinLnBrk="0" hangingPunct="1">
+    <a:lvl3pPr marL="914400" algn="l" defTabSz="457200" rtl="0" eaLnBrk="1" latinLnBrk="0" hangingPunct="1">
       <a:defRPr sz="1800" kern="1200">
         <a:solidFill>
           <a:schemeClr val="tx1"/>
@@ -49,7 +49,7 @@
         <a:cs typeface="+mn-cs"/>
       </a:defRPr>
     </a:lvl3pPr>
-    <a:lvl4pPr marL="1371600" algn="l" defTabSz="914400" rtl="0" eaLnBrk="1" latinLnBrk="0" hangingPunct="1">
+    <a:lvl4pPr marL="1371600" algn="l" defTabSz="457200" rtl="0" eaLnBrk="1" latinLnBrk="0" hangingPunct="1">
       <a:defRPr sz="1800" kern="1200">
         <a:solidFill>
           <a:schemeClr val="tx1"/>
@@ -59,7 +59,7 @@
         <a:cs typeface="+mn-cs"/>
       </a:defRPr>
     </a:lvl4pPr>
-    <a:lvl5pPr marL="1828800" algn="l" defTabSz="914400" rtl="0" eaLnBrk="1" latinLnBrk="0" hangingPunct="1">
+    <a:lvl5pPr marL="1828800" algn="l" defTabSz="457200" rtl="0" eaLnBrk="1" latinLnBrk="0" hangingPunct="1">
       <a:defRPr sz="1800" kern="1200">
         <a:solidFill>
           <a:schemeClr val="tx1"/>
@@ -69,7 +69,7 @@
         <a:cs typeface="+mn-cs"/>
       </a:defRPr>
     </a:lvl5pPr>
-    <a:lvl6pPr marL="2286000" algn="l" defTabSz="914400" rtl="0" eaLnBrk="1" latinLnBrk="0" hangingPunct="1">
+    <a:lvl6pPr marL="2286000" algn="l" defTabSz="457200" rtl="0" eaLnBrk="1" latinLnBrk="0" hangingPunct="1">
       <a:defRPr sz="1800" kern="1200">
         <a:solidFill>
           <a:schemeClr val="tx1"/>
@@ -79,7 +79,7 @@
         <a:cs typeface="+mn-cs"/>
       </a:defRPr>
     </a:lvl6pPr>
-    <a:lvl7pPr marL="2743200" algn="l" defTabSz="914400" rtl="0" eaLnBrk="1" latinLnBrk="0" hangingPunct="1">
+    <a:lvl7pPr marL="2743200" algn="l" defTabSz="457200" rtl="0" eaLnBrk="1" latinLnBrk="0" hangingPunct="1">
       <a:defRPr sz="1800" kern="1200">
         <a:solidFill>
           <a:schemeClr val="tx1"/>
@@ -89,7 +89,7 @@
         <a:cs typeface="+mn-cs"/>
       </a:defRPr>
     </a:lvl7pPr>
-    <a:lvl8pPr marL="3200400" algn="l" defTabSz="914400" rtl="0" eaLnBrk="1" latinLnBrk="0" hangingPunct="1">
+    <a:lvl8pPr marL="3200400" algn="l" defTabSz="457200" rtl="0" eaLnBrk="1" latinLnBrk="0" hangingPunct="1">
       <a:defRPr sz="1800" kern="1200">
         <a:solidFill>
           <a:schemeClr val="tx1"/>
@@ -99,7 +99,7 @@
         <a:cs typeface="+mn-cs"/>
       </a:defRPr>
     </a:lvl8pPr>
-    <a:lvl9pPr marL="3657600" algn="l" defTabSz="914400" rtl="0" eaLnBrk="1" latinLnBrk="0" hangingPunct="1">
+    <a:lvl9pPr marL="3657600" algn="l" defTabSz="457200" rtl="0" eaLnBrk="1" latinLnBrk="0" hangingPunct="1">
       <a:defRPr sz="1800" kern="1200">
         <a:solidFill>
           <a:schemeClr val="tx1"/>
@@ -112,7 +112,7 @@
   </p:defaultTextStyle>
   <p:extLst>
     <p:ext uri="{EFAFB233-063F-42B5-8137-9DF3F51BA10A}">
-      <p15:sldGuideLst xmlns:p15="http://schemas.microsoft.com/office/powerpoint/2012/main" xmlns="">
+      <p15:sldGuideLst xmlns:p15="http://schemas.microsoft.com/office/powerpoint/2012/main">
         <p15:guide id="1" orient="horz" pos="2160">
           <p15:clr>
             <a:srgbClr val="A4A3A4"/>
@@ -130,7 +130,7 @@
 </file>
 
 <file path=ppt/slideLayouts/slideLayout1.xml><?xml version="1.0" encoding="utf-8"?>
-<p:sldLayout xmlns:a="http://schemas.openxmlformats.org/drawingml/2006/main" xmlns:r="http://schemas.openxmlformats.org/officeDocument/2006/relationships" xmlns:p="http://schemas.openxmlformats.org/presentationml/2006/main" showMasterSp="0" type="title" preserve="1">
+<p:sldLayout xmlns:a="http://schemas.openxmlformats.org/drawingml/2006/main" xmlns:r="http://schemas.openxmlformats.org/officeDocument/2006/relationships" xmlns:p="http://schemas.openxmlformats.org/presentationml/2006/main" type="title" preserve="1">
   <p:cSld name="Title Slide">
     <p:spTree>
       <p:nvGrpSpPr>
@@ -148,92 +148,180 @@
       </p:grpSpPr>
       <p:sp>
         <p:nvSpPr>
-          <p:cNvPr id="7" name="Rectangle 6"/>
-          <p:cNvSpPr/>
-          <p:nvPr/>
+          <p:cNvPr id="2" name="Title 1"/>
+          <p:cNvSpPr>
+            <a:spLocks noGrp="1"/>
+          </p:cNvSpPr>
+          <p:nvPr>
+            <p:ph type="ctrTitle"/>
+          </p:nvPr>
         </p:nvSpPr>
         <p:spPr>
           <a:xfrm>
-            <a:off x="0" y="0"/>
-            <a:ext cx="9144000" cy="6858000"/>
+            <a:off x="819314" y="596019"/>
+            <a:ext cx="7510506" cy="3213982"/>
           </a:xfrm>
-          <a:prstGeom prst="rect">
-            <a:avLst/>
-          </a:prstGeom>
-          <a:solidFill>
-            <a:srgbClr val="FFFFFF"/>
-          </a:solidFill>
-          <a:ln>
-            <a:noFill/>
-          </a:ln>
         </p:spPr>
-        <p:style>
-          <a:lnRef idx="2">
-            <a:schemeClr val="accent1">
-              <a:shade val="50000"/>
-            </a:schemeClr>
-          </a:lnRef>
-          <a:fillRef idx="1">
-            <a:schemeClr val="accent1"/>
-          </a:fillRef>
-          <a:effectRef idx="0">
-            <a:schemeClr val="accent1"/>
-          </a:effectRef>
-          <a:fontRef idx="minor">
-            <a:schemeClr val="lt1"/>
-          </a:fontRef>
-        </p:style>
-        <p:txBody>
-          <a:bodyPr rtlCol="0" anchor="ctr"/>
-          <a:lstStyle/>
-          <a:p>
-            <a:pPr algn="ctr"/>
-            <a:endParaRPr lang="en-US"/>
-          </a:p>
-        </p:txBody>
-      </p:sp>
-      <p:sp useBgFill="1">
-        <p:nvSpPr>
-          <p:cNvPr id="8" name="Rounded Rectangle 7"/>
-          <p:cNvSpPr/>
-          <p:nvPr/>
+        <p:txBody>
+          <a:bodyPr anchor="b">
+            <a:normAutofit/>
+          </a:bodyPr>
+          <a:lstStyle>
+            <a:lvl1pPr algn="ctr">
+              <a:defRPr sz="4000">
+                <a:effectLst>
+                  <a:glow rad="38100">
+                    <a:schemeClr val="bg1">
+                      <a:lumMod val="65000"/>
+                      <a:lumOff val="35000"/>
+                      <a:alpha val="50000"/>
+                    </a:schemeClr>
+                  </a:glow>
+                  <a:outerShdw blurRad="28575" dist="31750" dir="13200000" algn="tl" rotWithShape="0">
+                    <a:srgbClr val="000000">
+                      <a:alpha val="25000"/>
+                    </a:srgbClr>
+                  </a:outerShdw>
+                </a:effectLst>
+              </a:defRPr>
+            </a:lvl1pPr>
+          </a:lstStyle>
+          <a:p>
+            <a:r>
+              <a:rPr lang="en-US" smtClean="0"/>
+              <a:t>Click to edit Master title style</a:t>
+            </a:r>
+            <a:endParaRPr lang="en-US" dirty="0"/>
+          </a:p>
+        </p:txBody>
+      </p:sp>
+      <p:sp>
+        <p:nvSpPr>
+          <p:cNvPr id="3" name="Subtitle 2"/>
+          <p:cNvSpPr>
+            <a:spLocks noGrp="1"/>
+          </p:cNvSpPr>
+          <p:nvPr>
+            <p:ph type="subTitle" idx="1"/>
+          </p:nvPr>
         </p:nvSpPr>
         <p:spPr>
           <a:xfrm>
-            <a:off x="91440" y="101600"/>
-            <a:ext cx="8961120" cy="6664960"/>
+            <a:off x="819314" y="3886200"/>
+            <a:ext cx="7510506" cy="2219108"/>
           </a:xfrm>
-          <a:prstGeom prst="roundRect">
-            <a:avLst>
-              <a:gd name="adj" fmla="val 1735"/>
-            </a:avLst>
-          </a:prstGeom>
-          <a:ln w="12700" cmpd="sng">
-            <a:noFill/>
-          </a:ln>
         </p:spPr>
-        <p:style>
-          <a:lnRef idx="2">
-            <a:schemeClr val="accent1">
-              <a:shade val="50000"/>
-            </a:schemeClr>
-          </a:lnRef>
-          <a:fillRef idx="1">
-            <a:schemeClr val="accent1"/>
-          </a:fillRef>
-          <a:effectRef idx="0">
-            <a:schemeClr val="accent1"/>
-          </a:effectRef>
-          <a:fontRef idx="minor">
-            <a:schemeClr val="lt1"/>
-          </a:fontRef>
-        </p:style>
-        <p:txBody>
-          <a:bodyPr rtlCol="0" anchor="ctr"/>
-          <a:lstStyle/>
-          <a:p>
-            <a:pPr algn="ctr"/>
-            <a:endParaRPr lang="en-US"/>
+        <p:txBody>
+          <a:bodyPr anchor="t">
+            <a:normAutofit/>
+          </a:bodyPr>
+          <a:lstStyle>
+            <a:lvl1pPr marL="0" indent="0" algn="ctr">
+              <a:buNone/>
+              <a:defRPr sz="1800">
+                <a:gradFill flip="none" rotWithShape="1">
+                  <a:gsLst>
+                    <a:gs pos="0">
+                      <a:schemeClr val="tx1"/>
+                    </a:gs>
+                    <a:gs pos="100000">
+                      <a:schemeClr val="tx1">
+                        <a:lumMod val="75000"/>
+                      </a:schemeClr>
+                    </a:gs>
+                  </a:gsLst>
+                  <a:lin ang="0" scaled="1"/>
+                  <a:tileRect/>
+                </a:gradFill>
+              </a:defRPr>
+            </a:lvl1pPr>
+            <a:lvl2pPr marL="457200" indent="0" algn="ctr">
+              <a:buNone/>
+              <a:defRPr>
+                <a:solidFill>
+                  <a:schemeClr val="tx1">
+                    <a:tint val="75000"/>
+                  </a:schemeClr>
+                </a:solidFill>
+              </a:defRPr>
+            </a:lvl2pPr>
+            <a:lvl3pPr marL="914400" indent="0" algn="ctr">
+              <a:buNone/>
+              <a:defRPr>
+                <a:solidFill>
+                  <a:schemeClr val="tx1">
+                    <a:tint val="75000"/>
+                  </a:schemeClr>
+                </a:solidFill>
+              </a:defRPr>
+            </a:lvl3pPr>
+            <a:lvl4pPr marL="1371600" indent="0" algn="ctr">
+              <a:buNone/>
+              <a:defRPr>
+                <a:solidFill>
+                  <a:schemeClr val="tx1">
+                    <a:tint val="75000"/>
+                  </a:schemeClr>
+                </a:solidFill>
+              </a:defRPr>
+            </a:lvl4pPr>
+            <a:lvl5pPr marL="1828800" indent="0" algn="ctr">
+              <a:buNone/>
+              <a:defRPr>
+                <a:solidFill>
+                  <a:schemeClr val="tx1">
+                    <a:tint val="75000"/>
+                  </a:schemeClr>
+                </a:solidFill>
+              </a:defRPr>
+            </a:lvl5pPr>
+            <a:lvl6pPr marL="2286000" indent="0" algn="ctr">
+              <a:buNone/>
+              <a:defRPr>
+                <a:solidFill>
+                  <a:schemeClr val="tx1">
+                    <a:tint val="75000"/>
+                  </a:schemeClr>
+                </a:solidFill>
+              </a:defRPr>
+            </a:lvl6pPr>
+            <a:lvl7pPr marL="2743200" indent="0" algn="ctr">
+              <a:buNone/>
+              <a:defRPr>
+                <a:solidFill>
+                  <a:schemeClr val="tx1">
+                    <a:tint val="75000"/>
+                  </a:schemeClr>
+                </a:solidFill>
+              </a:defRPr>
+            </a:lvl7pPr>
+            <a:lvl8pPr marL="3200400" indent="0" algn="ctr">
+              <a:buNone/>
+              <a:defRPr>
+                <a:solidFill>
+                  <a:schemeClr val="tx1">
+                    <a:tint val="75000"/>
+                  </a:schemeClr>
+                </a:solidFill>
+              </a:defRPr>
+            </a:lvl8pPr>
+            <a:lvl9pPr marL="3657600" indent="0" algn="ctr">
+              <a:buNone/>
+              <a:defRPr>
+                <a:solidFill>
+                  <a:schemeClr val="tx1">
+                    <a:tint val="75000"/>
+                  </a:schemeClr>
+                </a:solidFill>
+              </a:defRPr>
+            </a:lvl9pPr>
+          </a:lstStyle>
+          <a:p>
+            <a:r>
+              <a:rPr lang="en-US" smtClean="0"/>
+              <a:t>Click to edit Master subtitle style</a:t>
+            </a:r>
+            <a:endParaRPr lang="en-US" dirty="0"/>
           </a:p>
         </p:txBody>
       </p:sp>
@@ -254,7 +342,7 @@
           <a:p>
             <a:fld id="{DDE870DA-2A0E-4DB8-A25D-C09E29500FC2}" type="datetimeFigureOut">
               <a:rPr lang="bg-BG" smtClean="0"/>
-              <a:t>12.10.2016 г.</a:t>
+              <a:t>13.10.2016 г.</a:t>
             </a:fld>
             <a:endParaRPr lang="bg-BG"/>
           </a:p>
@@ -281,233 +369,18 @@
       </p:sp>
       <p:sp>
         <p:nvSpPr>
-          <p:cNvPr id="9" name="Rectangle 8"/>
-          <p:cNvSpPr/>
-          <p:nvPr/>
-        </p:nvSpPr>
-        <p:spPr>
-          <a:xfrm>
-            <a:off x="345440" y="2942602"/>
-            <a:ext cx="7147931" cy="2463800"/>
-          </a:xfrm>
-          <a:prstGeom prst="rect">
-            <a:avLst/>
-          </a:prstGeom>
-          <a:solidFill>
-            <a:srgbClr val="FFFFFF">
-              <a:alpha val="83000"/>
-            </a:srgbClr>
-          </a:solidFill>
-          <a:ln>
-            <a:noFill/>
-          </a:ln>
-          <a:effectLst>
-            <a:softEdge rad="12700"/>
-          </a:effectLst>
-        </p:spPr>
-        <p:style>
-          <a:lnRef idx="2">
-            <a:schemeClr val="accent1">
-              <a:shade val="50000"/>
-            </a:schemeClr>
-          </a:lnRef>
-          <a:fillRef idx="1">
-            <a:schemeClr val="accent1"/>
-          </a:fillRef>
-          <a:effectRef idx="0">
-            <a:schemeClr val="accent1"/>
-          </a:effectRef>
-          <a:fontRef idx="minor">
-            <a:schemeClr val="lt1"/>
-          </a:fontRef>
-        </p:style>
-        <p:txBody>
-          <a:bodyPr rtlCol="0" anchor="ctr"/>
+          <p:cNvPr id="6" name="Slide Number Placeholder 5"/>
+          <p:cNvSpPr>
+            <a:spLocks noGrp="1"/>
+          </p:cNvSpPr>
+          <p:nvPr>
+            <p:ph type="sldNum" sz="quarter" idx="12"/>
+          </p:nvPr>
+        </p:nvSpPr>
+        <p:spPr/>
+        <p:txBody>
+          <a:bodyPr/>
           <a:lstStyle/>
-          <a:p>
-            <a:pPr algn="ctr"/>
-            <a:endParaRPr lang="en-US"/>
-          </a:p>
-        </p:txBody>
-      </p:sp>
-      <p:sp>
-        <p:nvSpPr>
-          <p:cNvPr id="12" name="Rectangle 11"/>
-          <p:cNvSpPr/>
-          <p:nvPr/>
-        </p:nvSpPr>
-        <p:spPr>
-          <a:xfrm>
-            <a:off x="7572652" y="2944634"/>
-            <a:ext cx="1190348" cy="2459736"/>
-          </a:xfrm>
-          <a:prstGeom prst="rect">
-            <a:avLst/>
-          </a:prstGeom>
-          <a:solidFill>
-            <a:srgbClr val="FFFFFF">
-              <a:alpha val="83000"/>
-            </a:srgbClr>
-          </a:solidFill>
-          <a:ln>
-            <a:noFill/>
-          </a:ln>
-          <a:effectLst>
-            <a:softEdge rad="12700"/>
-          </a:effectLst>
-        </p:spPr>
-        <p:style>
-          <a:lnRef idx="2">
-            <a:schemeClr val="accent1">
-              <a:shade val="50000"/>
-            </a:schemeClr>
-          </a:lnRef>
-          <a:fillRef idx="1">
-            <a:schemeClr val="accent1"/>
-          </a:fillRef>
-          <a:effectRef idx="0">
-            <a:schemeClr val="accent1"/>
-          </a:effectRef>
-          <a:fontRef idx="minor">
-            <a:schemeClr val="lt1"/>
-          </a:fontRef>
-        </p:style>
-        <p:txBody>
-          <a:bodyPr rtlCol="0" anchor="ctr"/>
-          <a:lstStyle/>
-          <a:p>
-            <a:pPr algn="ctr"/>
-            <a:endParaRPr lang="en-US"/>
-          </a:p>
-        </p:txBody>
-      </p:sp>
-      <p:sp>
-        <p:nvSpPr>
-          <p:cNvPr id="13" name="Rectangle 12"/>
-          <p:cNvSpPr/>
-          <p:nvPr/>
-        </p:nvSpPr>
-        <p:spPr>
-          <a:xfrm>
-            <a:off x="7712714" y="3136658"/>
-            <a:ext cx="910224" cy="2075688"/>
-          </a:xfrm>
-          <a:prstGeom prst="rect">
-            <a:avLst/>
-          </a:prstGeom>
-          <a:solidFill>
-            <a:schemeClr val="accent3">
-              <a:alpha val="70000"/>
-            </a:schemeClr>
-          </a:solidFill>
-          <a:ln w="6350">
-            <a:solidFill>
-              <a:schemeClr val="accent1">
-                <a:lumMod val="75000"/>
-              </a:schemeClr>
-            </a:solidFill>
-          </a:ln>
-        </p:spPr>
-        <p:style>
-          <a:lnRef idx="2">
-            <a:schemeClr val="accent1">
-              <a:shade val="50000"/>
-            </a:schemeClr>
-          </a:lnRef>
-          <a:fillRef idx="1">
-            <a:schemeClr val="accent1"/>
-          </a:fillRef>
-          <a:effectRef idx="0">
-            <a:schemeClr val="accent1"/>
-          </a:effectRef>
-          <a:fontRef idx="minor">
-            <a:schemeClr val="lt1"/>
-          </a:fontRef>
-        </p:style>
-        <p:txBody>
-          <a:bodyPr rtlCol="0" anchor="ctr"/>
-          <a:lstStyle/>
-          <a:p>
-            <a:pPr algn="ctr"/>
-            <a:endParaRPr lang="en-US"/>
-          </a:p>
-        </p:txBody>
-      </p:sp>
-      <p:sp>
-        <p:nvSpPr>
-          <p:cNvPr id="14" name="Rectangle 13"/>
-          <p:cNvSpPr/>
-          <p:nvPr/>
-        </p:nvSpPr>
-        <p:spPr>
-          <a:xfrm>
-            <a:off x="445483" y="3055621"/>
-            <a:ext cx="6947845" cy="2245359"/>
-          </a:xfrm>
-          <a:prstGeom prst="rect">
-            <a:avLst/>
-          </a:prstGeom>
-          <a:solidFill>
-            <a:srgbClr val="FFFFFF"/>
-          </a:solidFill>
-          <a:ln w="6350" cmpd="dbl">
-            <a:noFill/>
-          </a:ln>
-        </p:spPr>
-        <p:style>
-          <a:lnRef idx="2">
-            <a:schemeClr val="accent1">
-              <a:shade val="50000"/>
-            </a:schemeClr>
-          </a:lnRef>
-          <a:fillRef idx="1">
-            <a:schemeClr val="accent1"/>
-          </a:fillRef>
-          <a:effectRef idx="0">
-            <a:schemeClr val="accent1"/>
-          </a:effectRef>
-          <a:fontRef idx="minor">
-            <a:schemeClr val="lt1"/>
-          </a:fontRef>
-        </p:style>
-        <p:txBody>
-          <a:bodyPr rtlCol="0" anchor="ctr"/>
-          <a:lstStyle/>
-          <a:p>
-            <a:pPr algn="ctr"/>
-            <a:endParaRPr lang="en-US"/>
-          </a:p>
-        </p:txBody>
-      </p:sp>
-      <p:sp>
-        <p:nvSpPr>
-          <p:cNvPr id="6" name="Slide Number Placeholder 5"/>
-          <p:cNvSpPr>
-            <a:spLocks noGrp="1"/>
-          </p:cNvSpPr>
-          <p:nvPr>
-            <p:ph type="sldNum" sz="quarter" idx="12"/>
-          </p:nvPr>
-        </p:nvSpPr>
-        <p:spPr>
-          <a:xfrm>
-            <a:off x="7786826" y="4625268"/>
-            <a:ext cx="762000" cy="457200"/>
-          </a:xfrm>
-        </p:spPr>
-        <p:txBody>
-          <a:bodyPr/>
-          <a:lstStyle>
-            <a:lvl1pPr algn="ctr">
-              <a:defRPr sz="2800">
-                <a:solidFill>
-                  <a:schemeClr val="accent1">
-                    <a:lumMod val="50000"/>
-                  </a:schemeClr>
-                </a:solidFill>
-              </a:defRPr>
-            </a:lvl1pPr>
-          </a:lstStyle>
           <a:p>
             <a:fld id="{C52C9564-E14A-47A9-8650-097F9D18B237}" type="slidenum">
               <a:rPr lang="bg-BG" smtClean="0"/>
@@ -517,260 +390,12 @@
           </a:p>
         </p:txBody>
       </p:sp>
-      <p:sp>
-        <p:nvSpPr>
-          <p:cNvPr id="11" name="Rectangle 10"/>
-          <p:cNvSpPr/>
-          <p:nvPr/>
-        </p:nvSpPr>
-        <p:spPr>
-          <a:xfrm>
-            <a:off x="541822" y="4559276"/>
-            <a:ext cx="6755166" cy="664367"/>
-          </a:xfrm>
-          <a:prstGeom prst="rect">
-            <a:avLst/>
-          </a:prstGeom>
-          <a:solidFill>
-            <a:schemeClr val="accent1"/>
-          </a:solidFill>
-          <a:ln w="6350">
-            <a:noFill/>
-          </a:ln>
-        </p:spPr>
-        <p:style>
-          <a:lnRef idx="2">
-            <a:schemeClr val="accent1">
-              <a:shade val="50000"/>
-            </a:schemeClr>
-          </a:lnRef>
-          <a:fillRef idx="1">
-            <a:schemeClr val="accent1"/>
-          </a:fillRef>
-          <a:effectRef idx="0">
-            <a:schemeClr val="accent1"/>
-          </a:effectRef>
-          <a:fontRef idx="minor">
-            <a:schemeClr val="lt1"/>
-          </a:fontRef>
-        </p:style>
-        <p:txBody>
-          <a:bodyPr rtlCol="0" anchor="ctr"/>
-          <a:lstStyle/>
-          <a:p>
-            <a:pPr algn="ctr"/>
-            <a:endParaRPr lang="en-US"/>
-          </a:p>
-        </p:txBody>
-      </p:sp>
-      <p:sp>
-        <p:nvSpPr>
-          <p:cNvPr id="10" name="Rectangle 9"/>
-          <p:cNvSpPr/>
-          <p:nvPr/>
-        </p:nvSpPr>
-        <p:spPr>
-          <a:xfrm>
-            <a:off x="538971" y="3139440"/>
-            <a:ext cx="6760868" cy="2077720"/>
-          </a:xfrm>
-          <a:prstGeom prst="rect">
-            <a:avLst/>
-          </a:prstGeom>
-          <a:noFill/>
-          <a:ln w="6350" cmpd="dbl">
-            <a:solidFill>
-              <a:schemeClr val="accent1">
-                <a:lumMod val="75000"/>
-              </a:schemeClr>
-            </a:solidFill>
-          </a:ln>
-        </p:spPr>
-        <p:style>
-          <a:lnRef idx="2">
-            <a:schemeClr val="accent1">
-              <a:shade val="50000"/>
-            </a:schemeClr>
-          </a:lnRef>
-          <a:fillRef idx="1">
-            <a:schemeClr val="accent1"/>
-          </a:fillRef>
-          <a:effectRef idx="0">
-            <a:schemeClr val="accent1"/>
-          </a:effectRef>
-          <a:fontRef idx="minor">
-            <a:schemeClr val="lt1"/>
-          </a:fontRef>
-        </p:style>
-        <p:txBody>
-          <a:bodyPr rtlCol="0" anchor="ctr"/>
-          <a:lstStyle/>
-          <a:p>
-            <a:pPr algn="ctr"/>
-            <a:endParaRPr lang="en-US"/>
-          </a:p>
-        </p:txBody>
-      </p:sp>
-      <p:sp>
-        <p:nvSpPr>
-          <p:cNvPr id="3" name="Subtitle 2"/>
-          <p:cNvSpPr>
-            <a:spLocks noGrp="1"/>
-          </p:cNvSpPr>
-          <p:nvPr>
-            <p:ph type="subTitle" idx="1"/>
-          </p:nvPr>
-        </p:nvSpPr>
-        <p:spPr>
-          <a:xfrm>
-            <a:off x="642805" y="4648200"/>
-            <a:ext cx="6553200" cy="457200"/>
-          </a:xfrm>
-        </p:spPr>
-        <p:txBody>
-          <a:bodyPr>
-            <a:normAutofit/>
-          </a:bodyPr>
-          <a:lstStyle>
-            <a:lvl1pPr marL="0" indent="0" algn="ctr">
-              <a:buNone/>
-              <a:defRPr sz="1800" cap="all" spc="300" baseline="0">
-                <a:solidFill>
-                  <a:srgbClr val="FFFFFF"/>
-                </a:solidFill>
-              </a:defRPr>
-            </a:lvl1pPr>
-            <a:lvl2pPr marL="457200" indent="0" algn="ctr">
-              <a:buNone/>
-              <a:defRPr>
-                <a:solidFill>
-                  <a:schemeClr val="tx1">
-                    <a:tint val="75000"/>
-                  </a:schemeClr>
-                </a:solidFill>
-              </a:defRPr>
-            </a:lvl2pPr>
-            <a:lvl3pPr marL="914400" indent="0" algn="ctr">
-              <a:buNone/>
-              <a:defRPr>
-                <a:solidFill>
-                  <a:schemeClr val="tx1">
-                    <a:tint val="75000"/>
-                  </a:schemeClr>
-                </a:solidFill>
-              </a:defRPr>
-            </a:lvl3pPr>
-            <a:lvl4pPr marL="1371600" indent="0" algn="ctr">
-              <a:buNone/>
-              <a:defRPr>
-                <a:solidFill>
-                  <a:schemeClr val="tx1">
-                    <a:tint val="75000"/>
-                  </a:schemeClr>
-                </a:solidFill>
-              </a:defRPr>
-            </a:lvl4pPr>
-            <a:lvl5pPr marL="1828800" indent="0" algn="ctr">
-              <a:buNone/>
-              <a:defRPr>
-                <a:solidFill>
-                  <a:schemeClr val="tx1">
-                    <a:tint val="75000"/>
-                  </a:schemeClr>
-                </a:solidFill>
-              </a:defRPr>
-            </a:lvl5pPr>
-            <a:lvl6pPr marL="2286000" indent="0" algn="ctr">
-              <a:buNone/>
-              <a:defRPr>
-                <a:solidFill>
-                  <a:schemeClr val="tx1">
-                    <a:tint val="75000"/>
-                  </a:schemeClr>
-                </a:solidFill>
-              </a:defRPr>
-            </a:lvl6pPr>
-            <a:lvl7pPr marL="2743200" indent="0" algn="ctr">
-              <a:buNone/>
-              <a:defRPr>
-                <a:solidFill>
-                  <a:schemeClr val="tx1">
-                    <a:tint val="75000"/>
-                  </a:schemeClr>
-                </a:solidFill>
-              </a:defRPr>
-            </a:lvl7pPr>
-            <a:lvl8pPr marL="3200400" indent="0" algn="ctr">
-              <a:buNone/>
-              <a:defRPr>
-                <a:solidFill>
-                  <a:schemeClr val="tx1">
-                    <a:tint val="75000"/>
-                  </a:schemeClr>
-                </a:solidFill>
-              </a:defRPr>
-            </a:lvl8pPr>
-            <a:lvl9pPr marL="3657600" indent="0" algn="ctr">
-              <a:buNone/>
-              <a:defRPr>
-                <a:solidFill>
-                  <a:schemeClr val="tx1">
-                    <a:tint val="75000"/>
-                  </a:schemeClr>
-                </a:solidFill>
-              </a:defRPr>
-            </a:lvl9pPr>
-          </a:lstStyle>
-          <a:p>
-            <a:r>
-              <a:rPr lang="en-US" smtClean="0"/>
-              <a:t>Click to edit Master subtitle style</a:t>
-            </a:r>
-            <a:endParaRPr lang="en-US" dirty="0"/>
-          </a:p>
-        </p:txBody>
-      </p:sp>
-      <p:sp>
-        <p:nvSpPr>
-          <p:cNvPr id="2" name="Title 1"/>
-          <p:cNvSpPr>
-            <a:spLocks noGrp="1"/>
-          </p:cNvSpPr>
-          <p:nvPr>
-            <p:ph type="ctrTitle"/>
-          </p:nvPr>
-        </p:nvSpPr>
-        <p:spPr>
-          <a:xfrm>
-            <a:off x="604705" y="3227033"/>
-            <a:ext cx="6629400" cy="1219201"/>
-          </a:xfrm>
-        </p:spPr>
-        <p:txBody>
-          <a:bodyPr anchor="b" anchorCtr="0">
-            <a:noAutofit/>
-          </a:bodyPr>
-          <a:lstStyle>
-            <a:lvl1pPr>
-              <a:defRPr sz="4000">
-                <a:solidFill>
-                  <a:schemeClr val="accent1">
-                    <a:lumMod val="50000"/>
-                  </a:schemeClr>
-                </a:solidFill>
-              </a:defRPr>
-            </a:lvl1pPr>
-          </a:lstStyle>
-          <a:p>
-            <a:r>
-              <a:rPr lang="en-US" smtClean="0"/>
-              <a:t>Click to edit Master title style</a:t>
-            </a:r>
-            <a:endParaRPr lang="en-US" dirty="0"/>
-          </a:p>
-        </p:txBody>
-      </p:sp>
     </p:spTree>
+    <p:extLst>
+      <p:ext uri="{BB962C8B-B14F-4D97-AF65-F5344CB8AC3E}">
+        <p14:creationId xmlns:p14="http://schemas.microsoft.com/office/powerpoint/2010/main" val="541145758"/>
+      </p:ext>
+    </p:extLst>
   </p:cSld>
   <p:clrMapOvr>
     <a:masterClrMapping/>
@@ -779,6 +404,2288 @@
 </file>
 
 <file path=ppt/slideLayouts/slideLayout10.xml><?xml version="1.0" encoding="utf-8"?>
+<p:sldLayout xmlns:a="http://schemas.openxmlformats.org/drawingml/2006/main" xmlns:r="http://schemas.openxmlformats.org/officeDocument/2006/relationships" xmlns:p="http://schemas.openxmlformats.org/presentationml/2006/main" preserve="1">
+  <p:cSld name="Panoramic Picture with Caption">
+    <p:spTree>
+      <p:nvGrpSpPr>
+        <p:cNvPr id="1" name=""/>
+        <p:cNvGrpSpPr/>
+        <p:nvPr/>
+      </p:nvGrpSpPr>
+      <p:grpSpPr>
+        <a:xfrm>
+          <a:off x="0" y="0"/>
+          <a:ext cx="0" cy="0"/>
+          <a:chOff x="0" y="0"/>
+          <a:chExt cx="0" cy="0"/>
+        </a:xfrm>
+      </p:grpSpPr>
+      <p:sp>
+        <p:nvSpPr>
+          <p:cNvPr id="2" name="Title 1"/>
+          <p:cNvSpPr>
+            <a:spLocks noGrp="1"/>
+          </p:cNvSpPr>
+          <p:nvPr>
+            <p:ph type="title"/>
+          </p:nvPr>
+        </p:nvSpPr>
+        <p:spPr>
+          <a:xfrm>
+            <a:off x="917677" y="4377485"/>
+            <a:ext cx="7413007" cy="907505"/>
+          </a:xfrm>
+        </p:spPr>
+        <p:txBody>
+          <a:bodyPr anchor="b">
+            <a:normAutofit/>
+          </a:bodyPr>
+          <a:lstStyle>
+            <a:lvl1pPr algn="l">
+              <a:defRPr sz="2000" b="0"/>
+            </a:lvl1pPr>
+          </a:lstStyle>
+          <a:p>
+            <a:r>
+              <a:rPr lang="en-US" smtClean="0"/>
+              <a:t>Click to edit Master title style</a:t>
+            </a:r>
+            <a:endParaRPr lang="en-US" dirty="0"/>
+          </a:p>
+        </p:txBody>
+      </p:sp>
+      <p:sp>
+        <p:nvSpPr>
+          <p:cNvPr id="3" name="Picture Placeholder 2"/>
+          <p:cNvSpPr>
+            <a:spLocks noGrp="1" noChangeAspect="1"/>
+          </p:cNvSpPr>
+          <p:nvPr>
+            <p:ph type="pic" idx="1"/>
+          </p:nvPr>
+        </p:nvSpPr>
+        <p:spPr>
+          <a:xfrm>
+            <a:off x="917678" y="996188"/>
+            <a:ext cx="7301427" cy="2981126"/>
+          </a:xfrm>
+          <a:prstGeom prst="roundRect">
+            <a:avLst>
+              <a:gd name="adj" fmla="val 4380"/>
+            </a:avLst>
+          </a:prstGeom>
+          <a:ln w="38100">
+            <a:gradFill flip="none" rotWithShape="1">
+              <a:gsLst>
+                <a:gs pos="0">
+                  <a:schemeClr val="bg2"/>
+                </a:gs>
+                <a:gs pos="100000">
+                  <a:schemeClr val="bg2">
+                    <a:lumMod val="75000"/>
+                  </a:schemeClr>
+                </a:gs>
+              </a:gsLst>
+              <a:lin ang="5400000" scaled="0"/>
+              <a:tileRect/>
+            </a:gradFill>
+          </a:ln>
+          <a:effectLst>
+            <a:innerShdw blurRad="57150" dist="38100" dir="14460000">
+              <a:srgbClr val="000000">
+                <a:alpha val="70000"/>
+              </a:srgbClr>
+            </a:innerShdw>
+          </a:effectLst>
+        </p:spPr>
+        <p:txBody>
+          <a:bodyPr anchor="t">
+            <a:normAutofit/>
+          </a:bodyPr>
+          <a:lstStyle>
+            <a:lvl1pPr marL="0" indent="0" algn="ctr">
+              <a:buNone/>
+              <a:defRPr sz="1600"/>
+            </a:lvl1pPr>
+            <a:lvl2pPr marL="457200" indent="0">
+              <a:buNone/>
+              <a:defRPr sz="1600"/>
+            </a:lvl2pPr>
+            <a:lvl3pPr marL="914400" indent="0">
+              <a:buNone/>
+              <a:defRPr sz="1600"/>
+            </a:lvl3pPr>
+            <a:lvl4pPr marL="1371600" indent="0">
+              <a:buNone/>
+              <a:defRPr sz="1600"/>
+            </a:lvl4pPr>
+            <a:lvl5pPr marL="1828800" indent="0">
+              <a:buNone/>
+              <a:defRPr sz="1600"/>
+            </a:lvl5pPr>
+            <a:lvl6pPr marL="2286000" indent="0">
+              <a:buNone/>
+              <a:defRPr sz="1600"/>
+            </a:lvl6pPr>
+            <a:lvl7pPr marL="2743200" indent="0">
+              <a:buNone/>
+              <a:defRPr sz="1600"/>
+            </a:lvl7pPr>
+            <a:lvl8pPr marL="3200400" indent="0">
+              <a:buNone/>
+              <a:defRPr sz="1600"/>
+            </a:lvl8pPr>
+            <a:lvl9pPr marL="3657600" indent="0">
+              <a:buNone/>
+              <a:defRPr sz="1600"/>
+            </a:lvl9pPr>
+          </a:lstStyle>
+          <a:p>
+            <a:r>
+              <a:rPr lang="en-US" smtClean="0"/>
+              <a:t>Click icon to add picture</a:t>
+            </a:r>
+            <a:endParaRPr lang="en-US" dirty="0"/>
+          </a:p>
+        </p:txBody>
+      </p:sp>
+      <p:sp>
+        <p:nvSpPr>
+          <p:cNvPr id="4" name="Text Placeholder 3"/>
+          <p:cNvSpPr>
+            <a:spLocks noGrp="1"/>
+          </p:cNvSpPr>
+          <p:nvPr>
+            <p:ph type="body" sz="half" idx="2"/>
+          </p:nvPr>
+        </p:nvSpPr>
+        <p:spPr>
+          <a:xfrm>
+            <a:off x="917677" y="5284990"/>
+            <a:ext cx="7413007" cy="817070"/>
+          </a:xfrm>
+        </p:spPr>
+        <p:txBody>
+          <a:bodyPr>
+            <a:normAutofit/>
+          </a:bodyPr>
+          <a:lstStyle>
+            <a:lvl1pPr marL="0" indent="0">
+              <a:buNone/>
+              <a:defRPr sz="1400"/>
+            </a:lvl1pPr>
+            <a:lvl2pPr marL="457200" indent="0">
+              <a:buNone/>
+              <a:defRPr sz="1200"/>
+            </a:lvl2pPr>
+            <a:lvl3pPr marL="914400" indent="0">
+              <a:buNone/>
+              <a:defRPr sz="1000"/>
+            </a:lvl3pPr>
+            <a:lvl4pPr marL="1371600" indent="0">
+              <a:buNone/>
+              <a:defRPr sz="900"/>
+            </a:lvl4pPr>
+            <a:lvl5pPr marL="1828800" indent="0">
+              <a:buNone/>
+              <a:defRPr sz="900"/>
+            </a:lvl5pPr>
+            <a:lvl6pPr marL="2286000" indent="0">
+              <a:buNone/>
+              <a:defRPr sz="900"/>
+            </a:lvl6pPr>
+            <a:lvl7pPr marL="2743200" indent="0">
+              <a:buNone/>
+              <a:defRPr sz="900"/>
+            </a:lvl7pPr>
+            <a:lvl8pPr marL="3200400" indent="0">
+              <a:buNone/>
+              <a:defRPr sz="900"/>
+            </a:lvl8pPr>
+            <a:lvl9pPr marL="3657600" indent="0">
+              <a:buNone/>
+              <a:defRPr sz="900"/>
+            </a:lvl9pPr>
+          </a:lstStyle>
+          <a:p>
+            <a:pPr lvl="0"/>
+            <a:r>
+              <a:rPr lang="en-US" smtClean="0"/>
+              <a:t>Edit Master text styles</a:t>
+            </a:r>
+          </a:p>
+        </p:txBody>
+      </p:sp>
+      <p:sp>
+        <p:nvSpPr>
+          <p:cNvPr id="5" name="Date Placeholder 4"/>
+          <p:cNvSpPr>
+            <a:spLocks noGrp="1"/>
+          </p:cNvSpPr>
+          <p:nvPr>
+            <p:ph type="dt" sz="half" idx="10"/>
+          </p:nvPr>
+        </p:nvSpPr>
+        <p:spPr/>
+        <p:txBody>
+          <a:bodyPr/>
+          <a:lstStyle/>
+          <a:p>
+            <a:fld id="{DDE870DA-2A0E-4DB8-A25D-C09E29500FC2}" type="datetimeFigureOut">
+              <a:rPr lang="bg-BG" smtClean="0"/>
+              <a:t>13.10.2016 г.</a:t>
+            </a:fld>
+            <a:endParaRPr lang="bg-BG"/>
+          </a:p>
+        </p:txBody>
+      </p:sp>
+      <p:sp>
+        <p:nvSpPr>
+          <p:cNvPr id="6" name="Footer Placeholder 5"/>
+          <p:cNvSpPr>
+            <a:spLocks noGrp="1"/>
+          </p:cNvSpPr>
+          <p:nvPr>
+            <p:ph type="ftr" sz="quarter" idx="11"/>
+          </p:nvPr>
+        </p:nvSpPr>
+        <p:spPr>
+          <a:xfrm>
+            <a:off x="917678" y="6181344"/>
+            <a:ext cx="5337278" cy="365125"/>
+          </a:xfrm>
+        </p:spPr>
+        <p:txBody>
+          <a:bodyPr/>
+          <a:lstStyle/>
+          <a:p>
+            <a:endParaRPr lang="bg-BG"/>
+          </a:p>
+        </p:txBody>
+      </p:sp>
+      <p:sp>
+        <p:nvSpPr>
+          <p:cNvPr id="7" name="Slide Number Placeholder 6"/>
+          <p:cNvSpPr>
+            <a:spLocks noGrp="1"/>
+          </p:cNvSpPr>
+          <p:nvPr>
+            <p:ph type="sldNum" sz="quarter" idx="12"/>
+          </p:nvPr>
+        </p:nvSpPr>
+        <p:spPr/>
+        <p:txBody>
+          <a:bodyPr/>
+          <a:lstStyle/>
+          <a:p>
+            <a:fld id="{C52C9564-E14A-47A9-8650-097F9D18B237}" type="slidenum">
+              <a:rPr lang="bg-BG" smtClean="0"/>
+              <a:t>‹#›</a:t>
+            </a:fld>
+            <a:endParaRPr lang="bg-BG"/>
+          </a:p>
+        </p:txBody>
+      </p:sp>
+    </p:spTree>
+    <p:extLst>
+      <p:ext uri="{BB962C8B-B14F-4D97-AF65-F5344CB8AC3E}">
+        <p14:creationId xmlns:p14="http://schemas.microsoft.com/office/powerpoint/2010/main" val="1787335890"/>
+      </p:ext>
+    </p:extLst>
+  </p:cSld>
+  <p:clrMapOvr>
+    <a:masterClrMapping/>
+  </p:clrMapOvr>
+</p:sldLayout>
+</file>
+
+<file path=ppt/slideLayouts/slideLayout11.xml><?xml version="1.0" encoding="utf-8"?>
+<p:sldLayout xmlns:a="http://schemas.openxmlformats.org/drawingml/2006/main" xmlns:r="http://schemas.openxmlformats.org/officeDocument/2006/relationships" xmlns:p="http://schemas.openxmlformats.org/presentationml/2006/main" preserve="1">
+  <p:cSld name="Title and Caption">
+    <p:spTree>
+      <p:nvGrpSpPr>
+        <p:cNvPr id="1" name=""/>
+        <p:cNvGrpSpPr/>
+        <p:nvPr/>
+      </p:nvGrpSpPr>
+      <p:grpSpPr>
+        <a:xfrm>
+          <a:off x="0" y="0"/>
+          <a:ext cx="0" cy="0"/>
+          <a:chOff x="0" y="0"/>
+          <a:chExt cx="0" cy="0"/>
+        </a:xfrm>
+      </p:grpSpPr>
+      <p:sp>
+        <p:nvSpPr>
+          <p:cNvPr id="2" name="Title 1"/>
+          <p:cNvSpPr>
+            <a:spLocks noGrp="1"/>
+          </p:cNvSpPr>
+          <p:nvPr>
+            <p:ph type="title"/>
+          </p:nvPr>
+        </p:nvSpPr>
+        <p:spPr>
+          <a:xfrm>
+            <a:off x="818347" y="596018"/>
+            <a:ext cx="7511474" cy="3137782"/>
+          </a:xfrm>
+        </p:spPr>
+        <p:txBody>
+          <a:bodyPr anchor="ctr">
+            <a:normAutofit/>
+          </a:bodyPr>
+          <a:lstStyle>
+            <a:lvl1pPr algn="l">
+              <a:defRPr sz="2800" b="0" cap="all"/>
+            </a:lvl1pPr>
+          </a:lstStyle>
+          <a:p>
+            <a:r>
+              <a:rPr lang="en-US" smtClean="0"/>
+              <a:t>Click to edit Master title style</a:t>
+            </a:r>
+            <a:endParaRPr lang="en-US" dirty="0"/>
+          </a:p>
+        </p:txBody>
+      </p:sp>
+      <p:sp>
+        <p:nvSpPr>
+          <p:cNvPr id="3" name="Text Placeholder 2"/>
+          <p:cNvSpPr>
+            <a:spLocks noGrp="1"/>
+          </p:cNvSpPr>
+          <p:nvPr>
+            <p:ph type="body" idx="1"/>
+          </p:nvPr>
+        </p:nvSpPr>
+        <p:spPr>
+          <a:xfrm>
+            <a:off x="818347" y="4343400"/>
+            <a:ext cx="7511474" cy="1758660"/>
+          </a:xfrm>
+        </p:spPr>
+        <p:txBody>
+          <a:bodyPr anchor="ctr">
+            <a:normAutofit/>
+          </a:bodyPr>
+          <a:lstStyle>
+            <a:lvl1pPr marL="0" indent="0" algn="l">
+              <a:buNone/>
+              <a:defRPr sz="1800">
+                <a:gradFill flip="none" rotWithShape="1">
+                  <a:gsLst>
+                    <a:gs pos="0">
+                      <a:schemeClr val="tx1"/>
+                    </a:gs>
+                    <a:gs pos="100000">
+                      <a:schemeClr val="tx1">
+                        <a:lumMod val="75000"/>
+                      </a:schemeClr>
+                    </a:gs>
+                  </a:gsLst>
+                  <a:lin ang="5400000" scaled="0"/>
+                  <a:tileRect/>
+                </a:gradFill>
+              </a:defRPr>
+            </a:lvl1pPr>
+            <a:lvl2pPr marL="457200" indent="0">
+              <a:buNone/>
+              <a:defRPr sz="1800">
+                <a:solidFill>
+                  <a:schemeClr val="tx1">
+                    <a:tint val="75000"/>
+                  </a:schemeClr>
+                </a:solidFill>
+              </a:defRPr>
+            </a:lvl2pPr>
+            <a:lvl3pPr marL="914400" indent="0">
+              <a:buNone/>
+              <a:defRPr sz="1600">
+                <a:solidFill>
+                  <a:schemeClr val="tx1">
+                    <a:tint val="75000"/>
+                  </a:schemeClr>
+                </a:solidFill>
+              </a:defRPr>
+            </a:lvl3pPr>
+            <a:lvl4pPr marL="1371600" indent="0">
+              <a:buNone/>
+              <a:defRPr sz="1400">
+                <a:solidFill>
+                  <a:schemeClr val="tx1">
+                    <a:tint val="75000"/>
+                  </a:schemeClr>
+                </a:solidFill>
+              </a:defRPr>
+            </a:lvl4pPr>
+            <a:lvl5pPr marL="1828800" indent="0">
+              <a:buNone/>
+              <a:defRPr sz="1400">
+                <a:solidFill>
+                  <a:schemeClr val="tx1">
+                    <a:tint val="75000"/>
+                  </a:schemeClr>
+                </a:solidFill>
+              </a:defRPr>
+            </a:lvl5pPr>
+            <a:lvl6pPr marL="2286000" indent="0">
+              <a:buNone/>
+              <a:defRPr sz="1400">
+                <a:solidFill>
+                  <a:schemeClr val="tx1">
+                    <a:tint val="75000"/>
+                  </a:schemeClr>
+                </a:solidFill>
+              </a:defRPr>
+            </a:lvl6pPr>
+            <a:lvl7pPr marL="2743200" indent="0">
+              <a:buNone/>
+              <a:defRPr sz="1400">
+                <a:solidFill>
+                  <a:schemeClr val="tx1">
+                    <a:tint val="75000"/>
+                  </a:schemeClr>
+                </a:solidFill>
+              </a:defRPr>
+            </a:lvl7pPr>
+            <a:lvl8pPr marL="3200400" indent="0">
+              <a:buNone/>
+              <a:defRPr sz="1400">
+                <a:solidFill>
+                  <a:schemeClr val="tx1">
+                    <a:tint val="75000"/>
+                  </a:schemeClr>
+                </a:solidFill>
+              </a:defRPr>
+            </a:lvl8pPr>
+            <a:lvl9pPr marL="3657600" indent="0">
+              <a:buNone/>
+              <a:defRPr sz="1400">
+                <a:solidFill>
+                  <a:schemeClr val="tx1">
+                    <a:tint val="75000"/>
+                  </a:schemeClr>
+                </a:solidFill>
+              </a:defRPr>
+            </a:lvl9pPr>
+          </a:lstStyle>
+          <a:p>
+            <a:pPr lvl="0"/>
+            <a:r>
+              <a:rPr lang="en-US" smtClean="0"/>
+              <a:t>Edit Master text styles</a:t>
+            </a:r>
+          </a:p>
+        </p:txBody>
+      </p:sp>
+      <p:sp>
+        <p:nvSpPr>
+          <p:cNvPr id="4" name="Date Placeholder 3"/>
+          <p:cNvSpPr>
+            <a:spLocks noGrp="1"/>
+          </p:cNvSpPr>
+          <p:nvPr>
+            <p:ph type="dt" sz="half" idx="10"/>
+          </p:nvPr>
+        </p:nvSpPr>
+        <p:spPr/>
+        <p:txBody>
+          <a:bodyPr/>
+          <a:lstStyle/>
+          <a:p>
+            <a:fld id="{DDE870DA-2A0E-4DB8-A25D-C09E29500FC2}" type="datetimeFigureOut">
+              <a:rPr lang="bg-BG" smtClean="0"/>
+              <a:t>13.10.2016 г.</a:t>
+            </a:fld>
+            <a:endParaRPr lang="bg-BG"/>
+          </a:p>
+        </p:txBody>
+      </p:sp>
+      <p:sp>
+        <p:nvSpPr>
+          <p:cNvPr id="5" name="Footer Placeholder 4"/>
+          <p:cNvSpPr>
+            <a:spLocks noGrp="1"/>
+          </p:cNvSpPr>
+          <p:nvPr>
+            <p:ph type="ftr" sz="quarter" idx="11"/>
+          </p:nvPr>
+        </p:nvSpPr>
+        <p:spPr/>
+        <p:txBody>
+          <a:bodyPr/>
+          <a:lstStyle/>
+          <a:p>
+            <a:endParaRPr lang="bg-BG"/>
+          </a:p>
+        </p:txBody>
+      </p:sp>
+      <p:sp>
+        <p:nvSpPr>
+          <p:cNvPr id="6" name="Slide Number Placeholder 5"/>
+          <p:cNvSpPr>
+            <a:spLocks noGrp="1"/>
+          </p:cNvSpPr>
+          <p:nvPr>
+            <p:ph type="sldNum" sz="quarter" idx="12"/>
+          </p:nvPr>
+        </p:nvSpPr>
+        <p:spPr/>
+        <p:txBody>
+          <a:bodyPr/>
+          <a:lstStyle/>
+          <a:p>
+            <a:fld id="{C52C9564-E14A-47A9-8650-097F9D18B237}" type="slidenum">
+              <a:rPr lang="bg-BG" smtClean="0"/>
+              <a:t>‹#›</a:t>
+            </a:fld>
+            <a:endParaRPr lang="bg-BG"/>
+          </a:p>
+        </p:txBody>
+      </p:sp>
+    </p:spTree>
+    <p:extLst>
+      <p:ext uri="{BB962C8B-B14F-4D97-AF65-F5344CB8AC3E}">
+        <p14:creationId xmlns:p14="http://schemas.microsoft.com/office/powerpoint/2010/main" val="3836342341"/>
+      </p:ext>
+    </p:extLst>
+  </p:cSld>
+  <p:clrMapOvr>
+    <a:masterClrMapping/>
+  </p:clrMapOvr>
+</p:sldLayout>
+</file>
+
+<file path=ppt/slideLayouts/slideLayout12.xml><?xml version="1.0" encoding="utf-8"?>
+<p:sldLayout xmlns:a="http://schemas.openxmlformats.org/drawingml/2006/main" xmlns:r="http://schemas.openxmlformats.org/officeDocument/2006/relationships" xmlns:p="http://schemas.openxmlformats.org/presentationml/2006/main" preserve="1">
+  <p:cSld name="Quote with Caption">
+    <p:spTree>
+      <p:nvGrpSpPr>
+        <p:cNvPr id="1" name=""/>
+        <p:cNvGrpSpPr/>
+        <p:nvPr/>
+      </p:nvGrpSpPr>
+      <p:grpSpPr>
+        <a:xfrm>
+          <a:off x="0" y="0"/>
+          <a:ext cx="0" cy="0"/>
+          <a:chOff x="0" y="0"/>
+          <a:chExt cx="0" cy="0"/>
+        </a:xfrm>
+      </p:grpSpPr>
+      <p:sp>
+        <p:nvSpPr>
+          <p:cNvPr id="14" name="TextBox 13"/>
+          <p:cNvSpPr txBox="1"/>
+          <p:nvPr/>
+        </p:nvSpPr>
+        <p:spPr>
+          <a:xfrm>
+            <a:off x="583818" y="860276"/>
+            <a:ext cx="457319" cy="584776"/>
+          </a:xfrm>
+          <a:prstGeom prst="rect">
+            <a:avLst/>
+          </a:prstGeom>
+        </p:spPr>
+        <p:txBody>
+          <a:bodyPr vert="horz" lIns="91440" tIns="45720" rIns="91440" bIns="45720" rtlCol="0" anchor="ctr">
+            <a:noAutofit/>
+          </a:bodyPr>
+          <a:lstStyle>
+            <a:lvl1pPr>
+              <a:spcBef>
+                <a:spcPct val="0"/>
+              </a:spcBef>
+              <a:buNone/>
+              <a:defRPr sz="3200" b="0" cap="all">
+                <a:ln w="3175" cmpd="sng">
+                  <a:noFill/>
+                </a:ln>
+                <a:effectLst>
+                  <a:glow rad="38100">
+                    <a:schemeClr val="bg1">
+                      <a:lumMod val="65000"/>
+                      <a:lumOff val="35000"/>
+                      <a:alpha val="40000"/>
+                    </a:schemeClr>
+                  </a:glow>
+                  <a:outerShdw blurRad="28575" dist="38100" dir="14040000" algn="tl" rotWithShape="0">
+                    <a:srgbClr val="000000">
+                      <a:alpha val="25000"/>
+                    </a:srgbClr>
+                  </a:outerShdw>
+                </a:effectLst>
+              </a:defRPr>
+            </a:lvl1pPr>
+            <a:lvl2pPr>
+              <a:defRPr>
+                <a:solidFill>
+                  <a:schemeClr val="tx2"/>
+                </a:solidFill>
+              </a:defRPr>
+            </a:lvl2pPr>
+            <a:lvl3pPr>
+              <a:defRPr>
+                <a:solidFill>
+                  <a:schemeClr val="tx2"/>
+                </a:solidFill>
+              </a:defRPr>
+            </a:lvl3pPr>
+            <a:lvl4pPr>
+              <a:defRPr>
+                <a:solidFill>
+                  <a:schemeClr val="tx2"/>
+                </a:solidFill>
+              </a:defRPr>
+            </a:lvl4pPr>
+            <a:lvl5pPr>
+              <a:defRPr>
+                <a:solidFill>
+                  <a:schemeClr val="tx2"/>
+                </a:solidFill>
+              </a:defRPr>
+            </a:lvl5pPr>
+            <a:lvl6pPr>
+              <a:defRPr>
+                <a:solidFill>
+                  <a:schemeClr val="tx2"/>
+                </a:solidFill>
+              </a:defRPr>
+            </a:lvl6pPr>
+            <a:lvl7pPr>
+              <a:defRPr>
+                <a:solidFill>
+                  <a:schemeClr val="tx2"/>
+                </a:solidFill>
+              </a:defRPr>
+            </a:lvl7pPr>
+            <a:lvl8pPr>
+              <a:defRPr>
+                <a:solidFill>
+                  <a:schemeClr val="tx2"/>
+                </a:solidFill>
+              </a:defRPr>
+            </a:lvl8pPr>
+            <a:lvl9pPr>
+              <a:defRPr>
+                <a:solidFill>
+                  <a:schemeClr val="tx2"/>
+                </a:solidFill>
+              </a:defRPr>
+            </a:lvl9pPr>
+          </a:lstStyle>
+          <a:p>
+            <a:pPr lvl="0"/>
+            <a:r>
+              <a:rPr lang="en-US" sz="8000" dirty="0">
+                <a:solidFill>
+                  <a:schemeClr val="accent1"/>
+                </a:solidFill>
+              </a:rPr>
+              <a:t>“</a:t>
+            </a:r>
+          </a:p>
+        </p:txBody>
+      </p:sp>
+      <p:sp>
+        <p:nvSpPr>
+          <p:cNvPr id="15" name="TextBox 14"/>
+          <p:cNvSpPr txBox="1"/>
+          <p:nvPr/>
+        </p:nvSpPr>
+        <p:spPr>
+          <a:xfrm>
+            <a:off x="7888822" y="2985923"/>
+            <a:ext cx="457319" cy="584776"/>
+          </a:xfrm>
+          <a:prstGeom prst="rect">
+            <a:avLst/>
+          </a:prstGeom>
+        </p:spPr>
+        <p:txBody>
+          <a:bodyPr vert="horz" lIns="91440" tIns="45720" rIns="91440" bIns="45720" rtlCol="0" anchor="ctr">
+            <a:noAutofit/>
+          </a:bodyPr>
+          <a:lstStyle>
+            <a:lvl1pPr>
+              <a:spcBef>
+                <a:spcPct val="0"/>
+              </a:spcBef>
+              <a:buNone/>
+              <a:defRPr sz="3200" b="0" cap="all">
+                <a:ln w="3175" cmpd="sng">
+                  <a:noFill/>
+                </a:ln>
+                <a:effectLst>
+                  <a:glow rad="38100">
+                    <a:schemeClr val="bg1">
+                      <a:lumMod val="65000"/>
+                      <a:lumOff val="35000"/>
+                      <a:alpha val="40000"/>
+                    </a:schemeClr>
+                  </a:glow>
+                  <a:outerShdw blurRad="28575" dist="38100" dir="14040000" algn="tl" rotWithShape="0">
+                    <a:srgbClr val="000000">
+                      <a:alpha val="25000"/>
+                    </a:srgbClr>
+                  </a:outerShdw>
+                </a:effectLst>
+              </a:defRPr>
+            </a:lvl1pPr>
+            <a:lvl2pPr>
+              <a:defRPr>
+                <a:solidFill>
+                  <a:schemeClr val="tx2"/>
+                </a:solidFill>
+              </a:defRPr>
+            </a:lvl2pPr>
+            <a:lvl3pPr>
+              <a:defRPr>
+                <a:solidFill>
+                  <a:schemeClr val="tx2"/>
+                </a:solidFill>
+              </a:defRPr>
+            </a:lvl3pPr>
+            <a:lvl4pPr>
+              <a:defRPr>
+                <a:solidFill>
+                  <a:schemeClr val="tx2"/>
+                </a:solidFill>
+              </a:defRPr>
+            </a:lvl4pPr>
+            <a:lvl5pPr>
+              <a:defRPr>
+                <a:solidFill>
+                  <a:schemeClr val="tx2"/>
+                </a:solidFill>
+              </a:defRPr>
+            </a:lvl5pPr>
+            <a:lvl6pPr>
+              <a:defRPr>
+                <a:solidFill>
+                  <a:schemeClr val="tx2"/>
+                </a:solidFill>
+              </a:defRPr>
+            </a:lvl6pPr>
+            <a:lvl7pPr>
+              <a:defRPr>
+                <a:solidFill>
+                  <a:schemeClr val="tx2"/>
+                </a:solidFill>
+              </a:defRPr>
+            </a:lvl7pPr>
+            <a:lvl8pPr>
+              <a:defRPr>
+                <a:solidFill>
+                  <a:schemeClr val="tx2"/>
+                </a:solidFill>
+              </a:defRPr>
+            </a:lvl8pPr>
+            <a:lvl9pPr>
+              <a:defRPr>
+                <a:solidFill>
+                  <a:schemeClr val="tx2"/>
+                </a:solidFill>
+              </a:defRPr>
+            </a:lvl9pPr>
+          </a:lstStyle>
+          <a:p>
+            <a:pPr lvl="0" algn="r"/>
+            <a:r>
+              <a:rPr lang="en-US" sz="8000" dirty="0">
+                <a:solidFill>
+                  <a:schemeClr val="accent1"/>
+                </a:solidFill>
+              </a:rPr>
+              <a:t>”</a:t>
+            </a:r>
+          </a:p>
+        </p:txBody>
+      </p:sp>
+      <p:sp>
+        <p:nvSpPr>
+          <p:cNvPr id="2" name="Title 1"/>
+          <p:cNvSpPr>
+            <a:spLocks noGrp="1"/>
+          </p:cNvSpPr>
+          <p:nvPr>
+            <p:ph type="title"/>
+          </p:nvPr>
+        </p:nvSpPr>
+        <p:spPr>
+          <a:xfrm>
+            <a:off x="1084942" y="596018"/>
+            <a:ext cx="6974115" cy="3044079"/>
+          </a:xfrm>
+        </p:spPr>
+        <p:txBody>
+          <a:bodyPr anchor="ctr">
+            <a:normAutofit/>
+          </a:bodyPr>
+          <a:lstStyle>
+            <a:lvl1pPr algn="l">
+              <a:defRPr sz="2800" b="0" cap="all">
+                <a:gradFill flip="none" rotWithShape="1">
+                  <a:gsLst>
+                    <a:gs pos="0">
+                      <a:schemeClr val="tx1"/>
+                    </a:gs>
+                    <a:gs pos="100000">
+                      <a:schemeClr val="tx1">
+                        <a:lumMod val="75000"/>
+                      </a:schemeClr>
+                    </a:gs>
+                  </a:gsLst>
+                  <a:lin ang="5400000" scaled="0"/>
+                  <a:tileRect/>
+                </a:gradFill>
+              </a:defRPr>
+            </a:lvl1pPr>
+          </a:lstStyle>
+          <a:p>
+            <a:r>
+              <a:rPr lang="en-US" smtClean="0"/>
+              <a:t>Click to edit Master title style</a:t>
+            </a:r>
+            <a:endParaRPr lang="en-US" dirty="0"/>
+          </a:p>
+        </p:txBody>
+      </p:sp>
+      <p:sp>
+        <p:nvSpPr>
+          <p:cNvPr id="10" name="Text Placeholder 9"/>
+          <p:cNvSpPr>
+            <a:spLocks noGrp="1"/>
+          </p:cNvSpPr>
+          <p:nvPr>
+            <p:ph type="body" sz="quarter" idx="13"/>
+          </p:nvPr>
+        </p:nvSpPr>
+        <p:spPr>
+          <a:xfrm>
+            <a:off x="1256436" y="3650606"/>
+            <a:ext cx="6631128" cy="381000"/>
+          </a:xfrm>
+        </p:spPr>
+        <p:txBody>
+          <a:bodyPr anchor="ctr">
+            <a:normAutofit/>
+          </a:bodyPr>
+          <a:lstStyle>
+            <a:lvl1pPr marL="0" indent="0">
+              <a:buFontTx/>
+              <a:buNone/>
+              <a:defRPr sz="1400"/>
+            </a:lvl1pPr>
+            <a:lvl2pPr marL="457200" indent="0">
+              <a:buFontTx/>
+              <a:buNone/>
+              <a:defRPr/>
+            </a:lvl2pPr>
+            <a:lvl3pPr marL="914400" indent="0">
+              <a:buFontTx/>
+              <a:buNone/>
+              <a:defRPr/>
+            </a:lvl3pPr>
+            <a:lvl4pPr marL="1371600" indent="0">
+              <a:buFontTx/>
+              <a:buNone/>
+              <a:defRPr/>
+            </a:lvl4pPr>
+            <a:lvl5pPr marL="1828800" indent="0">
+              <a:buFontTx/>
+              <a:buNone/>
+              <a:defRPr/>
+            </a:lvl5pPr>
+          </a:lstStyle>
+          <a:p>
+            <a:pPr lvl="0"/>
+            <a:r>
+              <a:rPr lang="en-US" smtClean="0"/>
+              <a:t>Edit Master text styles</a:t>
+            </a:r>
+          </a:p>
+        </p:txBody>
+      </p:sp>
+      <p:sp>
+        <p:nvSpPr>
+          <p:cNvPr id="3" name="Text Placeholder 2"/>
+          <p:cNvSpPr>
+            <a:spLocks noGrp="1"/>
+          </p:cNvSpPr>
+          <p:nvPr>
+            <p:ph type="body" idx="1"/>
+          </p:nvPr>
+        </p:nvSpPr>
+        <p:spPr>
+          <a:xfrm>
+            <a:off x="818347" y="4641206"/>
+            <a:ext cx="7511473" cy="1447800"/>
+          </a:xfrm>
+        </p:spPr>
+        <p:txBody>
+          <a:bodyPr anchor="ctr">
+            <a:normAutofit/>
+          </a:bodyPr>
+          <a:lstStyle>
+            <a:lvl1pPr marL="0" indent="0" algn="l">
+              <a:buNone/>
+              <a:defRPr sz="1800">
+                <a:gradFill flip="none" rotWithShape="1">
+                  <a:gsLst>
+                    <a:gs pos="0">
+                      <a:schemeClr val="tx1"/>
+                    </a:gs>
+                    <a:gs pos="100000">
+                      <a:schemeClr val="tx1">
+                        <a:lumMod val="75000"/>
+                      </a:schemeClr>
+                    </a:gs>
+                  </a:gsLst>
+                  <a:lin ang="0" scaled="1"/>
+                  <a:tileRect/>
+                </a:gradFill>
+              </a:defRPr>
+            </a:lvl1pPr>
+            <a:lvl2pPr marL="457200" indent="0">
+              <a:buNone/>
+              <a:defRPr sz="1800">
+                <a:solidFill>
+                  <a:schemeClr val="tx1">
+                    <a:tint val="75000"/>
+                  </a:schemeClr>
+                </a:solidFill>
+              </a:defRPr>
+            </a:lvl2pPr>
+            <a:lvl3pPr marL="914400" indent="0">
+              <a:buNone/>
+              <a:defRPr sz="1600">
+                <a:solidFill>
+                  <a:schemeClr val="tx1">
+                    <a:tint val="75000"/>
+                  </a:schemeClr>
+                </a:solidFill>
+              </a:defRPr>
+            </a:lvl3pPr>
+            <a:lvl4pPr marL="1371600" indent="0">
+              <a:buNone/>
+              <a:defRPr sz="1400">
+                <a:solidFill>
+                  <a:schemeClr val="tx1">
+                    <a:tint val="75000"/>
+                  </a:schemeClr>
+                </a:solidFill>
+              </a:defRPr>
+            </a:lvl4pPr>
+            <a:lvl5pPr marL="1828800" indent="0">
+              <a:buNone/>
+              <a:defRPr sz="1400">
+                <a:solidFill>
+                  <a:schemeClr val="tx1">
+                    <a:tint val="75000"/>
+                  </a:schemeClr>
+                </a:solidFill>
+              </a:defRPr>
+            </a:lvl5pPr>
+            <a:lvl6pPr marL="2286000" indent="0">
+              <a:buNone/>
+              <a:defRPr sz="1400">
+                <a:solidFill>
+                  <a:schemeClr val="tx1">
+                    <a:tint val="75000"/>
+                  </a:schemeClr>
+                </a:solidFill>
+              </a:defRPr>
+            </a:lvl6pPr>
+            <a:lvl7pPr marL="2743200" indent="0">
+              <a:buNone/>
+              <a:defRPr sz="1400">
+                <a:solidFill>
+                  <a:schemeClr val="tx1">
+                    <a:tint val="75000"/>
+                  </a:schemeClr>
+                </a:solidFill>
+              </a:defRPr>
+            </a:lvl7pPr>
+            <a:lvl8pPr marL="3200400" indent="0">
+              <a:buNone/>
+              <a:defRPr sz="1400">
+                <a:solidFill>
+                  <a:schemeClr val="tx1">
+                    <a:tint val="75000"/>
+                  </a:schemeClr>
+                </a:solidFill>
+              </a:defRPr>
+            </a:lvl8pPr>
+            <a:lvl9pPr marL="3657600" indent="0">
+              <a:buNone/>
+              <a:defRPr sz="1400">
+                <a:solidFill>
+                  <a:schemeClr val="tx1">
+                    <a:tint val="75000"/>
+                  </a:schemeClr>
+                </a:solidFill>
+              </a:defRPr>
+            </a:lvl9pPr>
+          </a:lstStyle>
+          <a:p>
+            <a:pPr lvl="0"/>
+            <a:r>
+              <a:rPr lang="en-US" smtClean="0"/>
+              <a:t>Edit Master text styles</a:t>
+            </a:r>
+          </a:p>
+        </p:txBody>
+      </p:sp>
+      <p:sp>
+        <p:nvSpPr>
+          <p:cNvPr id="4" name="Date Placeholder 3"/>
+          <p:cNvSpPr>
+            <a:spLocks noGrp="1"/>
+          </p:cNvSpPr>
+          <p:nvPr>
+            <p:ph type="dt" sz="half" idx="10"/>
+          </p:nvPr>
+        </p:nvSpPr>
+        <p:spPr/>
+        <p:txBody>
+          <a:bodyPr/>
+          <a:lstStyle/>
+          <a:p>
+            <a:fld id="{DDE870DA-2A0E-4DB8-A25D-C09E29500FC2}" type="datetimeFigureOut">
+              <a:rPr lang="bg-BG" smtClean="0"/>
+              <a:t>13.10.2016 г.</a:t>
+            </a:fld>
+            <a:endParaRPr lang="bg-BG"/>
+          </a:p>
+        </p:txBody>
+      </p:sp>
+      <p:sp>
+        <p:nvSpPr>
+          <p:cNvPr id="5" name="Footer Placeholder 4"/>
+          <p:cNvSpPr>
+            <a:spLocks noGrp="1"/>
+          </p:cNvSpPr>
+          <p:nvPr>
+            <p:ph type="ftr" sz="quarter" idx="11"/>
+          </p:nvPr>
+        </p:nvSpPr>
+        <p:spPr/>
+        <p:txBody>
+          <a:bodyPr/>
+          <a:lstStyle/>
+          <a:p>
+            <a:endParaRPr lang="bg-BG"/>
+          </a:p>
+        </p:txBody>
+      </p:sp>
+      <p:sp>
+        <p:nvSpPr>
+          <p:cNvPr id="6" name="Slide Number Placeholder 5"/>
+          <p:cNvSpPr>
+            <a:spLocks noGrp="1"/>
+          </p:cNvSpPr>
+          <p:nvPr>
+            <p:ph type="sldNum" sz="quarter" idx="12"/>
+          </p:nvPr>
+        </p:nvSpPr>
+        <p:spPr/>
+        <p:txBody>
+          <a:bodyPr/>
+          <a:lstStyle/>
+          <a:p>
+            <a:fld id="{C52C9564-E14A-47A9-8650-097F9D18B237}" type="slidenum">
+              <a:rPr lang="bg-BG" smtClean="0"/>
+              <a:t>‹#›</a:t>
+            </a:fld>
+            <a:endParaRPr lang="bg-BG"/>
+          </a:p>
+        </p:txBody>
+      </p:sp>
+    </p:spTree>
+    <p:extLst>
+      <p:ext uri="{BB962C8B-B14F-4D97-AF65-F5344CB8AC3E}">
+        <p14:creationId xmlns:p14="http://schemas.microsoft.com/office/powerpoint/2010/main" val="1030150356"/>
+      </p:ext>
+    </p:extLst>
+  </p:cSld>
+  <p:clrMapOvr>
+    <a:masterClrMapping/>
+  </p:clrMapOvr>
+</p:sldLayout>
+</file>
+
+<file path=ppt/slideLayouts/slideLayout13.xml><?xml version="1.0" encoding="utf-8"?>
+<p:sldLayout xmlns:a="http://schemas.openxmlformats.org/drawingml/2006/main" xmlns:r="http://schemas.openxmlformats.org/officeDocument/2006/relationships" xmlns:p="http://schemas.openxmlformats.org/presentationml/2006/main" preserve="1">
+  <p:cSld name="Name Card">
+    <p:spTree>
+      <p:nvGrpSpPr>
+        <p:cNvPr id="1" name=""/>
+        <p:cNvGrpSpPr/>
+        <p:nvPr/>
+      </p:nvGrpSpPr>
+      <p:grpSpPr>
+        <a:xfrm>
+          <a:off x="0" y="0"/>
+          <a:ext cx="0" cy="0"/>
+          <a:chOff x="0" y="0"/>
+          <a:chExt cx="0" cy="0"/>
+        </a:xfrm>
+      </p:grpSpPr>
+      <p:sp>
+        <p:nvSpPr>
+          <p:cNvPr id="2" name="Title 1"/>
+          <p:cNvSpPr>
+            <a:spLocks noGrp="1"/>
+          </p:cNvSpPr>
+          <p:nvPr>
+            <p:ph type="title"/>
+          </p:nvPr>
+        </p:nvSpPr>
+        <p:spPr>
+          <a:xfrm>
+            <a:off x="818347" y="3603566"/>
+            <a:ext cx="7512338" cy="1468800"/>
+          </a:xfrm>
+        </p:spPr>
+        <p:txBody>
+          <a:bodyPr anchor="b">
+            <a:normAutofit/>
+          </a:bodyPr>
+          <a:lstStyle>
+            <a:lvl1pPr algn="l">
+              <a:defRPr sz="2800" b="0" cap="all"/>
+            </a:lvl1pPr>
+          </a:lstStyle>
+          <a:p>
+            <a:r>
+              <a:rPr lang="en-US" smtClean="0"/>
+              <a:t>Click to edit Master title style</a:t>
+            </a:r>
+            <a:endParaRPr lang="en-US" dirty="0"/>
+          </a:p>
+        </p:txBody>
+      </p:sp>
+      <p:sp>
+        <p:nvSpPr>
+          <p:cNvPr id="3" name="Text Placeholder 2"/>
+          <p:cNvSpPr>
+            <a:spLocks noGrp="1"/>
+          </p:cNvSpPr>
+          <p:nvPr>
+            <p:ph type="body" idx="1"/>
+          </p:nvPr>
+        </p:nvSpPr>
+        <p:spPr>
+          <a:xfrm>
+            <a:off x="821015" y="5072366"/>
+            <a:ext cx="7512339" cy="1029694"/>
+          </a:xfrm>
+        </p:spPr>
+        <p:txBody>
+          <a:bodyPr anchor="t">
+            <a:normAutofit/>
+          </a:bodyPr>
+          <a:lstStyle>
+            <a:lvl1pPr marL="0" indent="0" algn="l">
+              <a:buNone/>
+              <a:defRPr sz="1800">
+                <a:gradFill flip="none" rotWithShape="1">
+                  <a:gsLst>
+                    <a:gs pos="0">
+                      <a:schemeClr val="tx1"/>
+                    </a:gs>
+                    <a:gs pos="100000">
+                      <a:schemeClr val="tx1">
+                        <a:lumMod val="75000"/>
+                      </a:schemeClr>
+                    </a:gs>
+                  </a:gsLst>
+                  <a:lin ang="5400000" scaled="0"/>
+                  <a:tileRect/>
+                </a:gradFill>
+              </a:defRPr>
+            </a:lvl1pPr>
+            <a:lvl2pPr marL="457200" indent="0">
+              <a:buNone/>
+              <a:defRPr sz="1800">
+                <a:solidFill>
+                  <a:schemeClr val="tx1">
+                    <a:tint val="75000"/>
+                  </a:schemeClr>
+                </a:solidFill>
+              </a:defRPr>
+            </a:lvl2pPr>
+            <a:lvl3pPr marL="914400" indent="0">
+              <a:buNone/>
+              <a:defRPr sz="1600">
+                <a:solidFill>
+                  <a:schemeClr val="tx1">
+                    <a:tint val="75000"/>
+                  </a:schemeClr>
+                </a:solidFill>
+              </a:defRPr>
+            </a:lvl3pPr>
+            <a:lvl4pPr marL="1371600" indent="0">
+              <a:buNone/>
+              <a:defRPr sz="1400">
+                <a:solidFill>
+                  <a:schemeClr val="tx1">
+                    <a:tint val="75000"/>
+                  </a:schemeClr>
+                </a:solidFill>
+              </a:defRPr>
+            </a:lvl4pPr>
+            <a:lvl5pPr marL="1828800" indent="0">
+              <a:buNone/>
+              <a:defRPr sz="1400">
+                <a:solidFill>
+                  <a:schemeClr val="tx1">
+                    <a:tint val="75000"/>
+                  </a:schemeClr>
+                </a:solidFill>
+              </a:defRPr>
+            </a:lvl5pPr>
+            <a:lvl6pPr marL="2286000" indent="0">
+              <a:buNone/>
+              <a:defRPr sz="1400">
+                <a:solidFill>
+                  <a:schemeClr val="tx1">
+                    <a:tint val="75000"/>
+                  </a:schemeClr>
+                </a:solidFill>
+              </a:defRPr>
+            </a:lvl6pPr>
+            <a:lvl7pPr marL="2743200" indent="0">
+              <a:buNone/>
+              <a:defRPr sz="1400">
+                <a:solidFill>
+                  <a:schemeClr val="tx1">
+                    <a:tint val="75000"/>
+                  </a:schemeClr>
+                </a:solidFill>
+              </a:defRPr>
+            </a:lvl7pPr>
+            <a:lvl8pPr marL="3200400" indent="0">
+              <a:buNone/>
+              <a:defRPr sz="1400">
+                <a:solidFill>
+                  <a:schemeClr val="tx1">
+                    <a:tint val="75000"/>
+                  </a:schemeClr>
+                </a:solidFill>
+              </a:defRPr>
+            </a:lvl8pPr>
+            <a:lvl9pPr marL="3657600" indent="0">
+              <a:buNone/>
+              <a:defRPr sz="1400">
+                <a:solidFill>
+                  <a:schemeClr val="tx1">
+                    <a:tint val="75000"/>
+                  </a:schemeClr>
+                </a:solidFill>
+              </a:defRPr>
+            </a:lvl9pPr>
+          </a:lstStyle>
+          <a:p>
+            <a:pPr lvl="0"/>
+            <a:r>
+              <a:rPr lang="en-US" smtClean="0"/>
+              <a:t>Edit Master text styles</a:t>
+            </a:r>
+          </a:p>
+        </p:txBody>
+      </p:sp>
+      <p:sp>
+        <p:nvSpPr>
+          <p:cNvPr id="4" name="Date Placeholder 3"/>
+          <p:cNvSpPr>
+            <a:spLocks noGrp="1"/>
+          </p:cNvSpPr>
+          <p:nvPr>
+            <p:ph type="dt" sz="half" idx="10"/>
+          </p:nvPr>
+        </p:nvSpPr>
+        <p:spPr/>
+        <p:txBody>
+          <a:bodyPr/>
+          <a:lstStyle/>
+          <a:p>
+            <a:fld id="{DDE870DA-2A0E-4DB8-A25D-C09E29500FC2}" type="datetimeFigureOut">
+              <a:rPr lang="bg-BG" smtClean="0"/>
+              <a:t>13.10.2016 г.</a:t>
+            </a:fld>
+            <a:endParaRPr lang="bg-BG"/>
+          </a:p>
+        </p:txBody>
+      </p:sp>
+      <p:sp>
+        <p:nvSpPr>
+          <p:cNvPr id="5" name="Footer Placeholder 4"/>
+          <p:cNvSpPr>
+            <a:spLocks noGrp="1"/>
+          </p:cNvSpPr>
+          <p:nvPr>
+            <p:ph type="ftr" sz="quarter" idx="11"/>
+          </p:nvPr>
+        </p:nvSpPr>
+        <p:spPr/>
+        <p:txBody>
+          <a:bodyPr/>
+          <a:lstStyle/>
+          <a:p>
+            <a:endParaRPr lang="bg-BG"/>
+          </a:p>
+        </p:txBody>
+      </p:sp>
+      <p:sp>
+        <p:nvSpPr>
+          <p:cNvPr id="6" name="Slide Number Placeholder 5"/>
+          <p:cNvSpPr>
+            <a:spLocks noGrp="1"/>
+          </p:cNvSpPr>
+          <p:nvPr>
+            <p:ph type="sldNum" sz="quarter" idx="12"/>
+          </p:nvPr>
+        </p:nvSpPr>
+        <p:spPr/>
+        <p:txBody>
+          <a:bodyPr/>
+          <a:lstStyle/>
+          <a:p>
+            <a:fld id="{C52C9564-E14A-47A9-8650-097F9D18B237}" type="slidenum">
+              <a:rPr lang="bg-BG" smtClean="0"/>
+              <a:t>‹#›</a:t>
+            </a:fld>
+            <a:endParaRPr lang="bg-BG"/>
+          </a:p>
+        </p:txBody>
+      </p:sp>
+    </p:spTree>
+    <p:extLst>
+      <p:ext uri="{BB962C8B-B14F-4D97-AF65-F5344CB8AC3E}">
+        <p14:creationId xmlns:p14="http://schemas.microsoft.com/office/powerpoint/2010/main" val="3864743749"/>
+      </p:ext>
+    </p:extLst>
+  </p:cSld>
+  <p:clrMapOvr>
+    <a:masterClrMapping/>
+  </p:clrMapOvr>
+</p:sldLayout>
+</file>
+
+<file path=ppt/slideLayouts/slideLayout14.xml><?xml version="1.0" encoding="utf-8"?>
+<p:sldLayout xmlns:a="http://schemas.openxmlformats.org/drawingml/2006/main" xmlns:r="http://schemas.openxmlformats.org/officeDocument/2006/relationships" xmlns:p="http://schemas.openxmlformats.org/presentationml/2006/main" preserve="1">
+  <p:cSld name="Quote Name Card">
+    <p:spTree>
+      <p:nvGrpSpPr>
+        <p:cNvPr id="1" name=""/>
+        <p:cNvGrpSpPr/>
+        <p:nvPr/>
+      </p:nvGrpSpPr>
+      <p:grpSpPr>
+        <a:xfrm>
+          <a:off x="0" y="0"/>
+          <a:ext cx="0" cy="0"/>
+          <a:chOff x="0" y="0"/>
+          <a:chExt cx="0" cy="0"/>
+        </a:xfrm>
+      </p:grpSpPr>
+      <p:sp>
+        <p:nvSpPr>
+          <p:cNvPr id="13" name="TextBox 12"/>
+          <p:cNvSpPr txBox="1"/>
+          <p:nvPr/>
+        </p:nvSpPr>
+        <p:spPr>
+          <a:xfrm>
+            <a:off x="583818" y="753851"/>
+            <a:ext cx="457319" cy="584776"/>
+          </a:xfrm>
+          <a:prstGeom prst="rect">
+            <a:avLst/>
+          </a:prstGeom>
+        </p:spPr>
+        <p:txBody>
+          <a:bodyPr vert="horz" lIns="91440" tIns="45720" rIns="91440" bIns="45720" rtlCol="0" anchor="ctr">
+            <a:noAutofit/>
+          </a:bodyPr>
+          <a:lstStyle>
+            <a:lvl1pPr>
+              <a:spcBef>
+                <a:spcPct val="0"/>
+              </a:spcBef>
+              <a:buNone/>
+              <a:defRPr sz="3200" b="0" cap="all">
+                <a:ln w="3175" cmpd="sng">
+                  <a:noFill/>
+                </a:ln>
+                <a:effectLst>
+                  <a:glow rad="38100">
+                    <a:schemeClr val="bg1">
+                      <a:lumMod val="65000"/>
+                      <a:lumOff val="35000"/>
+                      <a:alpha val="40000"/>
+                    </a:schemeClr>
+                  </a:glow>
+                  <a:outerShdw blurRad="28575" dist="38100" dir="14040000" algn="tl" rotWithShape="0">
+                    <a:srgbClr val="000000">
+                      <a:alpha val="25000"/>
+                    </a:srgbClr>
+                  </a:outerShdw>
+                </a:effectLst>
+              </a:defRPr>
+            </a:lvl1pPr>
+            <a:lvl2pPr>
+              <a:defRPr>
+                <a:solidFill>
+                  <a:schemeClr val="tx2"/>
+                </a:solidFill>
+              </a:defRPr>
+            </a:lvl2pPr>
+            <a:lvl3pPr>
+              <a:defRPr>
+                <a:solidFill>
+                  <a:schemeClr val="tx2"/>
+                </a:solidFill>
+              </a:defRPr>
+            </a:lvl3pPr>
+            <a:lvl4pPr>
+              <a:defRPr>
+                <a:solidFill>
+                  <a:schemeClr val="tx2"/>
+                </a:solidFill>
+              </a:defRPr>
+            </a:lvl4pPr>
+            <a:lvl5pPr>
+              <a:defRPr>
+                <a:solidFill>
+                  <a:schemeClr val="tx2"/>
+                </a:solidFill>
+              </a:defRPr>
+            </a:lvl5pPr>
+            <a:lvl6pPr>
+              <a:defRPr>
+                <a:solidFill>
+                  <a:schemeClr val="tx2"/>
+                </a:solidFill>
+              </a:defRPr>
+            </a:lvl6pPr>
+            <a:lvl7pPr>
+              <a:defRPr>
+                <a:solidFill>
+                  <a:schemeClr val="tx2"/>
+                </a:solidFill>
+              </a:defRPr>
+            </a:lvl7pPr>
+            <a:lvl8pPr>
+              <a:defRPr>
+                <a:solidFill>
+                  <a:schemeClr val="tx2"/>
+                </a:solidFill>
+              </a:defRPr>
+            </a:lvl8pPr>
+            <a:lvl9pPr>
+              <a:defRPr>
+                <a:solidFill>
+                  <a:schemeClr val="tx2"/>
+                </a:solidFill>
+              </a:defRPr>
+            </a:lvl9pPr>
+          </a:lstStyle>
+          <a:p>
+            <a:pPr lvl="0"/>
+            <a:r>
+              <a:rPr lang="en-US" sz="8000" dirty="0">
+                <a:solidFill>
+                  <a:schemeClr val="accent1"/>
+                </a:solidFill>
+              </a:rPr>
+              <a:t>“</a:t>
+            </a:r>
+          </a:p>
+        </p:txBody>
+      </p:sp>
+      <p:sp>
+        <p:nvSpPr>
+          <p:cNvPr id="16" name="TextBox 15"/>
+          <p:cNvSpPr txBox="1"/>
+          <p:nvPr/>
+        </p:nvSpPr>
+        <p:spPr>
+          <a:xfrm>
+            <a:off x="7887556" y="2879498"/>
+            <a:ext cx="457319" cy="584776"/>
+          </a:xfrm>
+          <a:prstGeom prst="rect">
+            <a:avLst/>
+          </a:prstGeom>
+        </p:spPr>
+        <p:txBody>
+          <a:bodyPr vert="horz" lIns="91440" tIns="45720" rIns="91440" bIns="45720" rtlCol="0" anchor="ctr">
+            <a:noAutofit/>
+          </a:bodyPr>
+          <a:lstStyle>
+            <a:lvl1pPr>
+              <a:spcBef>
+                <a:spcPct val="0"/>
+              </a:spcBef>
+              <a:buNone/>
+              <a:defRPr sz="3200" b="0" cap="all">
+                <a:ln w="3175" cmpd="sng">
+                  <a:noFill/>
+                </a:ln>
+                <a:effectLst>
+                  <a:glow rad="38100">
+                    <a:schemeClr val="bg1">
+                      <a:lumMod val="65000"/>
+                      <a:lumOff val="35000"/>
+                      <a:alpha val="40000"/>
+                    </a:schemeClr>
+                  </a:glow>
+                  <a:outerShdw blurRad="28575" dist="38100" dir="14040000" algn="tl" rotWithShape="0">
+                    <a:srgbClr val="000000">
+                      <a:alpha val="25000"/>
+                    </a:srgbClr>
+                  </a:outerShdw>
+                </a:effectLst>
+              </a:defRPr>
+            </a:lvl1pPr>
+            <a:lvl2pPr>
+              <a:defRPr>
+                <a:solidFill>
+                  <a:schemeClr val="tx2"/>
+                </a:solidFill>
+              </a:defRPr>
+            </a:lvl2pPr>
+            <a:lvl3pPr>
+              <a:defRPr>
+                <a:solidFill>
+                  <a:schemeClr val="tx2"/>
+                </a:solidFill>
+              </a:defRPr>
+            </a:lvl3pPr>
+            <a:lvl4pPr>
+              <a:defRPr>
+                <a:solidFill>
+                  <a:schemeClr val="tx2"/>
+                </a:solidFill>
+              </a:defRPr>
+            </a:lvl4pPr>
+            <a:lvl5pPr>
+              <a:defRPr>
+                <a:solidFill>
+                  <a:schemeClr val="tx2"/>
+                </a:solidFill>
+              </a:defRPr>
+            </a:lvl5pPr>
+            <a:lvl6pPr>
+              <a:defRPr>
+                <a:solidFill>
+                  <a:schemeClr val="tx2"/>
+                </a:solidFill>
+              </a:defRPr>
+            </a:lvl6pPr>
+            <a:lvl7pPr>
+              <a:defRPr>
+                <a:solidFill>
+                  <a:schemeClr val="tx2"/>
+                </a:solidFill>
+              </a:defRPr>
+            </a:lvl7pPr>
+            <a:lvl8pPr>
+              <a:defRPr>
+                <a:solidFill>
+                  <a:schemeClr val="tx2"/>
+                </a:solidFill>
+              </a:defRPr>
+            </a:lvl8pPr>
+            <a:lvl9pPr>
+              <a:defRPr>
+                <a:solidFill>
+                  <a:schemeClr val="tx2"/>
+                </a:solidFill>
+              </a:defRPr>
+            </a:lvl9pPr>
+          </a:lstStyle>
+          <a:p>
+            <a:pPr lvl="0" algn="r"/>
+            <a:r>
+              <a:rPr lang="en-US" sz="8000" dirty="0">
+                <a:solidFill>
+                  <a:schemeClr val="accent1"/>
+                </a:solidFill>
+              </a:rPr>
+              <a:t>”</a:t>
+            </a:r>
+          </a:p>
+        </p:txBody>
+      </p:sp>
+      <p:sp>
+        <p:nvSpPr>
+          <p:cNvPr id="2" name="Title 1"/>
+          <p:cNvSpPr>
+            <a:spLocks noGrp="1"/>
+          </p:cNvSpPr>
+          <p:nvPr>
+            <p:ph type="title"/>
+          </p:nvPr>
+        </p:nvSpPr>
+        <p:spPr>
+          <a:xfrm>
+            <a:off x="1084942" y="596018"/>
+            <a:ext cx="6974115" cy="2844369"/>
+          </a:xfrm>
+        </p:spPr>
+        <p:txBody>
+          <a:bodyPr anchor="ctr">
+            <a:normAutofit/>
+          </a:bodyPr>
+          <a:lstStyle>
+            <a:lvl1pPr algn="l">
+              <a:defRPr sz="2800" b="0" cap="all">
+                <a:gradFill flip="none" rotWithShape="1">
+                  <a:gsLst>
+                    <a:gs pos="0">
+                      <a:schemeClr val="tx1"/>
+                    </a:gs>
+                    <a:gs pos="100000">
+                      <a:schemeClr val="tx1">
+                        <a:lumMod val="75000"/>
+                      </a:schemeClr>
+                    </a:gs>
+                  </a:gsLst>
+                  <a:lin ang="5400000" scaled="0"/>
+                  <a:tileRect/>
+                </a:gradFill>
+              </a:defRPr>
+            </a:lvl1pPr>
+          </a:lstStyle>
+          <a:p>
+            <a:r>
+              <a:rPr lang="en-US" smtClean="0"/>
+              <a:t>Click to edit Master title style</a:t>
+            </a:r>
+            <a:endParaRPr lang="en-US" dirty="0"/>
+          </a:p>
+        </p:txBody>
+      </p:sp>
+      <p:sp>
+        <p:nvSpPr>
+          <p:cNvPr id="10" name="Text Placeholder 9"/>
+          <p:cNvSpPr>
+            <a:spLocks noGrp="1"/>
+          </p:cNvSpPr>
+          <p:nvPr>
+            <p:ph type="body" sz="quarter" idx="13"/>
+          </p:nvPr>
+        </p:nvSpPr>
+        <p:spPr>
+          <a:xfrm>
+            <a:off x="818347" y="3886200"/>
+            <a:ext cx="7512338" cy="1053662"/>
+          </a:xfrm>
+        </p:spPr>
+        <p:txBody>
+          <a:bodyPr vert="horz" lIns="91440" tIns="45720" rIns="91440" bIns="45720" rtlCol="0" anchor="b">
+            <a:normAutofit/>
+          </a:bodyPr>
+          <a:lstStyle>
+            <a:lvl1pPr>
+              <a:buNone/>
+              <a:defRPr lang="en-US" sz="2000" b="0" cap="all" dirty="0">
+                <a:ln w="3175" cmpd="sng">
+                  <a:noFill/>
+                </a:ln>
+                <a:gradFill flip="none" rotWithShape="1">
+                  <a:gsLst>
+                    <a:gs pos="0">
+                      <a:schemeClr val="tx1"/>
+                    </a:gs>
+                    <a:gs pos="100000">
+                      <a:schemeClr val="tx1">
+                        <a:lumMod val="75000"/>
+                      </a:schemeClr>
+                    </a:gs>
+                  </a:gsLst>
+                  <a:lin ang="0" scaled="1"/>
+                  <a:tileRect/>
+                </a:gradFill>
+                <a:effectLst>
+                  <a:glow rad="38100">
+                    <a:schemeClr val="bg1">
+                      <a:lumMod val="65000"/>
+                      <a:lumOff val="35000"/>
+                      <a:alpha val="40000"/>
+                    </a:schemeClr>
+                  </a:glow>
+                  <a:outerShdw blurRad="28575" dist="38100" dir="14040000" algn="tl" rotWithShape="0">
+                    <a:srgbClr val="000000">
+                      <a:alpha val="25000"/>
+                    </a:srgbClr>
+                  </a:outerShdw>
+                </a:effectLst>
+              </a:defRPr>
+            </a:lvl1pPr>
+          </a:lstStyle>
+          <a:p>
+            <a:pPr marL="0" lvl="0">
+              <a:spcBef>
+                <a:spcPct val="0"/>
+              </a:spcBef>
+              <a:buNone/>
+            </a:pPr>
+            <a:r>
+              <a:rPr lang="en-US" smtClean="0"/>
+              <a:t>Edit Master text styles</a:t>
+            </a:r>
+          </a:p>
+        </p:txBody>
+      </p:sp>
+      <p:sp>
+        <p:nvSpPr>
+          <p:cNvPr id="3" name="Text Placeholder 2"/>
+          <p:cNvSpPr>
+            <a:spLocks noGrp="1"/>
+          </p:cNvSpPr>
+          <p:nvPr>
+            <p:ph type="body" idx="1"/>
+          </p:nvPr>
+        </p:nvSpPr>
+        <p:spPr>
+          <a:xfrm>
+            <a:off x="818347" y="4939862"/>
+            <a:ext cx="7512338" cy="1162198"/>
+          </a:xfrm>
+        </p:spPr>
+        <p:txBody>
+          <a:bodyPr anchor="t">
+            <a:normAutofit/>
+          </a:bodyPr>
+          <a:lstStyle>
+            <a:lvl1pPr marL="0" indent="0" algn="l">
+              <a:buNone/>
+              <a:defRPr sz="1600">
+                <a:gradFill flip="none" rotWithShape="1">
+                  <a:gsLst>
+                    <a:gs pos="0">
+                      <a:schemeClr val="tx1"/>
+                    </a:gs>
+                    <a:gs pos="100000">
+                      <a:schemeClr val="tx1">
+                        <a:lumMod val="75000"/>
+                      </a:schemeClr>
+                    </a:gs>
+                  </a:gsLst>
+                  <a:lin ang="5400000" scaled="0"/>
+                  <a:tileRect/>
+                </a:gradFill>
+              </a:defRPr>
+            </a:lvl1pPr>
+            <a:lvl2pPr marL="457200" indent="0">
+              <a:buNone/>
+              <a:defRPr sz="1600">
+                <a:solidFill>
+                  <a:schemeClr val="tx1">
+                    <a:tint val="75000"/>
+                  </a:schemeClr>
+                </a:solidFill>
+              </a:defRPr>
+            </a:lvl2pPr>
+            <a:lvl3pPr marL="914400" indent="0">
+              <a:buNone/>
+              <a:defRPr sz="1600">
+                <a:solidFill>
+                  <a:schemeClr val="tx1">
+                    <a:tint val="75000"/>
+                  </a:schemeClr>
+                </a:solidFill>
+              </a:defRPr>
+            </a:lvl3pPr>
+            <a:lvl4pPr marL="1371600" indent="0">
+              <a:buNone/>
+              <a:defRPr sz="1400">
+                <a:solidFill>
+                  <a:schemeClr val="tx1">
+                    <a:tint val="75000"/>
+                  </a:schemeClr>
+                </a:solidFill>
+              </a:defRPr>
+            </a:lvl4pPr>
+            <a:lvl5pPr marL="1828800" indent="0">
+              <a:buNone/>
+              <a:defRPr sz="1400">
+                <a:solidFill>
+                  <a:schemeClr val="tx1">
+                    <a:tint val="75000"/>
+                  </a:schemeClr>
+                </a:solidFill>
+              </a:defRPr>
+            </a:lvl5pPr>
+            <a:lvl6pPr marL="2286000" indent="0">
+              <a:buNone/>
+              <a:defRPr sz="1400">
+                <a:solidFill>
+                  <a:schemeClr val="tx1">
+                    <a:tint val="75000"/>
+                  </a:schemeClr>
+                </a:solidFill>
+              </a:defRPr>
+            </a:lvl6pPr>
+            <a:lvl7pPr marL="2743200" indent="0">
+              <a:buNone/>
+              <a:defRPr sz="1400">
+                <a:solidFill>
+                  <a:schemeClr val="tx1">
+                    <a:tint val="75000"/>
+                  </a:schemeClr>
+                </a:solidFill>
+              </a:defRPr>
+            </a:lvl7pPr>
+            <a:lvl8pPr marL="3200400" indent="0">
+              <a:buNone/>
+              <a:defRPr sz="1400">
+                <a:solidFill>
+                  <a:schemeClr val="tx1">
+                    <a:tint val="75000"/>
+                  </a:schemeClr>
+                </a:solidFill>
+              </a:defRPr>
+            </a:lvl8pPr>
+            <a:lvl9pPr marL="3657600" indent="0">
+              <a:buNone/>
+              <a:defRPr sz="1400">
+                <a:solidFill>
+                  <a:schemeClr val="tx1">
+                    <a:tint val="75000"/>
+                  </a:schemeClr>
+                </a:solidFill>
+              </a:defRPr>
+            </a:lvl9pPr>
+          </a:lstStyle>
+          <a:p>
+            <a:pPr lvl="0"/>
+            <a:r>
+              <a:rPr lang="en-US" smtClean="0"/>
+              <a:t>Edit Master text styles</a:t>
+            </a:r>
+          </a:p>
+        </p:txBody>
+      </p:sp>
+      <p:sp>
+        <p:nvSpPr>
+          <p:cNvPr id="4" name="Date Placeholder 3"/>
+          <p:cNvSpPr>
+            <a:spLocks noGrp="1"/>
+          </p:cNvSpPr>
+          <p:nvPr>
+            <p:ph type="dt" sz="half" idx="10"/>
+          </p:nvPr>
+        </p:nvSpPr>
+        <p:spPr/>
+        <p:txBody>
+          <a:bodyPr/>
+          <a:lstStyle/>
+          <a:p>
+            <a:fld id="{DDE870DA-2A0E-4DB8-A25D-C09E29500FC2}" type="datetimeFigureOut">
+              <a:rPr lang="bg-BG" smtClean="0"/>
+              <a:t>13.10.2016 г.</a:t>
+            </a:fld>
+            <a:endParaRPr lang="bg-BG"/>
+          </a:p>
+        </p:txBody>
+      </p:sp>
+      <p:sp>
+        <p:nvSpPr>
+          <p:cNvPr id="5" name="Footer Placeholder 4"/>
+          <p:cNvSpPr>
+            <a:spLocks noGrp="1"/>
+          </p:cNvSpPr>
+          <p:nvPr>
+            <p:ph type="ftr" sz="quarter" idx="11"/>
+          </p:nvPr>
+        </p:nvSpPr>
+        <p:spPr/>
+        <p:txBody>
+          <a:bodyPr/>
+          <a:lstStyle/>
+          <a:p>
+            <a:endParaRPr lang="bg-BG"/>
+          </a:p>
+        </p:txBody>
+      </p:sp>
+      <p:sp>
+        <p:nvSpPr>
+          <p:cNvPr id="6" name="Slide Number Placeholder 5"/>
+          <p:cNvSpPr>
+            <a:spLocks noGrp="1"/>
+          </p:cNvSpPr>
+          <p:nvPr>
+            <p:ph type="sldNum" sz="quarter" idx="12"/>
+          </p:nvPr>
+        </p:nvSpPr>
+        <p:spPr/>
+        <p:txBody>
+          <a:bodyPr/>
+          <a:lstStyle/>
+          <a:p>
+            <a:fld id="{C52C9564-E14A-47A9-8650-097F9D18B237}" type="slidenum">
+              <a:rPr lang="bg-BG" smtClean="0"/>
+              <a:t>‹#›</a:t>
+            </a:fld>
+            <a:endParaRPr lang="bg-BG"/>
+          </a:p>
+        </p:txBody>
+      </p:sp>
+    </p:spTree>
+    <p:extLst>
+      <p:ext uri="{BB962C8B-B14F-4D97-AF65-F5344CB8AC3E}">
+        <p14:creationId xmlns:p14="http://schemas.microsoft.com/office/powerpoint/2010/main" val="549850949"/>
+      </p:ext>
+    </p:extLst>
+  </p:cSld>
+  <p:clrMapOvr>
+    <a:masterClrMapping/>
+  </p:clrMapOvr>
+</p:sldLayout>
+</file>
+
+<file path=ppt/slideLayouts/slideLayout15.xml><?xml version="1.0" encoding="utf-8"?>
+<p:sldLayout xmlns:a="http://schemas.openxmlformats.org/drawingml/2006/main" xmlns:r="http://schemas.openxmlformats.org/officeDocument/2006/relationships" xmlns:p="http://schemas.openxmlformats.org/presentationml/2006/main" preserve="1">
+  <p:cSld name="True or False">
+    <p:spTree>
+      <p:nvGrpSpPr>
+        <p:cNvPr id="1" name=""/>
+        <p:cNvGrpSpPr/>
+        <p:nvPr/>
+      </p:nvGrpSpPr>
+      <p:grpSpPr>
+        <a:xfrm>
+          <a:off x="0" y="0"/>
+          <a:ext cx="0" cy="0"/>
+          <a:chOff x="0" y="0"/>
+          <a:chExt cx="0" cy="0"/>
+        </a:xfrm>
+      </p:grpSpPr>
+      <p:sp>
+        <p:nvSpPr>
+          <p:cNvPr id="2" name="Title 1"/>
+          <p:cNvSpPr>
+            <a:spLocks noGrp="1"/>
+          </p:cNvSpPr>
+          <p:nvPr>
+            <p:ph type="title"/>
+          </p:nvPr>
+        </p:nvSpPr>
+        <p:spPr>
+          <a:xfrm>
+            <a:off x="818346" y="596018"/>
+            <a:ext cx="7511473" cy="2756783"/>
+          </a:xfrm>
+        </p:spPr>
+        <p:txBody>
+          <a:bodyPr vert="horz" lIns="91440" tIns="45720" rIns="91440" bIns="45720" rtlCol="0" anchor="ctr">
+            <a:normAutofit/>
+          </a:bodyPr>
+          <a:lstStyle>
+            <a:lvl1pPr>
+              <a:defRPr lang="en-US" sz="2800" b="0" dirty="0"/>
+            </a:lvl1pPr>
+          </a:lstStyle>
+          <a:p>
+            <a:pPr marL="0" lvl="0"/>
+            <a:r>
+              <a:rPr lang="en-US" smtClean="0"/>
+              <a:t>Click to edit Master title style</a:t>
+            </a:r>
+            <a:endParaRPr lang="en-US" dirty="0"/>
+          </a:p>
+        </p:txBody>
+      </p:sp>
+      <p:sp>
+        <p:nvSpPr>
+          <p:cNvPr id="10" name="Text Placeholder 9"/>
+          <p:cNvSpPr>
+            <a:spLocks noGrp="1"/>
+          </p:cNvSpPr>
+          <p:nvPr>
+            <p:ph type="body" sz="quarter" idx="13"/>
+          </p:nvPr>
+        </p:nvSpPr>
+        <p:spPr>
+          <a:xfrm>
+            <a:off x="818346" y="3682941"/>
+            <a:ext cx="7511473" cy="1049283"/>
+          </a:xfrm>
+        </p:spPr>
+        <p:txBody>
+          <a:bodyPr vert="horz" lIns="91440" tIns="45720" rIns="91440" bIns="45720" rtlCol="0" anchor="b">
+            <a:normAutofit/>
+          </a:bodyPr>
+          <a:lstStyle>
+            <a:lvl1pPr>
+              <a:buNone/>
+              <a:defRPr lang="en-US" sz="2400" b="0" cap="all" dirty="0">
+                <a:ln w="3175" cmpd="sng">
+                  <a:noFill/>
+                </a:ln>
+                <a:gradFill flip="none" rotWithShape="1">
+                  <a:gsLst>
+                    <a:gs pos="0">
+                      <a:schemeClr val="tx1"/>
+                    </a:gs>
+                    <a:gs pos="100000">
+                      <a:schemeClr val="tx1">
+                        <a:lumMod val="75000"/>
+                      </a:schemeClr>
+                    </a:gs>
+                  </a:gsLst>
+                  <a:lin ang="5400000" scaled="0"/>
+                  <a:tileRect/>
+                </a:gradFill>
+                <a:effectLst>
+                  <a:glow rad="38100">
+                    <a:schemeClr val="bg1">
+                      <a:lumMod val="65000"/>
+                      <a:lumOff val="35000"/>
+                      <a:alpha val="40000"/>
+                    </a:schemeClr>
+                  </a:glow>
+                  <a:outerShdw blurRad="28575" dist="38100" dir="14040000" algn="tl" rotWithShape="0">
+                    <a:srgbClr val="000000">
+                      <a:alpha val="25000"/>
+                    </a:srgbClr>
+                  </a:outerShdw>
+                </a:effectLst>
+              </a:defRPr>
+            </a:lvl1pPr>
+          </a:lstStyle>
+          <a:p>
+            <a:pPr marL="0" lvl="0">
+              <a:spcBef>
+                <a:spcPct val="0"/>
+              </a:spcBef>
+              <a:buNone/>
+            </a:pPr>
+            <a:r>
+              <a:rPr lang="en-US" smtClean="0"/>
+              <a:t>Edit Master text styles</a:t>
+            </a:r>
+          </a:p>
+        </p:txBody>
+      </p:sp>
+      <p:sp>
+        <p:nvSpPr>
+          <p:cNvPr id="3" name="Text Placeholder 2"/>
+          <p:cNvSpPr>
+            <a:spLocks noGrp="1"/>
+          </p:cNvSpPr>
+          <p:nvPr>
+            <p:ph type="body" idx="1"/>
+          </p:nvPr>
+        </p:nvSpPr>
+        <p:spPr>
+          <a:xfrm>
+            <a:off x="818347" y="4732224"/>
+            <a:ext cx="7511472" cy="1369836"/>
+          </a:xfrm>
+        </p:spPr>
+        <p:txBody>
+          <a:bodyPr anchor="t">
+            <a:normAutofit/>
+          </a:bodyPr>
+          <a:lstStyle>
+            <a:lvl1pPr marL="0" indent="0" algn="l">
+              <a:buNone/>
+              <a:defRPr sz="1600">
+                <a:gradFill flip="none" rotWithShape="1">
+                  <a:gsLst>
+                    <a:gs pos="0">
+                      <a:schemeClr val="tx1"/>
+                    </a:gs>
+                    <a:gs pos="100000">
+                      <a:schemeClr val="tx1">
+                        <a:lumMod val="75000"/>
+                      </a:schemeClr>
+                    </a:gs>
+                  </a:gsLst>
+                  <a:lin ang="5400000" scaled="0"/>
+                  <a:tileRect/>
+                </a:gradFill>
+              </a:defRPr>
+            </a:lvl1pPr>
+            <a:lvl2pPr marL="457200" indent="0">
+              <a:buNone/>
+              <a:defRPr sz="1600">
+                <a:solidFill>
+                  <a:schemeClr val="tx1">
+                    <a:tint val="75000"/>
+                  </a:schemeClr>
+                </a:solidFill>
+              </a:defRPr>
+            </a:lvl2pPr>
+            <a:lvl3pPr marL="914400" indent="0">
+              <a:buNone/>
+              <a:defRPr sz="1600">
+                <a:solidFill>
+                  <a:schemeClr val="tx1">
+                    <a:tint val="75000"/>
+                  </a:schemeClr>
+                </a:solidFill>
+              </a:defRPr>
+            </a:lvl3pPr>
+            <a:lvl4pPr marL="1371600" indent="0">
+              <a:buNone/>
+              <a:defRPr sz="1400">
+                <a:solidFill>
+                  <a:schemeClr val="tx1">
+                    <a:tint val="75000"/>
+                  </a:schemeClr>
+                </a:solidFill>
+              </a:defRPr>
+            </a:lvl4pPr>
+            <a:lvl5pPr marL="1828800" indent="0">
+              <a:buNone/>
+              <a:defRPr sz="1400">
+                <a:solidFill>
+                  <a:schemeClr val="tx1">
+                    <a:tint val="75000"/>
+                  </a:schemeClr>
+                </a:solidFill>
+              </a:defRPr>
+            </a:lvl5pPr>
+            <a:lvl6pPr marL="2286000" indent="0">
+              <a:buNone/>
+              <a:defRPr sz="1400">
+                <a:solidFill>
+                  <a:schemeClr val="tx1">
+                    <a:tint val="75000"/>
+                  </a:schemeClr>
+                </a:solidFill>
+              </a:defRPr>
+            </a:lvl6pPr>
+            <a:lvl7pPr marL="2743200" indent="0">
+              <a:buNone/>
+              <a:defRPr sz="1400">
+                <a:solidFill>
+                  <a:schemeClr val="tx1">
+                    <a:tint val="75000"/>
+                  </a:schemeClr>
+                </a:solidFill>
+              </a:defRPr>
+            </a:lvl7pPr>
+            <a:lvl8pPr marL="3200400" indent="0">
+              <a:buNone/>
+              <a:defRPr sz="1400">
+                <a:solidFill>
+                  <a:schemeClr val="tx1">
+                    <a:tint val="75000"/>
+                  </a:schemeClr>
+                </a:solidFill>
+              </a:defRPr>
+            </a:lvl8pPr>
+            <a:lvl9pPr marL="3657600" indent="0">
+              <a:buNone/>
+              <a:defRPr sz="1400">
+                <a:solidFill>
+                  <a:schemeClr val="tx1">
+                    <a:tint val="75000"/>
+                  </a:schemeClr>
+                </a:solidFill>
+              </a:defRPr>
+            </a:lvl9pPr>
+          </a:lstStyle>
+          <a:p>
+            <a:pPr lvl="0"/>
+            <a:r>
+              <a:rPr lang="en-US" smtClean="0"/>
+              <a:t>Edit Master text styles</a:t>
+            </a:r>
+          </a:p>
+        </p:txBody>
+      </p:sp>
+      <p:sp>
+        <p:nvSpPr>
+          <p:cNvPr id="4" name="Date Placeholder 3"/>
+          <p:cNvSpPr>
+            <a:spLocks noGrp="1"/>
+          </p:cNvSpPr>
+          <p:nvPr>
+            <p:ph type="dt" sz="half" idx="10"/>
+          </p:nvPr>
+        </p:nvSpPr>
+        <p:spPr/>
+        <p:txBody>
+          <a:bodyPr/>
+          <a:lstStyle/>
+          <a:p>
+            <a:fld id="{DDE870DA-2A0E-4DB8-A25D-C09E29500FC2}" type="datetimeFigureOut">
+              <a:rPr lang="bg-BG" smtClean="0"/>
+              <a:t>13.10.2016 г.</a:t>
+            </a:fld>
+            <a:endParaRPr lang="bg-BG"/>
+          </a:p>
+        </p:txBody>
+      </p:sp>
+      <p:sp>
+        <p:nvSpPr>
+          <p:cNvPr id="5" name="Footer Placeholder 4"/>
+          <p:cNvSpPr>
+            <a:spLocks noGrp="1"/>
+          </p:cNvSpPr>
+          <p:nvPr>
+            <p:ph type="ftr" sz="quarter" idx="11"/>
+          </p:nvPr>
+        </p:nvSpPr>
+        <p:spPr/>
+        <p:txBody>
+          <a:bodyPr/>
+          <a:lstStyle/>
+          <a:p>
+            <a:endParaRPr lang="bg-BG"/>
+          </a:p>
+        </p:txBody>
+      </p:sp>
+      <p:sp>
+        <p:nvSpPr>
+          <p:cNvPr id="6" name="Slide Number Placeholder 5"/>
+          <p:cNvSpPr>
+            <a:spLocks noGrp="1"/>
+          </p:cNvSpPr>
+          <p:nvPr>
+            <p:ph type="sldNum" sz="quarter" idx="12"/>
+          </p:nvPr>
+        </p:nvSpPr>
+        <p:spPr/>
+        <p:txBody>
+          <a:bodyPr/>
+          <a:lstStyle/>
+          <a:p>
+            <a:fld id="{C52C9564-E14A-47A9-8650-097F9D18B237}" type="slidenum">
+              <a:rPr lang="bg-BG" smtClean="0"/>
+              <a:t>‹#›</a:t>
+            </a:fld>
+            <a:endParaRPr lang="bg-BG"/>
+          </a:p>
+        </p:txBody>
+      </p:sp>
+    </p:spTree>
+    <p:extLst>
+      <p:ext uri="{BB962C8B-B14F-4D97-AF65-F5344CB8AC3E}">
+        <p14:creationId xmlns:p14="http://schemas.microsoft.com/office/powerpoint/2010/main" val="133533034"/>
+      </p:ext>
+    </p:extLst>
+  </p:cSld>
+  <p:clrMapOvr>
+    <a:masterClrMapping/>
+  </p:clrMapOvr>
+</p:sldLayout>
+</file>
+
+<file path=ppt/slideLayouts/slideLayout16.xml><?xml version="1.0" encoding="utf-8"?>
 <p:sldLayout xmlns:a="http://schemas.openxmlformats.org/drawingml/2006/main" xmlns:r="http://schemas.openxmlformats.org/officeDocument/2006/relationships" xmlns:p="http://schemas.openxmlformats.org/presentationml/2006/main" type="vertTx" preserve="1">
   <p:cSld name="Title and Vertical Text">
     <p:spTree>
@@ -797,7 +2704,7 @@
       </p:grpSpPr>
       <p:sp>
         <p:nvSpPr>
-          <p:cNvPr id="2" name="Title 1"/>
+          <p:cNvPr id="7" name="Title 1"/>
           <p:cNvSpPr>
             <a:spLocks noGrp="1"/>
           </p:cNvSpPr>
@@ -805,7 +2712,12 @@
             <p:ph type="title"/>
           </p:nvPr>
         </p:nvSpPr>
-        <p:spPr/>
+        <p:spPr>
+          <a:xfrm>
+            <a:off x="818347" y="596018"/>
+            <a:ext cx="7511473" cy="1312480"/>
+          </a:xfrm>
+        </p:spPr>
         <p:txBody>
           <a:bodyPr/>
           <a:lstStyle/>
@@ -814,7 +2726,7 @@
               <a:rPr lang="en-US" smtClean="0"/>
               <a:t>Click to edit Master title style</a:t>
             </a:r>
-            <a:endParaRPr lang="en-US"/>
+            <a:endParaRPr lang="en-US" dirty="0"/>
           </a:p>
         </p:txBody>
       </p:sp>
@@ -830,13 +2742,13 @@
         </p:nvSpPr>
         <p:spPr/>
         <p:txBody>
-          <a:bodyPr vert="eaVert"/>
+          <a:bodyPr vert="eaVert" anchor="t"/>
           <a:lstStyle/>
           <a:p>
             <a:pPr lvl="0"/>
             <a:r>
               <a:rPr lang="en-US" smtClean="0"/>
-              <a:t>Click to edit Master text styles</a:t>
+              <a:t>Edit Master text styles</a:t>
             </a:r>
           </a:p>
           <a:p>
@@ -866,7 +2778,7 @@
               <a:rPr lang="en-US" smtClean="0"/>
               <a:t>Fifth level</a:t>
             </a:r>
-            <a:endParaRPr lang="en-US"/>
+            <a:endParaRPr lang="en-US" dirty="0"/>
           </a:p>
         </p:txBody>
       </p:sp>
@@ -887,7 +2799,7 @@
           <a:p>
             <a:fld id="{DDE870DA-2A0E-4DB8-A25D-C09E29500FC2}" type="datetimeFigureOut">
               <a:rPr lang="bg-BG" smtClean="0"/>
-              <a:t>12.10.2016 г.</a:t>
+              <a:t>13.10.2016 г.</a:t>
             </a:fld>
             <a:endParaRPr lang="bg-BG"/>
           </a:p>
@@ -936,6 +2848,11 @@
         </p:txBody>
       </p:sp>
     </p:spTree>
+    <p:extLst>
+      <p:ext uri="{BB962C8B-B14F-4D97-AF65-F5344CB8AC3E}">
+        <p14:creationId xmlns:p14="http://schemas.microsoft.com/office/powerpoint/2010/main" val="2096217274"/>
+      </p:ext>
+    </p:extLst>
   </p:cSld>
   <p:clrMapOvr>
     <a:masterClrMapping/>
@@ -943,8 +2860,8 @@
 </p:sldLayout>
 </file>
 
-<file path=ppt/slideLayouts/slideLayout11.xml><?xml version="1.0" encoding="utf-8"?>
-<p:sldLayout xmlns:a="http://schemas.openxmlformats.org/drawingml/2006/main" xmlns:r="http://schemas.openxmlformats.org/officeDocument/2006/relationships" xmlns:p="http://schemas.openxmlformats.org/presentationml/2006/main" showMasterSp="0" type="vertTitleAndTx" preserve="1">
+<file path=ppt/slideLayouts/slideLayout17.xml><?xml version="1.0" encoding="utf-8"?>
+<p:sldLayout xmlns:a="http://schemas.openxmlformats.org/drawingml/2006/main" xmlns:r="http://schemas.openxmlformats.org/officeDocument/2006/relationships" xmlns:p="http://schemas.openxmlformats.org/presentationml/2006/main" type="vertTitleAndTx" preserve="1">
   <p:cSld name="Vertical Title and Text">
     <p:spTree>
       <p:nvGrpSpPr>
@@ -962,158 +2879,56 @@
       </p:grpSpPr>
       <p:sp>
         <p:nvSpPr>
-          <p:cNvPr id="7" name="Rectangle 6"/>
-          <p:cNvSpPr/>
-          <p:nvPr/>
+          <p:cNvPr id="2" name="Vertical Title 1"/>
+          <p:cNvSpPr>
+            <a:spLocks noGrp="1"/>
+          </p:cNvSpPr>
+          <p:nvPr>
+            <p:ph type="title" orient="vert"/>
+          </p:nvPr>
         </p:nvSpPr>
         <p:spPr>
           <a:xfrm>
-            <a:off x="6861702" y="228600"/>
-            <a:ext cx="1859280" cy="6122634"/>
+            <a:off x="6551708" y="596018"/>
+            <a:ext cx="1778112" cy="5506042"/>
           </a:xfrm>
-          <a:prstGeom prst="rect">
-            <a:avLst/>
-          </a:prstGeom>
-          <a:solidFill>
-            <a:srgbClr val="FFFFFF">
-              <a:alpha val="85000"/>
-            </a:srgbClr>
-          </a:solidFill>
-          <a:ln>
-            <a:noFill/>
-          </a:ln>
-          <a:effectLst/>
         </p:spPr>
-        <p:style>
-          <a:lnRef idx="2">
-            <a:schemeClr val="accent1">
-              <a:shade val="50000"/>
-            </a:schemeClr>
-          </a:lnRef>
-          <a:fillRef idx="1">
-            <a:schemeClr val="accent1"/>
-          </a:fillRef>
-          <a:effectRef idx="0">
-            <a:schemeClr val="accent1"/>
-          </a:effectRef>
-          <a:fontRef idx="minor">
-            <a:schemeClr val="lt1"/>
-          </a:fontRef>
-        </p:style>
-        <p:txBody>
-          <a:bodyPr rtlCol="0" anchor="ctr"/>
+        <p:txBody>
+          <a:bodyPr vert="eaVert"/>
           <a:lstStyle/>
           <a:p>
-            <a:pPr marL="0" algn="ctr" defTabSz="914400" rtl="0" eaLnBrk="1" latinLnBrk="0" hangingPunct="1"/>
-            <a:endParaRPr lang="en-US" sz="1800" kern="1200">
-              <a:solidFill>
-                <a:schemeClr val="lt1"/>
-              </a:solidFill>
-              <a:latin typeface="+mn-lt"/>
-              <a:ea typeface="+mn-ea"/>
-              <a:cs typeface="+mn-cs"/>
-            </a:endParaRPr>
-          </a:p>
-        </p:txBody>
-      </p:sp>
-      <p:sp>
-        <p:nvSpPr>
-          <p:cNvPr id="8" name="Rectangle 7"/>
-          <p:cNvSpPr/>
-          <p:nvPr/>
+            <a:r>
+              <a:rPr lang="en-US" smtClean="0"/>
+              <a:t>Click to edit Master title style</a:t>
+            </a:r>
+            <a:endParaRPr lang="en-US" dirty="0"/>
+          </a:p>
+        </p:txBody>
+      </p:sp>
+      <p:sp>
+        <p:nvSpPr>
+          <p:cNvPr id="3" name="Vertical Text Placeholder 2"/>
+          <p:cNvSpPr>
+            <a:spLocks noGrp="1"/>
+          </p:cNvSpPr>
+          <p:nvPr>
+            <p:ph type="body" orient="vert" idx="1"/>
+          </p:nvPr>
         </p:nvSpPr>
         <p:spPr>
           <a:xfrm>
-            <a:off x="6955225" y="351409"/>
-            <a:ext cx="1672235" cy="5877017"/>
-          </a:xfrm>
-          <a:prstGeom prst="rect">
-            <a:avLst/>
-          </a:prstGeom>
-          <a:solidFill>
-            <a:srgbClr val="FFFFFF"/>
-          </a:solidFill>
-          <a:ln w="6350">
-            <a:noFill/>
-          </a:ln>
-        </p:spPr>
-        <p:style>
-          <a:lnRef idx="2">
-            <a:schemeClr val="accent1">
-              <a:shade val="50000"/>
-            </a:schemeClr>
-          </a:lnRef>
-          <a:fillRef idx="1">
-            <a:schemeClr val="accent1"/>
-          </a:fillRef>
-          <a:effectRef idx="0">
-            <a:schemeClr val="accent1"/>
-          </a:effectRef>
-          <a:fontRef idx="minor">
-            <a:schemeClr val="lt1"/>
-          </a:fontRef>
-        </p:style>
-        <p:txBody>
-          <a:bodyPr rtlCol="0" anchor="ctr"/>
-          <a:lstStyle/>
-          <a:p>
-            <a:pPr algn="ctr"/>
-            <a:endParaRPr lang="en-US"/>
-          </a:p>
-        </p:txBody>
-      </p:sp>
-      <p:sp>
-        <p:nvSpPr>
-          <p:cNvPr id="2" name="Vertical Title 1"/>
-          <p:cNvSpPr>
-            <a:spLocks noGrp="1"/>
-          </p:cNvSpPr>
-          <p:nvPr>
-            <p:ph type="title" orient="vert"/>
-          </p:nvPr>
-        </p:nvSpPr>
-        <p:spPr>
-          <a:xfrm>
-            <a:off x="7048577" y="395427"/>
-            <a:ext cx="1485531" cy="5788981"/>
+            <a:off x="818347" y="596018"/>
+            <a:ext cx="5624137" cy="5506042"/>
           </a:xfrm>
         </p:spPr>
         <p:txBody>
-          <a:bodyPr vert="eaVert"/>
+          <a:bodyPr vert="eaVert" anchor="t"/>
           <a:lstStyle/>
           <a:p>
+            <a:pPr lvl="0"/>
             <a:r>
               <a:rPr lang="en-US" smtClean="0"/>
-              <a:t>Click to edit Master title style</a:t>
-            </a:r>
-            <a:endParaRPr lang="en-US" dirty="0"/>
-          </a:p>
-        </p:txBody>
-      </p:sp>
-      <p:sp>
-        <p:nvSpPr>
-          <p:cNvPr id="3" name="Vertical Text Placeholder 2"/>
-          <p:cNvSpPr>
-            <a:spLocks noGrp="1"/>
-          </p:cNvSpPr>
-          <p:nvPr>
-            <p:ph type="body" orient="vert" idx="1"/>
-          </p:nvPr>
-        </p:nvSpPr>
-        <p:spPr>
-          <a:xfrm>
-            <a:off x="457200" y="380999"/>
-            <a:ext cx="6172200" cy="5791201"/>
-          </a:xfrm>
-        </p:spPr>
-        <p:txBody>
-          <a:bodyPr vert="eaVert"/>
-          <a:lstStyle/>
-          <a:p>
-            <a:pPr lvl="0"/>
-            <a:r>
-              <a:rPr lang="en-US" smtClean="0"/>
-              <a:t>Click to edit Master text styles</a:t>
+              <a:t>Edit Master text styles</a:t>
             </a:r>
           </a:p>
           <a:p>
@@ -1164,7 +2979,7 @@
           <a:p>
             <a:fld id="{DDE870DA-2A0E-4DB8-A25D-C09E29500FC2}" type="datetimeFigureOut">
               <a:rPr lang="bg-BG" smtClean="0"/>
-              <a:t>12.10.2016 г.</a:t>
+              <a:t>13.10.2016 г.</a:t>
             </a:fld>
             <a:endParaRPr lang="bg-BG"/>
           </a:p>
@@ -1213,6 +3028,11 @@
         </p:txBody>
       </p:sp>
     </p:spTree>
+    <p:extLst>
+      <p:ext uri="{BB962C8B-B14F-4D97-AF65-F5344CB8AC3E}">
+        <p14:creationId xmlns:p14="http://schemas.microsoft.com/office/powerpoint/2010/main" val="2556787201"/>
+      </p:ext>
+    </p:extLst>
   </p:cSld>
   <p:clrMapOvr>
     <a:masterClrMapping/>
@@ -1256,7 +3076,7 @@
               <a:rPr lang="en-US" smtClean="0"/>
               <a:t>Click to edit Master title style</a:t>
             </a:r>
-            <a:endParaRPr lang="en-US"/>
+            <a:endParaRPr lang="en-US" dirty="0"/>
           </a:p>
         </p:txBody>
       </p:sp>
@@ -1268,6 +3088,58 @@
           </p:cNvSpPr>
           <p:nvPr>
             <p:ph idx="1"/>
+          </p:nvPr>
+        </p:nvSpPr>
+        <p:spPr/>
+        <p:txBody>
+          <a:bodyPr anchor="ctr"/>
+          <a:lstStyle/>
+          <a:p>
+            <a:pPr lvl="0"/>
+            <a:r>
+              <a:rPr lang="en-US" smtClean="0"/>
+              <a:t>Edit Master text styles</a:t>
+            </a:r>
+          </a:p>
+          <a:p>
+            <a:pPr lvl="1"/>
+            <a:r>
+              <a:rPr lang="en-US" smtClean="0"/>
+              <a:t>Second level</a:t>
+            </a:r>
+          </a:p>
+          <a:p>
+            <a:pPr lvl="2"/>
+            <a:r>
+              <a:rPr lang="en-US" smtClean="0"/>
+              <a:t>Third level</a:t>
+            </a:r>
+          </a:p>
+          <a:p>
+            <a:pPr lvl="3"/>
+            <a:r>
+              <a:rPr lang="en-US" smtClean="0"/>
+              <a:t>Fourth level</a:t>
+            </a:r>
+          </a:p>
+          <a:p>
+            <a:pPr lvl="4"/>
+            <a:r>
+              <a:rPr lang="en-US" smtClean="0"/>
+              <a:t>Fifth level</a:t>
+            </a:r>
+            <a:endParaRPr lang="en-US" dirty="0"/>
+          </a:p>
+        </p:txBody>
+      </p:sp>
+      <p:sp>
+        <p:nvSpPr>
+          <p:cNvPr id="4" name="Date Placeholder 3"/>
+          <p:cNvSpPr>
+            <a:spLocks noGrp="1"/>
+          </p:cNvSpPr>
+          <p:nvPr>
+            <p:ph type="dt" sz="half" idx="10"/>
           </p:nvPr>
         </p:nvSpPr>
         <p:spPr/>
@@ -1275,61 +3147,9 @@
           <a:bodyPr/>
           <a:lstStyle/>
           <a:p>
-            <a:pPr lvl="0"/>
-            <a:r>
-              <a:rPr lang="en-US" smtClean="0"/>
-              <a:t>Click to edit Master text styles</a:t>
-            </a:r>
-          </a:p>
-          <a:p>
-            <a:pPr lvl="1"/>
-            <a:r>
-              <a:rPr lang="en-US" smtClean="0"/>
-              <a:t>Second level</a:t>
-            </a:r>
-          </a:p>
-          <a:p>
-            <a:pPr lvl="2"/>
-            <a:r>
-              <a:rPr lang="en-US" smtClean="0"/>
-              <a:t>Third level</a:t>
-            </a:r>
-          </a:p>
-          <a:p>
-            <a:pPr lvl="3"/>
-            <a:r>
-              <a:rPr lang="en-US" smtClean="0"/>
-              <a:t>Fourth level</a:t>
-            </a:r>
-          </a:p>
-          <a:p>
-            <a:pPr lvl="4"/>
-            <a:r>
-              <a:rPr lang="en-US" smtClean="0"/>
-              <a:t>Fifth level</a:t>
-            </a:r>
-            <a:endParaRPr lang="en-US"/>
-          </a:p>
-        </p:txBody>
-      </p:sp>
-      <p:sp>
-        <p:nvSpPr>
-          <p:cNvPr id="4" name="Date Placeholder 3"/>
-          <p:cNvSpPr>
-            <a:spLocks noGrp="1"/>
-          </p:cNvSpPr>
-          <p:nvPr>
-            <p:ph type="dt" sz="half" idx="10"/>
-          </p:nvPr>
-        </p:nvSpPr>
-        <p:spPr/>
-        <p:txBody>
-          <a:bodyPr/>
-          <a:lstStyle/>
-          <a:p>
             <a:fld id="{DDE870DA-2A0E-4DB8-A25D-C09E29500FC2}" type="datetimeFigureOut">
               <a:rPr lang="bg-BG" smtClean="0"/>
-              <a:t>12.10.2016 г.</a:t>
+              <a:t>13.10.2016 г.</a:t>
             </a:fld>
             <a:endParaRPr lang="bg-BG"/>
           </a:p>
@@ -1378,6 +3198,11 @@
         </p:txBody>
       </p:sp>
     </p:spTree>
+    <p:extLst>
+      <p:ext uri="{BB962C8B-B14F-4D97-AF65-F5344CB8AC3E}">
+        <p14:creationId xmlns:p14="http://schemas.microsoft.com/office/powerpoint/2010/main" val="1349400465"/>
+      </p:ext>
+    </p:extLst>
   </p:cSld>
   <p:clrMapOvr>
     <a:masterClrMapping/>
@@ -1386,7 +3211,7 @@
 </file>
 
 <file path=ppt/slideLayouts/slideLayout3.xml><?xml version="1.0" encoding="utf-8"?>
-<p:sldLayout xmlns:a="http://schemas.openxmlformats.org/drawingml/2006/main" xmlns:r="http://schemas.openxmlformats.org/officeDocument/2006/relationships" xmlns:p="http://schemas.openxmlformats.org/presentationml/2006/main" showMasterSp="0" type="secHead" preserve="1">
+<p:sldLayout xmlns:a="http://schemas.openxmlformats.org/drawingml/2006/main" xmlns:r="http://schemas.openxmlformats.org/officeDocument/2006/relationships" xmlns:p="http://schemas.openxmlformats.org/presentationml/2006/main" type="secHead" preserve="1">
   <p:cSld name="Section Header">
     <p:spTree>
       <p:nvGrpSpPr>
@@ -1404,92 +3229,165 @@
       </p:grpSpPr>
       <p:sp>
         <p:nvSpPr>
-          <p:cNvPr id="7" name="Rectangle 6"/>
-          <p:cNvSpPr/>
-          <p:nvPr/>
+          <p:cNvPr id="2" name="Title 1"/>
+          <p:cNvSpPr>
+            <a:spLocks noGrp="1"/>
+          </p:cNvSpPr>
+          <p:nvPr>
+            <p:ph type="title"/>
+          </p:nvPr>
         </p:nvSpPr>
         <p:spPr>
           <a:xfrm>
-            <a:off x="0" y="0"/>
-            <a:ext cx="9144000" cy="6858000"/>
+            <a:off x="819314" y="3270698"/>
+            <a:ext cx="7510506" cy="1823305"/>
           </a:xfrm>
-          <a:prstGeom prst="rect">
-            <a:avLst/>
-          </a:prstGeom>
-          <a:solidFill>
-            <a:srgbClr val="FFFFFF"/>
-          </a:solidFill>
-          <a:ln>
-            <a:noFill/>
-          </a:ln>
         </p:spPr>
-        <p:style>
-          <a:lnRef idx="2">
-            <a:schemeClr val="accent1">
-              <a:shade val="50000"/>
-            </a:schemeClr>
-          </a:lnRef>
-          <a:fillRef idx="1">
-            <a:schemeClr val="accent1"/>
-          </a:fillRef>
-          <a:effectRef idx="0">
-            <a:schemeClr val="accent1"/>
-          </a:effectRef>
-          <a:fontRef idx="minor">
-            <a:schemeClr val="lt1"/>
-          </a:fontRef>
-        </p:style>
-        <p:txBody>
-          <a:bodyPr rtlCol="0" anchor="ctr"/>
-          <a:lstStyle/>
-          <a:p>
-            <a:pPr algn="ctr"/>
-            <a:endParaRPr lang="en-US"/>
-          </a:p>
-        </p:txBody>
-      </p:sp>
-      <p:sp useBgFill="1">
-        <p:nvSpPr>
-          <p:cNvPr id="8" name="Rounded Rectangle 7"/>
-          <p:cNvSpPr/>
-          <p:nvPr/>
+        <p:txBody>
+          <a:bodyPr anchor="b">
+            <a:normAutofit/>
+          </a:bodyPr>
+          <a:lstStyle>
+            <a:lvl1pPr algn="r">
+              <a:defRPr sz="2800" b="0" cap="all"/>
+            </a:lvl1pPr>
+          </a:lstStyle>
+          <a:p>
+            <a:r>
+              <a:rPr lang="en-US" smtClean="0"/>
+              <a:t>Click to edit Master title style</a:t>
+            </a:r>
+            <a:endParaRPr lang="en-US" dirty="0"/>
+          </a:p>
+        </p:txBody>
+      </p:sp>
+      <p:sp>
+        <p:nvSpPr>
+          <p:cNvPr id="3" name="Text Placeholder 2"/>
+          <p:cNvSpPr>
+            <a:spLocks noGrp="1"/>
+          </p:cNvSpPr>
+          <p:nvPr>
+            <p:ph type="body" idx="1"/>
+          </p:nvPr>
         </p:nvSpPr>
         <p:spPr>
           <a:xfrm>
-            <a:off x="91440" y="101600"/>
-            <a:ext cx="8961120" cy="6664960"/>
+            <a:off x="819314" y="5103810"/>
+            <a:ext cx="7510506" cy="998250"/>
           </a:xfrm>
-          <a:prstGeom prst="roundRect">
-            <a:avLst>
-              <a:gd name="adj" fmla="val 1735"/>
-            </a:avLst>
-          </a:prstGeom>
-          <a:ln w="12700" cmpd="sng">
-            <a:noFill/>
-          </a:ln>
         </p:spPr>
-        <p:style>
-          <a:lnRef idx="2">
-            <a:schemeClr val="accent1">
-              <a:shade val="50000"/>
-            </a:schemeClr>
-          </a:lnRef>
-          <a:fillRef idx="1">
-            <a:schemeClr val="accent1"/>
-          </a:fillRef>
-          <a:effectRef idx="0">
-            <a:schemeClr val="accent1"/>
-          </a:effectRef>
-          <a:fontRef idx="minor">
-            <a:schemeClr val="lt1"/>
-          </a:fontRef>
-        </p:style>
-        <p:txBody>
-          <a:bodyPr rtlCol="0" anchor="ctr"/>
-          <a:lstStyle/>
-          <a:p>
-            <a:pPr algn="ctr"/>
-            <a:endParaRPr lang="en-US"/>
+        <p:txBody>
+          <a:bodyPr anchor="t">
+            <a:normAutofit/>
+          </a:bodyPr>
+          <a:lstStyle>
+            <a:lvl1pPr marL="0" indent="0" algn="r">
+              <a:buNone/>
+              <a:defRPr sz="1800">
+                <a:gradFill flip="none" rotWithShape="1">
+                  <a:gsLst>
+                    <a:gs pos="0">
+                      <a:schemeClr val="tx1"/>
+                    </a:gs>
+                    <a:gs pos="100000">
+                      <a:schemeClr val="tx1">
+                        <a:lumMod val="75000"/>
+                      </a:schemeClr>
+                    </a:gs>
+                  </a:gsLst>
+                  <a:lin ang="5400000" scaled="0"/>
+                  <a:tileRect/>
+                </a:gradFill>
+              </a:defRPr>
+            </a:lvl1pPr>
+            <a:lvl2pPr marL="457200" indent="0">
+              <a:buNone/>
+              <a:defRPr sz="1800">
+                <a:solidFill>
+                  <a:schemeClr val="tx1">
+                    <a:tint val="75000"/>
+                  </a:schemeClr>
+                </a:solidFill>
+              </a:defRPr>
+            </a:lvl2pPr>
+            <a:lvl3pPr marL="914400" indent="0">
+              <a:buNone/>
+              <a:defRPr sz="1600">
+                <a:solidFill>
+                  <a:schemeClr val="tx1">
+                    <a:tint val="75000"/>
+                  </a:schemeClr>
+                </a:solidFill>
+              </a:defRPr>
+            </a:lvl3pPr>
+            <a:lvl4pPr marL="1371600" indent="0">
+              <a:buNone/>
+              <a:defRPr sz="1400">
+                <a:solidFill>
+                  <a:schemeClr val="tx1">
+                    <a:tint val="75000"/>
+                  </a:schemeClr>
+                </a:solidFill>
+              </a:defRPr>
+            </a:lvl4pPr>
+            <a:lvl5pPr marL="1828800" indent="0">
+              <a:buNone/>
+              <a:defRPr sz="1400">
+                <a:solidFill>
+                  <a:schemeClr val="tx1">
+                    <a:tint val="75000"/>
+                  </a:schemeClr>
+                </a:solidFill>
+              </a:defRPr>
+            </a:lvl5pPr>
+            <a:lvl6pPr marL="2286000" indent="0">
+              <a:buNone/>
+              <a:defRPr sz="1400">
+                <a:solidFill>
+                  <a:schemeClr val="tx1">
+                    <a:tint val="75000"/>
+                  </a:schemeClr>
+                </a:solidFill>
+              </a:defRPr>
+            </a:lvl6pPr>
+            <a:lvl7pPr marL="2743200" indent="0">
+              <a:buNone/>
+              <a:defRPr sz="1400">
+                <a:solidFill>
+                  <a:schemeClr val="tx1">
+                    <a:tint val="75000"/>
+                  </a:schemeClr>
+                </a:solidFill>
+              </a:defRPr>
+            </a:lvl7pPr>
+            <a:lvl8pPr marL="3200400" indent="0">
+              <a:buNone/>
+              <a:defRPr sz="1400">
+                <a:solidFill>
+                  <a:schemeClr val="tx1">
+                    <a:tint val="75000"/>
+                  </a:schemeClr>
+                </a:solidFill>
+              </a:defRPr>
+            </a:lvl8pPr>
+            <a:lvl9pPr marL="3657600" indent="0">
+              <a:buNone/>
+              <a:defRPr sz="1400">
+                <a:solidFill>
+                  <a:schemeClr val="tx1">
+                    <a:tint val="75000"/>
+                  </a:schemeClr>
+                </a:solidFill>
+              </a:defRPr>
+            </a:lvl9pPr>
+          </a:lstStyle>
+          <a:p>
+            <a:pPr lvl="0"/>
+            <a:r>
+              <a:rPr lang="en-US" smtClean="0"/>
+              <a:t>Edit Master text styles</a:t>
+            </a:r>
           </a:p>
         </p:txBody>
       </p:sp>
@@ -1510,106 +3408,9 @@
           <a:p>
             <a:fld id="{DDE870DA-2A0E-4DB8-A25D-C09E29500FC2}" type="datetimeFigureOut">
               <a:rPr lang="bg-BG" smtClean="0"/>
-              <a:t>12.10.2016 г.</a:t>
+              <a:t>13.10.2016 г.</a:t>
             </a:fld>
             <a:endParaRPr lang="bg-BG"/>
-          </a:p>
-        </p:txBody>
-      </p:sp>
-      <p:sp>
-        <p:nvSpPr>
-          <p:cNvPr id="13" name="Rectangle 12"/>
-          <p:cNvSpPr/>
-          <p:nvPr/>
-        </p:nvSpPr>
-        <p:spPr>
-          <a:xfrm>
-            <a:off x="451976" y="2946400"/>
-            <a:ext cx="8265160" cy="2463800"/>
-          </a:xfrm>
-          <a:prstGeom prst="rect">
-            <a:avLst/>
-          </a:prstGeom>
-          <a:solidFill>
-            <a:srgbClr val="FFFFFF">
-              <a:alpha val="83000"/>
-            </a:srgbClr>
-          </a:solidFill>
-          <a:ln>
-            <a:noFill/>
-          </a:ln>
-          <a:effectLst>
-            <a:softEdge rad="12700"/>
-          </a:effectLst>
-        </p:spPr>
-        <p:style>
-          <a:lnRef idx="2">
-            <a:schemeClr val="accent1">
-              <a:shade val="50000"/>
-            </a:schemeClr>
-          </a:lnRef>
-          <a:fillRef idx="1">
-            <a:schemeClr val="accent1"/>
-          </a:fillRef>
-          <a:effectRef idx="0">
-            <a:schemeClr val="accent1"/>
-          </a:effectRef>
-          <a:fontRef idx="minor">
-            <a:schemeClr val="lt1"/>
-          </a:fontRef>
-        </p:style>
-        <p:txBody>
-          <a:bodyPr rtlCol="0" anchor="ctr"/>
-          <a:lstStyle/>
-          <a:p>
-            <a:pPr algn="ctr"/>
-            <a:endParaRPr lang="en-US"/>
-          </a:p>
-        </p:txBody>
-      </p:sp>
-      <p:sp>
-        <p:nvSpPr>
-          <p:cNvPr id="16" name="Rectangle 15"/>
-          <p:cNvSpPr/>
-          <p:nvPr/>
-        </p:nvSpPr>
-        <p:spPr>
-          <a:xfrm>
-            <a:off x="567656" y="3048000"/>
-            <a:ext cx="8033800" cy="2245359"/>
-          </a:xfrm>
-          <a:prstGeom prst="rect">
-            <a:avLst/>
-          </a:prstGeom>
-          <a:solidFill>
-            <a:srgbClr val="FFFFFF"/>
-          </a:solidFill>
-          <a:ln w="6350" cmpd="dbl">
-            <a:noFill/>
-          </a:ln>
-        </p:spPr>
-        <p:style>
-          <a:lnRef idx="2">
-            <a:schemeClr val="accent1">
-              <a:shade val="50000"/>
-            </a:schemeClr>
-          </a:lnRef>
-          <a:fillRef idx="1">
-            <a:schemeClr val="accent1"/>
-          </a:fillRef>
-          <a:effectRef idx="0">
-            <a:schemeClr val="accent1"/>
-          </a:effectRef>
-          <a:fontRef idx="minor">
-            <a:schemeClr val="lt1"/>
-          </a:fontRef>
-        </p:style>
-        <p:txBody>
-          <a:bodyPr rtlCol="0" anchor="ctr"/>
-          <a:lstStyle/>
-          <a:p>
-            <a:pPr algn="ctr"/>
-            <a:endParaRPr lang="en-US"/>
           </a:p>
         </p:txBody>
       </p:sp>
@@ -1655,267 +3456,12 @@
           </a:p>
         </p:txBody>
       </p:sp>
-      <p:sp>
-        <p:nvSpPr>
-          <p:cNvPr id="2" name="Title 1"/>
-          <p:cNvSpPr>
-            <a:spLocks noGrp="1"/>
-          </p:cNvSpPr>
-          <p:nvPr>
-            <p:ph type="title"/>
-          </p:nvPr>
-        </p:nvSpPr>
-        <p:spPr>
-          <a:xfrm>
-            <a:off x="736456" y="3200399"/>
-            <a:ext cx="7696200" cy="1295401"/>
-          </a:xfrm>
-        </p:spPr>
-        <p:txBody>
-          <a:bodyPr anchor="b" anchorCtr="0">
-            <a:noAutofit/>
-          </a:bodyPr>
-          <a:lstStyle>
-            <a:lvl1pPr algn="ctr" defTabSz="914400" rtl="0" eaLnBrk="1" latinLnBrk="0" hangingPunct="1">
-              <a:spcBef>
-                <a:spcPct val="0"/>
-              </a:spcBef>
-              <a:buNone/>
-              <a:defRPr lang="en-US" sz="4000" kern="1200" cap="all" baseline="0" dirty="0">
-                <a:solidFill>
-                  <a:schemeClr val="accent1">
-                    <a:lumMod val="50000"/>
-                  </a:schemeClr>
-                </a:solidFill>
-                <a:latin typeface="+mj-lt"/>
-                <a:ea typeface="+mj-ea"/>
-                <a:cs typeface="+mj-cs"/>
-              </a:defRPr>
-            </a:lvl1pPr>
-          </a:lstStyle>
-          <a:p>
-            <a:r>
-              <a:rPr lang="en-US" smtClean="0"/>
-              <a:t>Click to edit Master title style</a:t>
-            </a:r>
-            <a:endParaRPr lang="en-US" dirty="0"/>
-          </a:p>
-        </p:txBody>
-      </p:sp>
-      <p:sp>
-        <p:nvSpPr>
-          <p:cNvPr id="15" name="Rectangle 14"/>
-          <p:cNvSpPr/>
-          <p:nvPr/>
-        </p:nvSpPr>
-        <p:spPr>
-          <a:xfrm>
-            <a:off x="675496" y="4541520"/>
-            <a:ext cx="7818120" cy="664367"/>
-          </a:xfrm>
-          <a:prstGeom prst="rect">
-            <a:avLst/>
-          </a:prstGeom>
-          <a:solidFill>
-            <a:schemeClr val="accent1"/>
-          </a:solidFill>
-          <a:ln w="6350">
-            <a:noFill/>
-          </a:ln>
-        </p:spPr>
-        <p:style>
-          <a:lnRef idx="2">
-            <a:schemeClr val="accent1">
-              <a:shade val="50000"/>
-            </a:schemeClr>
-          </a:lnRef>
-          <a:fillRef idx="1">
-            <a:schemeClr val="accent1"/>
-          </a:fillRef>
-          <a:effectRef idx="0">
-            <a:schemeClr val="accent1"/>
-          </a:effectRef>
-          <a:fontRef idx="minor">
-            <a:schemeClr val="lt1"/>
-          </a:fontRef>
-        </p:style>
-        <p:txBody>
-          <a:bodyPr rtlCol="0" anchor="ctr"/>
-          <a:lstStyle/>
-          <a:p>
-            <a:pPr algn="ctr"/>
-            <a:endParaRPr lang="en-US"/>
-          </a:p>
-        </p:txBody>
-      </p:sp>
-      <p:sp>
-        <p:nvSpPr>
-          <p:cNvPr id="3" name="Text Placeholder 2"/>
-          <p:cNvSpPr>
-            <a:spLocks noGrp="1"/>
-          </p:cNvSpPr>
-          <p:nvPr>
-            <p:ph type="body" idx="1"/>
-          </p:nvPr>
-        </p:nvSpPr>
-        <p:spPr>
-          <a:xfrm>
-            <a:off x="736456" y="4607510"/>
-            <a:ext cx="7696200" cy="523783"/>
-          </a:xfrm>
-        </p:spPr>
-        <p:txBody>
-          <a:bodyPr anchor="ctr">
-            <a:normAutofit/>
-          </a:bodyPr>
-          <a:lstStyle>
-            <a:lvl1pPr marL="0" indent="0" algn="ctr">
-              <a:buNone/>
-              <a:defRPr sz="2000" cap="all" spc="250" baseline="0">
-                <a:solidFill>
-                  <a:srgbClr val="FFFFFF"/>
-                </a:solidFill>
-              </a:defRPr>
-            </a:lvl1pPr>
-            <a:lvl2pPr marL="457200" indent="0">
-              <a:buNone/>
-              <a:defRPr sz="1800">
-                <a:solidFill>
-                  <a:schemeClr val="tx1">
-                    <a:tint val="75000"/>
-                  </a:schemeClr>
-                </a:solidFill>
-              </a:defRPr>
-            </a:lvl2pPr>
-            <a:lvl3pPr marL="914400" indent="0">
-              <a:buNone/>
-              <a:defRPr sz="1600">
-                <a:solidFill>
-                  <a:schemeClr val="tx1">
-                    <a:tint val="75000"/>
-                  </a:schemeClr>
-                </a:solidFill>
-              </a:defRPr>
-            </a:lvl3pPr>
-            <a:lvl4pPr marL="1371600" indent="0">
-              <a:buNone/>
-              <a:defRPr sz="1400">
-                <a:solidFill>
-                  <a:schemeClr val="tx1">
-                    <a:tint val="75000"/>
-                  </a:schemeClr>
-                </a:solidFill>
-              </a:defRPr>
-            </a:lvl4pPr>
-            <a:lvl5pPr marL="1828800" indent="0">
-              <a:buNone/>
-              <a:defRPr sz="1400">
-                <a:solidFill>
-                  <a:schemeClr val="tx1">
-                    <a:tint val="75000"/>
-                  </a:schemeClr>
-                </a:solidFill>
-              </a:defRPr>
-            </a:lvl5pPr>
-            <a:lvl6pPr marL="2286000" indent="0">
-              <a:buNone/>
-              <a:defRPr sz="1400">
-                <a:solidFill>
-                  <a:schemeClr val="tx1">
-                    <a:tint val="75000"/>
-                  </a:schemeClr>
-                </a:solidFill>
-              </a:defRPr>
-            </a:lvl6pPr>
-            <a:lvl7pPr marL="2743200" indent="0">
-              <a:buNone/>
-              <a:defRPr sz="1400">
-                <a:solidFill>
-                  <a:schemeClr val="tx1">
-                    <a:tint val="75000"/>
-                  </a:schemeClr>
-                </a:solidFill>
-              </a:defRPr>
-            </a:lvl7pPr>
-            <a:lvl8pPr marL="3200400" indent="0">
-              <a:buNone/>
-              <a:defRPr sz="1400">
-                <a:solidFill>
-                  <a:schemeClr val="tx1">
-                    <a:tint val="75000"/>
-                  </a:schemeClr>
-                </a:solidFill>
-              </a:defRPr>
-            </a:lvl8pPr>
-            <a:lvl9pPr marL="3657600" indent="0">
-              <a:buNone/>
-              <a:defRPr sz="1400">
-                <a:solidFill>
-                  <a:schemeClr val="tx1">
-                    <a:tint val="75000"/>
-                  </a:schemeClr>
-                </a:solidFill>
-              </a:defRPr>
-            </a:lvl9pPr>
-          </a:lstStyle>
-          <a:p>
-            <a:pPr lvl="0"/>
-            <a:r>
-              <a:rPr lang="en-US" smtClean="0"/>
-              <a:t>Click to edit Master text styles</a:t>
-            </a:r>
-          </a:p>
-        </p:txBody>
-      </p:sp>
-      <p:sp>
-        <p:nvSpPr>
-          <p:cNvPr id="14" name="Rectangle 13"/>
-          <p:cNvSpPr/>
-          <p:nvPr/>
-        </p:nvSpPr>
-        <p:spPr>
-          <a:xfrm>
-            <a:off x="675757" y="3124200"/>
-            <a:ext cx="7817599" cy="2077720"/>
-          </a:xfrm>
-          <a:prstGeom prst="rect">
-            <a:avLst/>
-          </a:prstGeom>
-          <a:noFill/>
-          <a:ln w="6350" cmpd="dbl">
-            <a:solidFill>
-              <a:schemeClr val="accent1">
-                <a:lumMod val="75000"/>
-              </a:schemeClr>
-            </a:solidFill>
-          </a:ln>
-        </p:spPr>
-        <p:style>
-          <a:lnRef idx="2">
-            <a:schemeClr val="accent1">
-              <a:shade val="50000"/>
-            </a:schemeClr>
-          </a:lnRef>
-          <a:fillRef idx="1">
-            <a:schemeClr val="accent1"/>
-          </a:fillRef>
-          <a:effectRef idx="0">
-            <a:schemeClr val="accent1"/>
-          </a:effectRef>
-          <a:fontRef idx="minor">
-            <a:schemeClr val="lt1"/>
-          </a:fontRef>
-        </p:style>
-        <p:txBody>
-          <a:bodyPr rtlCol="0" anchor="ctr"/>
-          <a:lstStyle/>
-          <a:p>
-            <a:pPr algn="ctr"/>
-            <a:endParaRPr lang="en-US"/>
-          </a:p>
-        </p:txBody>
-      </p:sp>
     </p:spTree>
+    <p:extLst>
+      <p:ext uri="{BB962C8B-B14F-4D97-AF65-F5344CB8AC3E}">
+        <p14:creationId xmlns:p14="http://schemas.microsoft.com/office/powerpoint/2010/main" val="1275456951"/>
+      </p:ext>
+    </p:extLst>
   </p:cSld>
   <p:clrMapOvr>
     <a:masterClrMapping/>
@@ -1950,212 +3496,211 @@
             <p:ph type="title"/>
           </p:nvPr>
         </p:nvSpPr>
+        <p:spPr/>
+        <p:txBody>
+          <a:bodyPr/>
+          <a:lstStyle/>
+          <a:p>
+            <a:r>
+              <a:rPr lang="en-US" smtClean="0"/>
+              <a:t>Click to edit Master title style</a:t>
+            </a:r>
+            <a:endParaRPr lang="en-US" dirty="0"/>
+          </a:p>
+        </p:txBody>
+      </p:sp>
+      <p:sp>
+        <p:nvSpPr>
+          <p:cNvPr id="3" name="Content Placeholder 2"/>
+          <p:cNvSpPr>
+            <a:spLocks noGrp="1"/>
+          </p:cNvSpPr>
+          <p:nvPr>
+            <p:ph sz="half" idx="1"/>
+          </p:nvPr>
+        </p:nvSpPr>
         <p:spPr>
           <a:xfrm>
-            <a:off x="426128" y="408372"/>
-            <a:ext cx="8260672" cy="1039427"/>
+            <a:off x="818347" y="2060898"/>
+            <a:ext cx="3685073" cy="4031331"/>
           </a:xfrm>
         </p:spPr>
         <p:txBody>
+          <a:bodyPr>
+            <a:normAutofit/>
+          </a:bodyPr>
+          <a:lstStyle>
+            <a:lvl1pPr>
+              <a:defRPr sz="1600"/>
+            </a:lvl1pPr>
+            <a:lvl2pPr>
+              <a:defRPr sz="1400"/>
+            </a:lvl2pPr>
+            <a:lvl3pPr>
+              <a:defRPr sz="1200"/>
+            </a:lvl3pPr>
+            <a:lvl4pPr>
+              <a:defRPr sz="1100"/>
+            </a:lvl4pPr>
+            <a:lvl5pPr>
+              <a:defRPr sz="1100"/>
+            </a:lvl5pPr>
+            <a:lvl6pPr>
+              <a:defRPr sz="1100"/>
+            </a:lvl6pPr>
+            <a:lvl7pPr>
+              <a:defRPr sz="1100"/>
+            </a:lvl7pPr>
+            <a:lvl8pPr>
+              <a:defRPr sz="1100"/>
+            </a:lvl8pPr>
+            <a:lvl9pPr>
+              <a:defRPr sz="1100"/>
+            </a:lvl9pPr>
+          </a:lstStyle>
+          <a:p>
+            <a:pPr lvl="0"/>
+            <a:r>
+              <a:rPr lang="en-US" smtClean="0"/>
+              <a:t>Edit Master text styles</a:t>
+            </a:r>
+          </a:p>
+          <a:p>
+            <a:pPr lvl="1"/>
+            <a:r>
+              <a:rPr lang="en-US" smtClean="0"/>
+              <a:t>Second level</a:t>
+            </a:r>
+          </a:p>
+          <a:p>
+            <a:pPr lvl="2"/>
+            <a:r>
+              <a:rPr lang="en-US" smtClean="0"/>
+              <a:t>Third level</a:t>
+            </a:r>
+          </a:p>
+          <a:p>
+            <a:pPr lvl="3"/>
+            <a:r>
+              <a:rPr lang="en-US" smtClean="0"/>
+              <a:t>Fourth level</a:t>
+            </a:r>
+          </a:p>
+          <a:p>
+            <a:pPr lvl="4"/>
+            <a:r>
+              <a:rPr lang="en-US" smtClean="0"/>
+              <a:t>Fifth level</a:t>
+            </a:r>
+            <a:endParaRPr lang="en-US" dirty="0"/>
+          </a:p>
+        </p:txBody>
+      </p:sp>
+      <p:sp>
+        <p:nvSpPr>
+          <p:cNvPr id="4" name="Content Placeholder 3"/>
+          <p:cNvSpPr>
+            <a:spLocks noGrp="1"/>
+          </p:cNvSpPr>
+          <p:nvPr>
+            <p:ph sz="half" idx="2"/>
+          </p:nvPr>
+        </p:nvSpPr>
+        <p:spPr>
+          <a:xfrm>
+            <a:off x="4640580" y="2060898"/>
+            <a:ext cx="3689239" cy="4031330"/>
+          </a:xfrm>
+        </p:spPr>
+        <p:txBody>
+          <a:bodyPr>
+            <a:normAutofit/>
+          </a:bodyPr>
+          <a:lstStyle>
+            <a:lvl1pPr>
+              <a:defRPr sz="1600"/>
+            </a:lvl1pPr>
+            <a:lvl2pPr>
+              <a:defRPr sz="1400"/>
+            </a:lvl2pPr>
+            <a:lvl3pPr>
+              <a:defRPr sz="1200"/>
+            </a:lvl3pPr>
+            <a:lvl4pPr>
+              <a:defRPr sz="1100"/>
+            </a:lvl4pPr>
+            <a:lvl5pPr>
+              <a:defRPr sz="1100"/>
+            </a:lvl5pPr>
+            <a:lvl6pPr>
+              <a:defRPr sz="1100"/>
+            </a:lvl6pPr>
+            <a:lvl7pPr>
+              <a:defRPr sz="1100"/>
+            </a:lvl7pPr>
+            <a:lvl8pPr>
+              <a:defRPr sz="1100"/>
+            </a:lvl8pPr>
+            <a:lvl9pPr>
+              <a:defRPr sz="1100"/>
+            </a:lvl9pPr>
+          </a:lstStyle>
+          <a:p>
+            <a:pPr lvl="0"/>
+            <a:r>
+              <a:rPr lang="en-US" smtClean="0"/>
+              <a:t>Edit Master text styles</a:t>
+            </a:r>
+          </a:p>
+          <a:p>
+            <a:pPr lvl="1"/>
+            <a:r>
+              <a:rPr lang="en-US" smtClean="0"/>
+              <a:t>Second level</a:t>
+            </a:r>
+          </a:p>
+          <a:p>
+            <a:pPr lvl="2"/>
+            <a:r>
+              <a:rPr lang="en-US" smtClean="0"/>
+              <a:t>Third level</a:t>
+            </a:r>
+          </a:p>
+          <a:p>
+            <a:pPr lvl="3"/>
+            <a:r>
+              <a:rPr lang="en-US" smtClean="0"/>
+              <a:t>Fourth level</a:t>
+            </a:r>
+          </a:p>
+          <a:p>
+            <a:pPr lvl="4"/>
+            <a:r>
+              <a:rPr lang="en-US" smtClean="0"/>
+              <a:t>Fifth level</a:t>
+            </a:r>
+            <a:endParaRPr lang="en-US" dirty="0"/>
+          </a:p>
+        </p:txBody>
+      </p:sp>
+      <p:sp>
+        <p:nvSpPr>
+          <p:cNvPr id="5" name="Date Placeholder 4"/>
+          <p:cNvSpPr>
+            <a:spLocks noGrp="1"/>
+          </p:cNvSpPr>
+          <p:nvPr>
+            <p:ph type="dt" sz="half" idx="10"/>
+          </p:nvPr>
+        </p:nvSpPr>
+        <p:spPr/>
+        <p:txBody>
           <a:bodyPr/>
           <a:lstStyle/>
           <a:p>
-            <a:r>
-              <a:rPr lang="en-US" smtClean="0"/>
-              <a:t>Click to edit Master title style</a:t>
-            </a:r>
-            <a:endParaRPr lang="en-US"/>
-          </a:p>
-        </p:txBody>
-      </p:sp>
-      <p:sp>
-        <p:nvSpPr>
-          <p:cNvPr id="3" name="Content Placeholder 2"/>
-          <p:cNvSpPr>
-            <a:spLocks noGrp="1"/>
-          </p:cNvSpPr>
-          <p:nvPr>
-            <p:ph sz="half" idx="1"/>
-          </p:nvPr>
-        </p:nvSpPr>
-        <p:spPr>
-          <a:xfrm>
-            <a:off x="426128" y="1719071"/>
-            <a:ext cx="4038600" cy="4407408"/>
-          </a:xfrm>
-        </p:spPr>
-        <p:txBody>
-          <a:bodyPr/>
-          <a:lstStyle>
-            <a:lvl1pPr>
-              <a:defRPr sz="2800"/>
-            </a:lvl1pPr>
-            <a:lvl2pPr>
-              <a:defRPr sz="2400"/>
-            </a:lvl2pPr>
-            <a:lvl3pPr>
-              <a:defRPr sz="2000"/>
-            </a:lvl3pPr>
-            <a:lvl4pPr>
-              <a:defRPr sz="1800"/>
-            </a:lvl4pPr>
-            <a:lvl5pPr>
-              <a:defRPr sz="1800"/>
-            </a:lvl5pPr>
-            <a:lvl6pPr>
-              <a:defRPr sz="1800"/>
-            </a:lvl6pPr>
-            <a:lvl7pPr>
-              <a:defRPr sz="1800"/>
-            </a:lvl7pPr>
-            <a:lvl8pPr>
-              <a:defRPr sz="1800"/>
-            </a:lvl8pPr>
-            <a:lvl9pPr>
-              <a:defRPr sz="1800"/>
-            </a:lvl9pPr>
-          </a:lstStyle>
-          <a:p>
-            <a:pPr lvl="0"/>
-            <a:r>
-              <a:rPr lang="en-US" smtClean="0"/>
-              <a:t>Click to edit Master text styles</a:t>
-            </a:r>
-          </a:p>
-          <a:p>
-            <a:pPr lvl="1"/>
-            <a:r>
-              <a:rPr lang="en-US" smtClean="0"/>
-              <a:t>Second level</a:t>
-            </a:r>
-          </a:p>
-          <a:p>
-            <a:pPr lvl="2"/>
-            <a:r>
-              <a:rPr lang="en-US" smtClean="0"/>
-              <a:t>Third level</a:t>
-            </a:r>
-          </a:p>
-          <a:p>
-            <a:pPr lvl="3"/>
-            <a:r>
-              <a:rPr lang="en-US" smtClean="0"/>
-              <a:t>Fourth level</a:t>
-            </a:r>
-          </a:p>
-          <a:p>
-            <a:pPr lvl="4"/>
-            <a:r>
-              <a:rPr lang="en-US" smtClean="0"/>
-              <a:t>Fifth level</a:t>
-            </a:r>
-            <a:endParaRPr lang="en-US" dirty="0"/>
-          </a:p>
-        </p:txBody>
-      </p:sp>
-      <p:sp>
-        <p:nvSpPr>
-          <p:cNvPr id="4" name="Content Placeholder 3"/>
-          <p:cNvSpPr>
-            <a:spLocks noGrp="1"/>
-          </p:cNvSpPr>
-          <p:nvPr>
-            <p:ph sz="half" idx="2"/>
-          </p:nvPr>
-        </p:nvSpPr>
-        <p:spPr>
-          <a:xfrm>
-            <a:off x="4648200" y="1719071"/>
-            <a:ext cx="4038600" cy="4407408"/>
-          </a:xfrm>
-        </p:spPr>
-        <p:txBody>
-          <a:bodyPr/>
-          <a:lstStyle>
-            <a:lvl1pPr>
-              <a:defRPr sz="2800"/>
-            </a:lvl1pPr>
-            <a:lvl2pPr>
-              <a:defRPr sz="2400"/>
-            </a:lvl2pPr>
-            <a:lvl3pPr>
-              <a:defRPr sz="2000"/>
-            </a:lvl3pPr>
-            <a:lvl4pPr>
-              <a:defRPr sz="1800"/>
-            </a:lvl4pPr>
-            <a:lvl5pPr>
-              <a:defRPr sz="1800"/>
-            </a:lvl5pPr>
-            <a:lvl6pPr>
-              <a:defRPr sz="1800"/>
-            </a:lvl6pPr>
-            <a:lvl7pPr>
-              <a:defRPr sz="1800"/>
-            </a:lvl7pPr>
-            <a:lvl8pPr>
-              <a:defRPr sz="1800"/>
-            </a:lvl8pPr>
-            <a:lvl9pPr>
-              <a:defRPr sz="1800"/>
-            </a:lvl9pPr>
-          </a:lstStyle>
-          <a:p>
-            <a:pPr lvl="0"/>
-            <a:r>
-              <a:rPr lang="en-US" smtClean="0"/>
-              <a:t>Click to edit Master text styles</a:t>
-            </a:r>
-          </a:p>
-          <a:p>
-            <a:pPr lvl="1"/>
-            <a:r>
-              <a:rPr lang="en-US" smtClean="0"/>
-              <a:t>Second level</a:t>
-            </a:r>
-          </a:p>
-          <a:p>
-            <a:pPr lvl="2"/>
-            <a:r>
-              <a:rPr lang="en-US" smtClean="0"/>
-              <a:t>Third level</a:t>
-            </a:r>
-          </a:p>
-          <a:p>
-            <a:pPr lvl="3"/>
-            <a:r>
-              <a:rPr lang="en-US" smtClean="0"/>
-              <a:t>Fourth level</a:t>
-            </a:r>
-          </a:p>
-          <a:p>
-            <a:pPr lvl="4"/>
-            <a:r>
-              <a:rPr lang="en-US" smtClean="0"/>
-              <a:t>Fifth level</a:t>
-            </a:r>
-            <a:endParaRPr lang="en-US" dirty="0"/>
-          </a:p>
-        </p:txBody>
-      </p:sp>
-      <p:sp>
-        <p:nvSpPr>
-          <p:cNvPr id="5" name="Date Placeholder 4"/>
-          <p:cNvSpPr>
-            <a:spLocks noGrp="1"/>
-          </p:cNvSpPr>
-          <p:nvPr>
-            <p:ph type="dt" sz="half" idx="10"/>
-          </p:nvPr>
-        </p:nvSpPr>
-        <p:spPr/>
-        <p:txBody>
-          <a:bodyPr/>
-          <a:lstStyle/>
-          <a:p>
             <a:fld id="{DDE870DA-2A0E-4DB8-A25D-C09E29500FC2}" type="datetimeFigureOut">
               <a:rPr lang="bg-BG" smtClean="0"/>
-              <a:t>12.10.2016 г.</a:t>
+              <a:t>13.10.2016 г.</a:t>
             </a:fld>
             <a:endParaRPr lang="bg-BG"/>
           </a:p>
@@ -2204,6 +3749,11 @@
         </p:txBody>
       </p:sp>
     </p:spTree>
+    <p:extLst>
+      <p:ext uri="{BB962C8B-B14F-4D97-AF65-F5344CB8AC3E}">
+        <p14:creationId xmlns:p14="http://schemas.microsoft.com/office/powerpoint/2010/main" val="3647731423"/>
+      </p:ext>
+    </p:extLst>
   </p:cSld>
   <p:clrMapOvr>
     <a:masterClrMapping/>
@@ -2238,12 +3788,7 @@
             <p:ph type="title"/>
           </p:nvPr>
         </p:nvSpPr>
-        <p:spPr>
-          <a:xfrm>
-            <a:off x="426128" y="408372"/>
-            <a:ext cx="8260672" cy="1039427"/>
-          </a:xfrm>
-        </p:spPr>
+        <p:spPr/>
         <p:txBody>
           <a:bodyPr/>
           <a:lstStyle>
@@ -2256,7 +3801,7 @@
               <a:rPr lang="en-US" smtClean="0"/>
               <a:t>Click to edit Master title style</a:t>
             </a:r>
-            <a:endParaRPr lang="en-US"/>
+            <a:endParaRPr lang="en-US" dirty="0"/>
           </a:p>
         </p:txBody>
       </p:sp>
@@ -2272,8 +3817,8 @@
         </p:nvSpPr>
         <p:spPr>
           <a:xfrm>
-            <a:off x="426128" y="1722438"/>
-            <a:ext cx="4040188" cy="639762"/>
+            <a:off x="1106306" y="2060898"/>
+            <a:ext cx="3397113" cy="733596"/>
           </a:xfrm>
         </p:spPr>
         <p:txBody>
@@ -2281,9 +3826,9 @@
             <a:noAutofit/>
           </a:bodyPr>
           <a:lstStyle>
-            <a:lvl1pPr marL="0" indent="0" algn="ctr">
-              <a:buNone/>
-              <a:defRPr sz="2200" b="1"/>
+            <a:lvl1pPr marL="0" indent="0">
+              <a:buNone/>
+              <a:defRPr sz="2200" b="0"/>
             </a:lvl1pPr>
             <a:lvl2pPr marL="457200" indent="0">
               <a:buNone/>
@@ -2322,7 +3867,7 @@
             <a:pPr lvl="0"/>
             <a:r>
               <a:rPr lang="en-US" smtClean="0"/>
-              <a:t>Click to edit Master text styles</a:t>
+              <a:t>Edit Master text styles</a:t>
             </a:r>
           </a:p>
         </p:txBody>
@@ -2339,46 +3884,48 @@
         </p:nvSpPr>
         <p:spPr>
           <a:xfrm>
-            <a:off x="426128" y="2438400"/>
-            <a:ext cx="4040188" cy="3687762"/>
+            <a:off x="818347" y="2786027"/>
+            <a:ext cx="3685073" cy="3316033"/>
           </a:xfrm>
         </p:spPr>
         <p:txBody>
-          <a:bodyPr/>
+          <a:bodyPr anchor="t">
+            <a:normAutofit/>
+          </a:bodyPr>
           <a:lstStyle>
             <a:lvl1pPr>
-              <a:defRPr sz="2400"/>
+              <a:defRPr sz="1600"/>
             </a:lvl1pPr>
             <a:lvl2pPr>
-              <a:defRPr sz="2000"/>
+              <a:defRPr sz="1400"/>
             </a:lvl2pPr>
             <a:lvl3pPr>
-              <a:defRPr sz="1800"/>
+              <a:defRPr sz="1200"/>
             </a:lvl3pPr>
             <a:lvl4pPr>
-              <a:defRPr sz="1600"/>
+              <a:defRPr sz="1100"/>
             </a:lvl4pPr>
             <a:lvl5pPr>
-              <a:defRPr sz="1600"/>
+              <a:defRPr sz="1100"/>
             </a:lvl5pPr>
             <a:lvl6pPr>
-              <a:defRPr sz="1600"/>
+              <a:defRPr sz="1100"/>
             </a:lvl6pPr>
             <a:lvl7pPr>
-              <a:defRPr sz="1600"/>
+              <a:defRPr sz="1100"/>
             </a:lvl7pPr>
             <a:lvl8pPr>
-              <a:defRPr sz="1600"/>
+              <a:defRPr sz="1100"/>
             </a:lvl8pPr>
             <a:lvl9pPr>
-              <a:defRPr sz="1600"/>
+              <a:defRPr sz="1100"/>
             </a:lvl9pPr>
           </a:lstStyle>
           <a:p>
             <a:pPr lvl="0"/>
             <a:r>
               <a:rPr lang="en-US" smtClean="0"/>
-              <a:t>Click to edit Master text styles</a:t>
+              <a:t>Edit Master text styles</a:t>
             </a:r>
           </a:p>
           <a:p>
@@ -2424,8 +3971,8 @@
         </p:nvSpPr>
         <p:spPr>
           <a:xfrm>
-            <a:off x="4645025" y="1722438"/>
-            <a:ext cx="4041775" cy="639762"/>
+            <a:off x="4910150" y="2060898"/>
+            <a:ext cx="3419670" cy="725129"/>
           </a:xfrm>
         </p:spPr>
         <p:txBody>
@@ -2433,9 +3980,9 @@
             <a:noAutofit/>
           </a:bodyPr>
           <a:lstStyle>
-            <a:lvl1pPr marL="0" indent="0" algn="ctr">
-              <a:buNone/>
-              <a:defRPr sz="2200" b="1"/>
+            <a:lvl1pPr marL="0" indent="0">
+              <a:buNone/>
+              <a:defRPr sz="2200" b="0"/>
             </a:lvl1pPr>
             <a:lvl2pPr marL="457200" indent="0">
               <a:buNone/>
@@ -2474,7 +4021,7 @@
             <a:pPr lvl="0"/>
             <a:r>
               <a:rPr lang="en-US" smtClean="0"/>
-              <a:t>Click to edit Master text styles</a:t>
+              <a:t>Edit Master text styles</a:t>
             </a:r>
           </a:p>
         </p:txBody>
@@ -2491,46 +4038,48 @@
         </p:nvSpPr>
         <p:spPr>
           <a:xfrm>
-            <a:off x="4645025" y="2438400"/>
-            <a:ext cx="4041775" cy="3687762"/>
+            <a:off x="4629165" y="2786027"/>
+            <a:ext cx="3701520" cy="3316033"/>
           </a:xfrm>
         </p:spPr>
         <p:txBody>
-          <a:bodyPr/>
+          <a:bodyPr anchor="t">
+            <a:normAutofit/>
+          </a:bodyPr>
           <a:lstStyle>
             <a:lvl1pPr>
-              <a:defRPr sz="2400"/>
+              <a:defRPr sz="1600"/>
             </a:lvl1pPr>
             <a:lvl2pPr>
-              <a:defRPr sz="2000"/>
+              <a:defRPr sz="1400"/>
             </a:lvl2pPr>
             <a:lvl3pPr>
-              <a:defRPr sz="1800"/>
+              <a:defRPr sz="1200"/>
             </a:lvl3pPr>
             <a:lvl4pPr>
-              <a:defRPr sz="1600"/>
+              <a:defRPr sz="1100"/>
             </a:lvl4pPr>
             <a:lvl5pPr>
-              <a:defRPr sz="1600"/>
+              <a:defRPr sz="1100"/>
             </a:lvl5pPr>
             <a:lvl6pPr>
-              <a:defRPr sz="1600"/>
+              <a:defRPr sz="1100"/>
             </a:lvl6pPr>
             <a:lvl7pPr>
-              <a:defRPr sz="1600"/>
+              <a:defRPr sz="1100"/>
             </a:lvl7pPr>
             <a:lvl8pPr>
-              <a:defRPr sz="1600"/>
+              <a:defRPr sz="1100"/>
             </a:lvl8pPr>
             <a:lvl9pPr>
-              <a:defRPr sz="1600"/>
+              <a:defRPr sz="1100"/>
             </a:lvl9pPr>
           </a:lstStyle>
           <a:p>
             <a:pPr lvl="0"/>
             <a:r>
               <a:rPr lang="en-US" smtClean="0"/>
-              <a:t>Click to edit Master text styles</a:t>
+              <a:t>Edit Master text styles</a:t>
             </a:r>
           </a:p>
           <a:p>
@@ -2581,7 +4130,7 @@
           <a:p>
             <a:fld id="{DDE870DA-2A0E-4DB8-A25D-C09E29500FC2}" type="datetimeFigureOut">
               <a:rPr lang="bg-BG" smtClean="0"/>
-              <a:t>12.10.2016 г.</a:t>
+              <a:t>13.10.2016 г.</a:t>
             </a:fld>
             <a:endParaRPr lang="bg-BG"/>
           </a:p>
@@ -2630,6 +4179,11 @@
         </p:txBody>
       </p:sp>
     </p:spTree>
+    <p:extLst>
+      <p:ext uri="{BB962C8B-B14F-4D97-AF65-F5344CB8AC3E}">
+        <p14:creationId xmlns:p14="http://schemas.microsoft.com/office/powerpoint/2010/main" val="1984020637"/>
+      </p:ext>
+    </p:extLst>
   </p:cSld>
   <p:clrMapOvr>
     <a:masterClrMapping/>
@@ -2666,35 +4220,41 @@
         </p:nvSpPr>
         <p:spPr/>
         <p:txBody>
+          <a:bodyPr>
+            <a:normAutofit/>
+          </a:bodyPr>
+          <a:lstStyle>
+            <a:lvl1pPr>
+              <a:defRPr sz="2600"/>
+            </a:lvl1pPr>
+          </a:lstStyle>
+          <a:p>
+            <a:r>
+              <a:rPr lang="en-US" smtClean="0"/>
+              <a:t>Click to edit Master title style</a:t>
+            </a:r>
+            <a:endParaRPr lang="en-US" dirty="0"/>
+          </a:p>
+        </p:txBody>
+      </p:sp>
+      <p:sp>
+        <p:nvSpPr>
+          <p:cNvPr id="3" name="Date Placeholder 2"/>
+          <p:cNvSpPr>
+            <a:spLocks noGrp="1"/>
+          </p:cNvSpPr>
+          <p:nvPr>
+            <p:ph type="dt" sz="half" idx="10"/>
+          </p:nvPr>
+        </p:nvSpPr>
+        <p:spPr/>
+        <p:txBody>
           <a:bodyPr/>
           <a:lstStyle/>
           <a:p>
-            <a:r>
-              <a:rPr lang="en-US" smtClean="0"/>
-              <a:t>Click to edit Master title style</a:t>
-            </a:r>
-            <a:endParaRPr lang="en-US"/>
-          </a:p>
-        </p:txBody>
-      </p:sp>
-      <p:sp>
-        <p:nvSpPr>
-          <p:cNvPr id="3" name="Date Placeholder 2"/>
-          <p:cNvSpPr>
-            <a:spLocks noGrp="1"/>
-          </p:cNvSpPr>
-          <p:nvPr>
-            <p:ph type="dt" sz="half" idx="10"/>
-          </p:nvPr>
-        </p:nvSpPr>
-        <p:spPr/>
-        <p:txBody>
-          <a:bodyPr/>
-          <a:lstStyle/>
-          <a:p>
             <a:fld id="{DDE870DA-2A0E-4DB8-A25D-C09E29500FC2}" type="datetimeFigureOut">
               <a:rPr lang="bg-BG" smtClean="0"/>
-              <a:t>12.10.2016 г.</a:t>
+              <a:t>13.10.2016 г.</a:t>
             </a:fld>
             <a:endParaRPr lang="bg-BG"/>
           </a:p>
@@ -2743,6 +4303,11 @@
         </p:txBody>
       </p:sp>
     </p:spTree>
+    <p:extLst>
+      <p:ext uri="{BB962C8B-B14F-4D97-AF65-F5344CB8AC3E}">
+        <p14:creationId xmlns:p14="http://schemas.microsoft.com/office/powerpoint/2010/main" val="1292816214"/>
+      </p:ext>
+    </p:extLst>
   </p:cSld>
   <p:clrMapOvr>
     <a:masterClrMapping/>
@@ -2751,7 +4316,7 @@
 </file>
 
 <file path=ppt/slideLayouts/slideLayout7.xml><?xml version="1.0" encoding="utf-8"?>
-<p:sldLayout xmlns:a="http://schemas.openxmlformats.org/drawingml/2006/main" xmlns:r="http://schemas.openxmlformats.org/officeDocument/2006/relationships" xmlns:p="http://schemas.openxmlformats.org/presentationml/2006/main" showMasterSp="0" type="blank" preserve="1">
+<p:sldLayout xmlns:a="http://schemas.openxmlformats.org/drawingml/2006/main" xmlns:r="http://schemas.openxmlformats.org/officeDocument/2006/relationships" xmlns:p="http://schemas.openxmlformats.org/presentationml/2006/main" type="blank" preserve="1">
   <p:cSld name="Blank">
     <p:spTree>
       <p:nvGrpSpPr>
@@ -2769,97 +4334,6 @@
       </p:grpSpPr>
       <p:sp>
         <p:nvSpPr>
-          <p:cNvPr id="5" name="Rectangle 4"/>
-          <p:cNvSpPr/>
-          <p:nvPr/>
-        </p:nvSpPr>
-        <p:spPr>
-          <a:xfrm>
-            <a:off x="0" y="0"/>
-            <a:ext cx="9144000" cy="6858000"/>
-          </a:xfrm>
-          <a:prstGeom prst="rect">
-            <a:avLst/>
-          </a:prstGeom>
-          <a:solidFill>
-            <a:srgbClr val="FFFFFF"/>
-          </a:solidFill>
-          <a:ln>
-            <a:noFill/>
-          </a:ln>
-        </p:spPr>
-        <p:style>
-          <a:lnRef idx="2">
-            <a:schemeClr val="accent1">
-              <a:shade val="50000"/>
-            </a:schemeClr>
-          </a:lnRef>
-          <a:fillRef idx="1">
-            <a:schemeClr val="accent1"/>
-          </a:fillRef>
-          <a:effectRef idx="0">
-            <a:schemeClr val="accent1"/>
-          </a:effectRef>
-          <a:fontRef idx="minor">
-            <a:schemeClr val="lt1"/>
-          </a:fontRef>
-        </p:style>
-        <p:txBody>
-          <a:bodyPr rtlCol="0" anchor="ctr"/>
-          <a:lstStyle/>
-          <a:p>
-            <a:pPr algn="ctr"/>
-            <a:endParaRPr lang="en-US"/>
-          </a:p>
-        </p:txBody>
-      </p:sp>
-      <p:sp useBgFill="1">
-        <p:nvSpPr>
-          <p:cNvPr id="11" name="Rounded Rectangle 10"/>
-          <p:cNvSpPr/>
-          <p:nvPr/>
-        </p:nvSpPr>
-        <p:spPr>
-          <a:xfrm>
-            <a:off x="91440" y="101600"/>
-            <a:ext cx="8961120" cy="6664960"/>
-          </a:xfrm>
-          <a:prstGeom prst="roundRect">
-            <a:avLst>
-              <a:gd name="adj" fmla="val 1735"/>
-            </a:avLst>
-          </a:prstGeom>
-          <a:ln w="12700" cmpd="sng">
-            <a:noFill/>
-          </a:ln>
-        </p:spPr>
-        <p:style>
-          <a:lnRef idx="2">
-            <a:schemeClr val="accent1">
-              <a:shade val="50000"/>
-            </a:schemeClr>
-          </a:lnRef>
-          <a:fillRef idx="1">
-            <a:schemeClr val="accent1"/>
-          </a:fillRef>
-          <a:effectRef idx="0">
-            <a:schemeClr val="accent1"/>
-          </a:effectRef>
-          <a:fontRef idx="minor">
-            <a:schemeClr val="lt1"/>
-          </a:fontRef>
-        </p:style>
-        <p:txBody>
-          <a:bodyPr rtlCol="0" anchor="ctr"/>
-          <a:lstStyle/>
-          <a:p>
-            <a:pPr algn="ctr"/>
-            <a:endParaRPr lang="en-US"/>
-          </a:p>
-        </p:txBody>
-      </p:sp>
-      <p:sp>
-        <p:nvSpPr>
           <p:cNvPr id="2" name="Date Placeholder 1"/>
           <p:cNvSpPr>
             <a:spLocks noGrp="1"/>
@@ -2875,7 +4349,7 @@
           <a:p>
             <a:fld id="{DDE870DA-2A0E-4DB8-A25D-C09E29500FC2}" type="datetimeFigureOut">
               <a:rPr lang="bg-BG" smtClean="0"/>
-              <a:t>12.10.2016 г.</a:t>
+              <a:t>13.10.2016 г.</a:t>
             </a:fld>
             <a:endParaRPr lang="bg-BG"/>
           </a:p>
@@ -2924,6 +4398,11 @@
         </p:txBody>
       </p:sp>
     </p:spTree>
+    <p:extLst>
+      <p:ext uri="{BB962C8B-B14F-4D97-AF65-F5344CB8AC3E}">
+        <p14:creationId xmlns:p14="http://schemas.microsoft.com/office/powerpoint/2010/main" val="2397186835"/>
+      </p:ext>
+    </p:extLst>
   </p:cSld>
   <p:clrMapOvr>
     <a:masterClrMapping/>
@@ -2932,7 +4411,7 @@
 </file>
 
 <file path=ppt/slideLayouts/slideLayout8.xml><?xml version="1.0" encoding="utf-8"?>
-<p:sldLayout xmlns:a="http://schemas.openxmlformats.org/drawingml/2006/main" xmlns:r="http://schemas.openxmlformats.org/officeDocument/2006/relationships" xmlns:p="http://schemas.openxmlformats.org/presentationml/2006/main" showMasterSp="0" type="objTx" preserve="1">
+<p:sldLayout xmlns:a="http://schemas.openxmlformats.org/drawingml/2006/main" xmlns:r="http://schemas.openxmlformats.org/officeDocument/2006/relationships" xmlns:p="http://schemas.openxmlformats.org/presentationml/2006/main" type="objTx" preserve="1">
   <p:cSld name="Content with Caption">
     <p:spTree>
       <p:nvGrpSpPr>
@@ -2950,177 +4429,189 @@
       </p:grpSpPr>
       <p:sp>
         <p:nvSpPr>
-          <p:cNvPr id="11" name="Rectangle 10"/>
-          <p:cNvSpPr/>
-          <p:nvPr/>
+          <p:cNvPr id="2" name="Title 1"/>
+          <p:cNvSpPr>
+            <a:spLocks noGrp="1"/>
+          </p:cNvSpPr>
+          <p:nvPr>
+            <p:ph type="title"/>
+          </p:nvPr>
         </p:nvSpPr>
         <p:spPr>
           <a:xfrm>
-            <a:off x="0" y="0"/>
-            <a:ext cx="9144000" cy="6858000"/>
+            <a:off x="818347" y="1754928"/>
+            <a:ext cx="2729523" cy="1371600"/>
           </a:xfrm>
-          <a:prstGeom prst="rect">
-            <a:avLst/>
-          </a:prstGeom>
-          <a:solidFill>
-            <a:srgbClr val="FFFFFF"/>
-          </a:solidFill>
-          <a:ln>
-            <a:noFill/>
-          </a:ln>
         </p:spPr>
-        <p:style>
-          <a:lnRef idx="2">
-            <a:schemeClr val="accent1">
-              <a:shade val="50000"/>
-            </a:schemeClr>
-          </a:lnRef>
-          <a:fillRef idx="1">
-            <a:schemeClr val="accent1"/>
-          </a:fillRef>
-          <a:effectRef idx="0">
-            <a:schemeClr val="accent1"/>
-          </a:effectRef>
-          <a:fontRef idx="minor">
-            <a:schemeClr val="lt1"/>
-          </a:fontRef>
-        </p:style>
-        <p:txBody>
-          <a:bodyPr rtlCol="0" anchor="ctr"/>
-          <a:lstStyle/>
-          <a:p>
-            <a:pPr algn="ctr"/>
-            <a:endParaRPr lang="en-US"/>
-          </a:p>
-        </p:txBody>
-      </p:sp>
-      <p:sp useBgFill="1">
-        <p:nvSpPr>
-          <p:cNvPr id="12" name="Rounded Rectangle 11"/>
-          <p:cNvSpPr/>
-          <p:nvPr/>
+        <p:txBody>
+          <a:bodyPr anchor="b">
+            <a:normAutofit/>
+          </a:bodyPr>
+          <a:lstStyle>
+            <a:lvl1pPr algn="l">
+              <a:defRPr sz="2200" b="0"/>
+            </a:lvl1pPr>
+          </a:lstStyle>
+          <a:p>
+            <a:r>
+              <a:rPr lang="en-US" smtClean="0"/>
+              <a:t>Click to edit Master title style</a:t>
+            </a:r>
+            <a:endParaRPr lang="en-US" dirty="0"/>
+          </a:p>
+        </p:txBody>
+      </p:sp>
+      <p:sp>
+        <p:nvSpPr>
+          <p:cNvPr id="3" name="Content Placeholder 2"/>
+          <p:cNvSpPr>
+            <a:spLocks noGrp="1"/>
+          </p:cNvSpPr>
+          <p:nvPr>
+            <p:ph idx="1"/>
+          </p:nvPr>
         </p:nvSpPr>
         <p:spPr>
           <a:xfrm>
-            <a:off x="91440" y="101600"/>
-            <a:ext cx="8961120" cy="6664960"/>
+            <a:off x="3828856" y="596018"/>
+            <a:ext cx="4500964" cy="5506041"/>
           </a:xfrm>
-          <a:prstGeom prst="roundRect">
-            <a:avLst>
-              <a:gd name="adj" fmla="val 1735"/>
-            </a:avLst>
-          </a:prstGeom>
-          <a:ln w="12700" cmpd="sng">
-            <a:noFill/>
-          </a:ln>
         </p:spPr>
-        <p:style>
-          <a:lnRef idx="2">
-            <a:schemeClr val="accent1">
-              <a:shade val="50000"/>
-            </a:schemeClr>
-          </a:lnRef>
-          <a:fillRef idx="1">
-            <a:schemeClr val="accent1"/>
-          </a:fillRef>
-          <a:effectRef idx="0">
-            <a:schemeClr val="accent1"/>
-          </a:effectRef>
-          <a:fontRef idx="minor">
-            <a:schemeClr val="lt1"/>
-          </a:fontRef>
-        </p:style>
-        <p:txBody>
-          <a:bodyPr rtlCol="0" anchor="ctr"/>
-          <a:lstStyle/>
-          <a:p>
-            <a:pPr algn="ctr"/>
-            <a:endParaRPr lang="en-US"/>
-          </a:p>
-        </p:txBody>
-      </p:sp>
-      <p:sp>
-        <p:nvSpPr>
-          <p:cNvPr id="3" name="Content Placeholder 2"/>
+        <p:txBody>
+          <a:bodyPr anchor="ctr">
+            <a:normAutofit/>
+          </a:bodyPr>
+          <a:lstStyle>
+            <a:lvl1pPr>
+              <a:defRPr sz="1800"/>
+            </a:lvl1pPr>
+            <a:lvl2pPr>
+              <a:defRPr sz="1600"/>
+            </a:lvl2pPr>
+            <a:lvl3pPr>
+              <a:defRPr sz="1400"/>
+            </a:lvl3pPr>
+            <a:lvl4pPr>
+              <a:defRPr sz="1200"/>
+            </a:lvl4pPr>
+            <a:lvl5pPr>
+              <a:defRPr sz="1100"/>
+            </a:lvl5pPr>
+            <a:lvl6pPr>
+              <a:defRPr sz="1100"/>
+            </a:lvl6pPr>
+            <a:lvl7pPr>
+              <a:defRPr sz="1100"/>
+            </a:lvl7pPr>
+            <a:lvl8pPr>
+              <a:defRPr sz="1100"/>
+            </a:lvl8pPr>
+            <a:lvl9pPr>
+              <a:defRPr sz="1100"/>
+            </a:lvl9pPr>
+          </a:lstStyle>
+          <a:p>
+            <a:pPr lvl="0"/>
+            <a:r>
+              <a:rPr lang="en-US" smtClean="0"/>
+              <a:t>Edit Master text styles</a:t>
+            </a:r>
+          </a:p>
+          <a:p>
+            <a:pPr lvl="1"/>
+            <a:r>
+              <a:rPr lang="en-US" smtClean="0"/>
+              <a:t>Second level</a:t>
+            </a:r>
+          </a:p>
+          <a:p>
+            <a:pPr lvl="2"/>
+            <a:r>
+              <a:rPr lang="en-US" smtClean="0"/>
+              <a:t>Third level</a:t>
+            </a:r>
+          </a:p>
+          <a:p>
+            <a:pPr lvl="3"/>
+            <a:r>
+              <a:rPr lang="en-US" smtClean="0"/>
+              <a:t>Fourth level</a:t>
+            </a:r>
+          </a:p>
+          <a:p>
+            <a:pPr lvl="4"/>
+            <a:r>
+              <a:rPr lang="en-US" smtClean="0"/>
+              <a:t>Fifth level</a:t>
+            </a:r>
+            <a:endParaRPr lang="en-US" dirty="0"/>
+          </a:p>
+        </p:txBody>
+      </p:sp>
+      <p:sp>
+        <p:nvSpPr>
+          <p:cNvPr id="4" name="Text Placeholder 3"/>
           <p:cNvSpPr>
             <a:spLocks noGrp="1"/>
           </p:cNvSpPr>
           <p:nvPr>
-            <p:ph idx="1"/>
+            <p:ph type="body" sz="half" idx="2"/>
           </p:nvPr>
         </p:nvSpPr>
         <p:spPr>
           <a:xfrm>
-            <a:off x="3886200" y="685800"/>
-            <a:ext cx="4572000" cy="5257802"/>
+            <a:off x="818347" y="3126528"/>
+            <a:ext cx="2729523" cy="1828800"/>
           </a:xfrm>
         </p:spPr>
         <p:txBody>
-          <a:bodyPr/>
+          <a:bodyPr>
+            <a:normAutofit/>
+          </a:bodyPr>
           <a:lstStyle>
-            <a:lvl1pPr>
-              <a:defRPr sz="3200"/>
+            <a:lvl1pPr marL="0" indent="0">
+              <a:buNone/>
+              <a:defRPr sz="1600"/>
             </a:lvl1pPr>
-            <a:lvl2pPr>
-              <a:defRPr sz="2800"/>
+            <a:lvl2pPr marL="457200" indent="0">
+              <a:buNone/>
+              <a:defRPr sz="1200"/>
             </a:lvl2pPr>
-            <a:lvl3pPr>
-              <a:defRPr sz="2400"/>
+            <a:lvl3pPr marL="914400" indent="0">
+              <a:buNone/>
+              <a:defRPr sz="1000"/>
             </a:lvl3pPr>
-            <a:lvl4pPr>
-              <a:defRPr sz="2000"/>
+            <a:lvl4pPr marL="1371600" indent="0">
+              <a:buNone/>
+              <a:defRPr sz="900"/>
             </a:lvl4pPr>
-            <a:lvl5pPr>
-              <a:defRPr sz="2000"/>
+            <a:lvl5pPr marL="1828800" indent="0">
+              <a:buNone/>
+              <a:defRPr sz="900"/>
             </a:lvl5pPr>
-            <a:lvl6pPr>
-              <a:defRPr sz="2000"/>
+            <a:lvl6pPr marL="2286000" indent="0">
+              <a:buNone/>
+              <a:defRPr sz="900"/>
             </a:lvl6pPr>
-            <a:lvl7pPr>
-              <a:defRPr sz="2000"/>
+            <a:lvl7pPr marL="2743200" indent="0">
+              <a:buNone/>
+              <a:defRPr sz="900"/>
             </a:lvl7pPr>
-            <a:lvl8pPr>
-              <a:defRPr sz="2000"/>
+            <a:lvl8pPr marL="3200400" indent="0">
+              <a:buNone/>
+              <a:defRPr sz="900"/>
             </a:lvl8pPr>
-            <a:lvl9pPr>
-              <a:defRPr sz="2000"/>
+            <a:lvl9pPr marL="3657600" indent="0">
+              <a:buNone/>
+              <a:defRPr sz="900"/>
             </a:lvl9pPr>
           </a:lstStyle>
           <a:p>
             <a:pPr lvl="0"/>
             <a:r>
               <a:rPr lang="en-US" smtClean="0"/>
-              <a:t>Click to edit Master text styles</a:t>
-            </a:r>
-          </a:p>
-          <a:p>
-            <a:pPr lvl="1"/>
-            <a:r>
-              <a:rPr lang="en-US" smtClean="0"/>
-              <a:t>Second level</a:t>
-            </a:r>
-          </a:p>
-          <a:p>
-            <a:pPr lvl="2"/>
-            <a:r>
-              <a:rPr lang="en-US" smtClean="0"/>
-              <a:t>Third level</a:t>
-            </a:r>
-          </a:p>
-          <a:p>
-            <a:pPr lvl="3"/>
-            <a:r>
-              <a:rPr lang="en-US" smtClean="0"/>
-              <a:t>Fourth level</a:t>
-            </a:r>
-          </a:p>
-          <a:p>
-            <a:pPr lvl="4"/>
-            <a:r>
-              <a:rPr lang="en-US" smtClean="0"/>
-              <a:t>Fifth level</a:t>
-            </a:r>
-            <a:endParaRPr lang="en-US" dirty="0"/>
+              <a:t>Edit Master text styles</a:t>
+            </a:r>
           </a:p>
         </p:txBody>
       </p:sp>
@@ -3141,7 +4632,7 @@
           <a:p>
             <a:fld id="{DDE870DA-2A0E-4DB8-A25D-C09E29500FC2}" type="datetimeFigureOut">
               <a:rPr lang="bg-BG" smtClean="0"/>
-              <a:t>12.10.2016 г.</a:t>
+              <a:t>13.10.2016 г.</a:t>
             </a:fld>
             <a:endParaRPr lang="bg-BG"/>
           </a:p>
@@ -3189,222 +4680,12 @@
           </a:p>
         </p:txBody>
       </p:sp>
-      <p:sp>
-        <p:nvSpPr>
-          <p:cNvPr id="8" name="Rectangle 7"/>
-          <p:cNvSpPr/>
-          <p:nvPr/>
-        </p:nvSpPr>
-        <p:spPr>
-          <a:xfrm>
-            <a:off x="560034" y="1505712"/>
-            <a:ext cx="2716566" cy="3523488"/>
-          </a:xfrm>
-          <a:prstGeom prst="rect">
-            <a:avLst/>
-          </a:prstGeom>
-          <a:solidFill>
-            <a:srgbClr val="FFFFFF">
-              <a:alpha val="83000"/>
-            </a:srgbClr>
-          </a:solidFill>
-          <a:ln>
-            <a:noFill/>
-          </a:ln>
-          <a:effectLst>
-            <a:softEdge rad="12700"/>
-          </a:effectLst>
-        </p:spPr>
-        <p:style>
-          <a:lnRef idx="2">
-            <a:schemeClr val="accent1">
-              <a:shade val="50000"/>
-            </a:schemeClr>
-          </a:lnRef>
-          <a:fillRef idx="1">
-            <a:schemeClr val="accent1"/>
-          </a:fillRef>
-          <a:effectRef idx="0">
-            <a:schemeClr val="accent1"/>
-          </a:effectRef>
-          <a:fontRef idx="minor">
-            <a:schemeClr val="lt1"/>
-          </a:fontRef>
-        </p:style>
-        <p:txBody>
-          <a:bodyPr rtlCol="0" anchor="ctr"/>
-          <a:lstStyle/>
-          <a:p>
-            <a:pPr algn="ctr"/>
-            <a:endParaRPr lang="en-US"/>
-          </a:p>
-        </p:txBody>
-      </p:sp>
-      <p:sp>
-        <p:nvSpPr>
-          <p:cNvPr id="10" name="Rectangle 9"/>
-          <p:cNvSpPr/>
-          <p:nvPr/>
-        </p:nvSpPr>
-        <p:spPr>
-          <a:xfrm>
-            <a:off x="676690" y="1642472"/>
-            <a:ext cx="2483254" cy="3234328"/>
-          </a:xfrm>
-          <a:prstGeom prst="rect">
-            <a:avLst/>
-          </a:prstGeom>
-          <a:solidFill>
-            <a:srgbClr val="FFFFFF"/>
-          </a:solidFill>
-          <a:ln w="6350" cmpd="dbl">
-            <a:solidFill>
-              <a:schemeClr val="accent1">
-                <a:lumMod val="75000"/>
-              </a:schemeClr>
-            </a:solidFill>
-          </a:ln>
-        </p:spPr>
-        <p:style>
-          <a:lnRef idx="2">
-            <a:schemeClr val="accent1">
-              <a:shade val="50000"/>
-            </a:schemeClr>
-          </a:lnRef>
-          <a:fillRef idx="1">
-            <a:schemeClr val="accent1"/>
-          </a:fillRef>
-          <a:effectRef idx="0">
-            <a:schemeClr val="accent1"/>
-          </a:effectRef>
-          <a:fontRef idx="minor">
-            <a:schemeClr val="lt1"/>
-          </a:fontRef>
-        </p:style>
-        <p:txBody>
-          <a:bodyPr rtlCol="0" anchor="ctr"/>
-          <a:lstStyle/>
-          <a:p>
-            <a:pPr algn="ctr"/>
-            <a:endParaRPr lang="en-US"/>
-          </a:p>
-        </p:txBody>
-      </p:sp>
-      <p:sp>
-        <p:nvSpPr>
-          <p:cNvPr id="4" name="Text Placeholder 3"/>
-          <p:cNvSpPr>
-            <a:spLocks noGrp="1"/>
-          </p:cNvSpPr>
-          <p:nvPr>
-            <p:ph type="body" sz="half" idx="2"/>
-          </p:nvPr>
-        </p:nvSpPr>
-        <p:spPr>
-          <a:xfrm>
-            <a:off x="769000" y="2971800"/>
-            <a:ext cx="2298634" cy="1752600"/>
-          </a:xfrm>
-        </p:spPr>
-        <p:txBody>
-          <a:bodyPr/>
-          <a:lstStyle>
-            <a:lvl1pPr marL="0" indent="0">
-              <a:spcBef>
-                <a:spcPts val="400"/>
-              </a:spcBef>
-              <a:buNone/>
-              <a:defRPr sz="1400">
-                <a:solidFill>
-                  <a:schemeClr val="accent1">
-                    <a:lumMod val="50000"/>
-                  </a:schemeClr>
-                </a:solidFill>
-              </a:defRPr>
-            </a:lvl1pPr>
-            <a:lvl2pPr marL="457200" indent="0">
-              <a:buNone/>
-              <a:defRPr sz="1200"/>
-            </a:lvl2pPr>
-            <a:lvl3pPr marL="914400" indent="0">
-              <a:buNone/>
-              <a:defRPr sz="1000"/>
-            </a:lvl3pPr>
-            <a:lvl4pPr marL="1371600" indent="0">
-              <a:buNone/>
-              <a:defRPr sz="900"/>
-            </a:lvl4pPr>
-            <a:lvl5pPr marL="1828800" indent="0">
-              <a:buNone/>
-              <a:defRPr sz="900"/>
-            </a:lvl5pPr>
-            <a:lvl6pPr marL="2286000" indent="0">
-              <a:buNone/>
-              <a:defRPr sz="900"/>
-            </a:lvl6pPr>
-            <a:lvl7pPr marL="2743200" indent="0">
-              <a:buNone/>
-              <a:defRPr sz="900"/>
-            </a:lvl7pPr>
-            <a:lvl8pPr marL="3200400" indent="0">
-              <a:buNone/>
-              <a:defRPr sz="900"/>
-            </a:lvl8pPr>
-            <a:lvl9pPr marL="3657600" indent="0">
-              <a:buNone/>
-              <a:defRPr sz="900"/>
-            </a:lvl9pPr>
-          </a:lstStyle>
-          <a:p>
-            <a:pPr lvl="0"/>
-            <a:r>
-              <a:rPr lang="en-US" smtClean="0"/>
-              <a:t>Click to edit Master text styles</a:t>
-            </a:r>
-          </a:p>
-        </p:txBody>
-      </p:sp>
-      <p:sp>
-        <p:nvSpPr>
-          <p:cNvPr id="2" name="Title 1"/>
-          <p:cNvSpPr>
-            <a:spLocks noGrp="1"/>
-          </p:cNvSpPr>
-          <p:nvPr>
-            <p:ph type="title"/>
-          </p:nvPr>
-        </p:nvSpPr>
-        <p:spPr>
-          <a:xfrm>
-            <a:off x="769000" y="1734312"/>
-            <a:ext cx="2298634" cy="1191620"/>
-          </a:xfrm>
-        </p:spPr>
-        <p:txBody>
-          <a:bodyPr anchor="b">
-            <a:normAutofit/>
-          </a:bodyPr>
-          <a:lstStyle>
-            <a:lvl1pPr algn="l">
-              <a:defRPr sz="2000" b="0">
-                <a:solidFill>
-                  <a:schemeClr val="accent1">
-                    <a:lumMod val="75000"/>
-                  </a:schemeClr>
-                </a:solidFill>
-              </a:defRPr>
-            </a:lvl1pPr>
-          </a:lstStyle>
-          <a:p>
-            <a:r>
-              <a:rPr lang="en-US" smtClean="0"/>
-              <a:t>Click to edit Master title style</a:t>
-            </a:r>
-            <a:endParaRPr lang="en-US" dirty="0"/>
-          </a:p>
-        </p:txBody>
-      </p:sp>
     </p:spTree>
+    <p:extLst>
+      <p:ext uri="{BB962C8B-B14F-4D97-AF65-F5344CB8AC3E}">
+        <p14:creationId xmlns:p14="http://schemas.microsoft.com/office/powerpoint/2010/main" val="1382616954"/>
+      </p:ext>
+    </p:extLst>
   </p:cSld>
   <p:clrMapOvr>
     <a:masterClrMapping/>
@@ -3413,7 +4694,7 @@
 </file>
 
 <file path=ppt/slideLayouts/slideLayout9.xml><?xml version="1.0" encoding="utf-8"?>
-<p:sldLayout xmlns:a="http://schemas.openxmlformats.org/drawingml/2006/main" xmlns:r="http://schemas.openxmlformats.org/officeDocument/2006/relationships" xmlns:p="http://schemas.openxmlformats.org/presentationml/2006/main" showMasterSp="0" type="picTx" preserve="1">
+<p:sldLayout xmlns:a="http://schemas.openxmlformats.org/drawingml/2006/main" xmlns:r="http://schemas.openxmlformats.org/officeDocument/2006/relationships" xmlns:p="http://schemas.openxmlformats.org/presentationml/2006/main" type="picTx" preserve="1">
   <p:cSld name="Picture with Caption">
     <p:spTree>
       <p:nvGrpSpPr>
@@ -3431,166 +4712,192 @@
       </p:grpSpPr>
       <p:sp>
         <p:nvSpPr>
-          <p:cNvPr id="8" name="Rectangle 7"/>
-          <p:cNvSpPr/>
-          <p:nvPr/>
+          <p:cNvPr id="2" name="Title 1"/>
+          <p:cNvSpPr>
+            <a:spLocks noGrp="1"/>
+          </p:cNvSpPr>
+          <p:nvPr>
+            <p:ph type="title"/>
+          </p:nvPr>
         </p:nvSpPr>
         <p:spPr>
           <a:xfrm>
-            <a:off x="0" y="0"/>
-            <a:ext cx="9144000" cy="6858000"/>
+            <a:off x="818347" y="1898269"/>
+            <a:ext cx="4423803" cy="1371600"/>
           </a:xfrm>
-          <a:prstGeom prst="rect">
-            <a:avLst/>
-          </a:prstGeom>
-          <a:solidFill>
-            <a:srgbClr val="FFFFFF"/>
-          </a:solidFill>
-          <a:ln>
-            <a:noFill/>
-          </a:ln>
         </p:spPr>
-        <p:style>
-          <a:lnRef idx="2">
-            <a:schemeClr val="accent1">
-              <a:shade val="50000"/>
-            </a:schemeClr>
-          </a:lnRef>
-          <a:fillRef idx="1">
-            <a:schemeClr val="accent1"/>
-          </a:fillRef>
-          <a:effectRef idx="0">
-            <a:schemeClr val="accent1"/>
-          </a:effectRef>
-          <a:fontRef idx="minor">
-            <a:schemeClr val="lt1"/>
-          </a:fontRef>
-        </p:style>
-        <p:txBody>
-          <a:bodyPr rtlCol="0" anchor="ctr"/>
-          <a:lstStyle/>
-          <a:p>
-            <a:pPr algn="ctr"/>
-            <a:endParaRPr lang="en-US"/>
-          </a:p>
-        </p:txBody>
-      </p:sp>
-      <p:sp useBgFill="1">
-        <p:nvSpPr>
-          <p:cNvPr id="9" name="Rounded Rectangle 8"/>
-          <p:cNvSpPr/>
-          <p:nvPr/>
+        <p:txBody>
+          <a:bodyPr anchor="b">
+            <a:normAutofit/>
+          </a:bodyPr>
+          <a:lstStyle>
+            <a:lvl1pPr algn="l">
+              <a:defRPr sz="2400" b="0"/>
+            </a:lvl1pPr>
+          </a:lstStyle>
+          <a:p>
+            <a:r>
+              <a:rPr lang="en-US" smtClean="0"/>
+              <a:t>Click to edit Master title style</a:t>
+            </a:r>
+            <a:endParaRPr lang="en-US" dirty="0"/>
+          </a:p>
+        </p:txBody>
+      </p:sp>
+      <p:sp>
+        <p:nvSpPr>
+          <p:cNvPr id="14" name="Picture Placeholder 2"/>
+          <p:cNvSpPr>
+            <a:spLocks noGrp="1" noChangeAspect="1"/>
+          </p:cNvSpPr>
+          <p:nvPr>
+            <p:ph type="pic" idx="1"/>
+          </p:nvPr>
         </p:nvSpPr>
         <p:spPr>
           <a:xfrm>
-            <a:off x="91440" y="101600"/>
-            <a:ext cx="8961120" cy="6664960"/>
+            <a:off x="5515442" y="-18288"/>
+            <a:ext cx="2500062" cy="6903720"/>
           </a:xfrm>
-          <a:prstGeom prst="roundRect">
-            <a:avLst>
-              <a:gd name="adj" fmla="val 1735"/>
-            </a:avLst>
-          </a:prstGeom>
-          <a:ln w="12700" cmpd="sng">
-            <a:noFill/>
+          <a:ln w="38100">
+            <a:gradFill flip="none" rotWithShape="1">
+              <a:gsLst>
+                <a:gs pos="0">
+                  <a:schemeClr val="bg2"/>
+                </a:gs>
+                <a:gs pos="100000">
+                  <a:schemeClr val="bg2">
+                    <a:lumMod val="75000"/>
+                  </a:schemeClr>
+                </a:gs>
+              </a:gsLst>
+              <a:lin ang="5400000" scaled="0"/>
+              <a:tileRect/>
+            </a:gradFill>
           </a:ln>
+          <a:effectLst>
+            <a:innerShdw blurRad="57150" dist="38100" dir="10800000">
+              <a:srgbClr val="000000">
+                <a:alpha val="70000"/>
+              </a:srgbClr>
+            </a:innerShdw>
+          </a:effectLst>
         </p:spPr>
-        <p:style>
-          <a:lnRef idx="2">
-            <a:schemeClr val="accent1">
-              <a:shade val="50000"/>
-            </a:schemeClr>
-          </a:lnRef>
-          <a:fillRef idx="1">
-            <a:schemeClr val="accent1"/>
-          </a:fillRef>
-          <a:effectRef idx="0">
-            <a:schemeClr val="accent1"/>
-          </a:effectRef>
-          <a:fontRef idx="minor">
-            <a:schemeClr val="lt1"/>
-          </a:fontRef>
-        </p:style>
-        <p:txBody>
-          <a:bodyPr rtlCol="0" anchor="ctr"/>
-          <a:lstStyle/>
-          <a:p>
-            <a:pPr algn="ctr"/>
-            <a:endParaRPr lang="en-US"/>
-          </a:p>
-        </p:txBody>
-      </p:sp>
-      <p:sp>
-        <p:nvSpPr>
-          <p:cNvPr id="3" name="Picture Placeholder 2"/>
+        <p:txBody>
+          <a:bodyPr anchor="t">
+            <a:normAutofit/>
+          </a:bodyPr>
+          <a:lstStyle>
+            <a:lvl1pPr marL="0" indent="0" algn="ctr">
+              <a:buNone/>
+              <a:defRPr sz="1600"/>
+            </a:lvl1pPr>
+            <a:lvl2pPr marL="457200" indent="0">
+              <a:buNone/>
+              <a:defRPr sz="1600"/>
+            </a:lvl2pPr>
+            <a:lvl3pPr marL="914400" indent="0">
+              <a:buNone/>
+              <a:defRPr sz="1600"/>
+            </a:lvl3pPr>
+            <a:lvl4pPr marL="1371600" indent="0">
+              <a:buNone/>
+              <a:defRPr sz="1600"/>
+            </a:lvl4pPr>
+            <a:lvl5pPr marL="1828800" indent="0">
+              <a:buNone/>
+              <a:defRPr sz="1600"/>
+            </a:lvl5pPr>
+            <a:lvl6pPr marL="2286000" indent="0">
+              <a:buNone/>
+              <a:defRPr sz="1600"/>
+            </a:lvl6pPr>
+            <a:lvl7pPr marL="2743200" indent="0">
+              <a:buNone/>
+              <a:defRPr sz="1600"/>
+            </a:lvl7pPr>
+            <a:lvl8pPr marL="3200400" indent="0">
+              <a:buNone/>
+              <a:defRPr sz="1600"/>
+            </a:lvl8pPr>
+            <a:lvl9pPr marL="3657600" indent="0">
+              <a:buNone/>
+              <a:defRPr sz="1600"/>
+            </a:lvl9pPr>
+          </a:lstStyle>
+          <a:p>
+            <a:r>
+              <a:rPr lang="en-US" smtClean="0"/>
+              <a:t>Click icon to add picture</a:t>
+            </a:r>
+            <a:endParaRPr lang="en-US" dirty="0"/>
+          </a:p>
+        </p:txBody>
+      </p:sp>
+      <p:sp>
+        <p:nvSpPr>
+          <p:cNvPr id="4" name="Text Placeholder 3"/>
           <p:cNvSpPr>
             <a:spLocks noGrp="1"/>
           </p:cNvSpPr>
           <p:nvPr>
-            <p:ph type="pic" idx="1"/>
+            <p:ph type="body" sz="half" idx="2"/>
           </p:nvPr>
         </p:nvSpPr>
         <p:spPr>
           <a:xfrm>
-            <a:off x="685800" y="621437"/>
-            <a:ext cx="7772400" cy="4331564"/>
+            <a:off x="817318" y="3269869"/>
+            <a:ext cx="4423803" cy="1828800"/>
           </a:xfrm>
-          <a:solidFill>
-            <a:schemeClr val="bg2"/>
-          </a:solidFill>
-          <a:ln>
-            <a:noFill/>
-          </a:ln>
-          <a:effectLst>
-            <a:softEdge rad="12700"/>
-          </a:effectLst>
         </p:spPr>
         <p:txBody>
-          <a:bodyPr/>
+          <a:bodyPr>
+            <a:normAutofit/>
+          </a:bodyPr>
           <a:lstStyle>
             <a:lvl1pPr marL="0" indent="0">
               <a:buNone/>
-              <a:defRPr sz="3200"/>
+              <a:defRPr sz="1600"/>
             </a:lvl1pPr>
             <a:lvl2pPr marL="457200" indent="0">
               <a:buNone/>
-              <a:defRPr sz="2800"/>
+              <a:defRPr sz="1200"/>
             </a:lvl2pPr>
             <a:lvl3pPr marL="914400" indent="0">
               <a:buNone/>
-              <a:defRPr sz="2400"/>
+              <a:defRPr sz="1000"/>
             </a:lvl3pPr>
             <a:lvl4pPr marL="1371600" indent="0">
               <a:buNone/>
-              <a:defRPr sz="2000"/>
+              <a:defRPr sz="900"/>
             </a:lvl4pPr>
             <a:lvl5pPr marL="1828800" indent="0">
               <a:buNone/>
-              <a:defRPr sz="2000"/>
+              <a:defRPr sz="900"/>
             </a:lvl5pPr>
             <a:lvl6pPr marL="2286000" indent="0">
               <a:buNone/>
-              <a:defRPr sz="2000"/>
+              <a:defRPr sz="900"/>
             </a:lvl6pPr>
             <a:lvl7pPr marL="2743200" indent="0">
               <a:buNone/>
-              <a:defRPr sz="2000"/>
+              <a:defRPr sz="900"/>
             </a:lvl7pPr>
             <a:lvl8pPr marL="3200400" indent="0">
               <a:buNone/>
-              <a:defRPr sz="2000"/>
+              <a:defRPr sz="900"/>
             </a:lvl8pPr>
             <a:lvl9pPr marL="3657600" indent="0">
               <a:buNone/>
-              <a:defRPr sz="2000"/>
+              <a:defRPr sz="900"/>
             </a:lvl9pPr>
           </a:lstStyle>
           <a:p>
+            <a:pPr lvl="0"/>
             <a:r>
               <a:rPr lang="en-US" smtClean="0"/>
-              <a:t>Click icon to add picture</a:t>
-            </a:r>
-            <a:endParaRPr lang="en-US" dirty="0"/>
+              <a:t>Edit Master text styles</a:t>
+            </a:r>
           </a:p>
         </p:txBody>
       </p:sp>
@@ -3604,14 +4911,19 @@
             <p:ph type="dt" sz="half" idx="10"/>
           </p:nvPr>
         </p:nvSpPr>
-        <p:spPr/>
+        <p:spPr>
+          <a:xfrm>
+            <a:off x="4523649" y="6181344"/>
+            <a:ext cx="718502" cy="365125"/>
+          </a:xfrm>
+        </p:spPr>
         <p:txBody>
           <a:bodyPr/>
           <a:lstStyle/>
           <a:p>
             <a:fld id="{DDE870DA-2A0E-4DB8-A25D-C09E29500FC2}" type="datetimeFigureOut">
               <a:rPr lang="bg-BG" smtClean="0"/>
-              <a:t>12.10.2016 г.</a:t>
+              <a:t>13.10.2016 г.</a:t>
             </a:fld>
             <a:endParaRPr lang="bg-BG"/>
           </a:p>
@@ -3619,6 +4931,30 @@
       </p:sp>
       <p:sp>
         <p:nvSpPr>
+          <p:cNvPr id="6" name="Footer Placeholder 5"/>
+          <p:cNvSpPr>
+            <a:spLocks noGrp="1"/>
+          </p:cNvSpPr>
+          <p:nvPr>
+            <p:ph type="ftr" sz="quarter" idx="11"/>
+          </p:nvPr>
+        </p:nvSpPr>
+        <p:spPr>
+          <a:xfrm>
+            <a:off x="818348" y="6181344"/>
+            <a:ext cx="3705300" cy="365125"/>
+          </a:xfrm>
+        </p:spPr>
+        <p:txBody>
+          <a:bodyPr/>
+          <a:lstStyle/>
+          <a:p>
+            <a:endParaRPr lang="bg-BG"/>
+          </a:p>
+        </p:txBody>
+      </p:sp>
+      <p:sp>
+        <p:nvSpPr>
           <p:cNvPr id="7" name="Slide Number Placeholder 6"/>
           <p:cNvSpPr>
             <a:spLocks noGrp="1"/>
@@ -3627,7 +4963,12 @@
             <p:ph type="sldNum" sz="quarter" idx="12"/>
           </p:nvPr>
         </p:nvSpPr>
-        <p:spPr/>
+        <p:spPr>
+          <a:xfrm>
+            <a:off x="8024262" y="6181344"/>
+            <a:ext cx="305186" cy="329250"/>
+          </a:xfrm>
+        </p:spPr>
         <p:txBody>
           <a:bodyPr/>
           <a:lstStyle/>
@@ -3640,322 +4981,12 @@
           </a:p>
         </p:txBody>
       </p:sp>
-      <p:sp>
-        <p:nvSpPr>
-          <p:cNvPr id="10" name="Rectangle 9"/>
-          <p:cNvSpPr/>
-          <p:nvPr/>
-        </p:nvSpPr>
-        <p:spPr>
-          <a:xfrm>
-            <a:off x="685800" y="4953000"/>
-            <a:ext cx="7772400" cy="1371600"/>
-          </a:xfrm>
-          <a:prstGeom prst="rect">
-            <a:avLst/>
-          </a:prstGeom>
-          <a:solidFill>
-            <a:srgbClr val="FFFFFF">
-              <a:alpha val="83000"/>
-            </a:srgbClr>
-          </a:solidFill>
-          <a:ln>
-            <a:noFill/>
-          </a:ln>
-          <a:effectLst>
-            <a:softEdge rad="12700"/>
-          </a:effectLst>
-        </p:spPr>
-        <p:style>
-          <a:lnRef idx="2">
-            <a:schemeClr val="accent1">
-              <a:shade val="50000"/>
-            </a:schemeClr>
-          </a:lnRef>
-          <a:fillRef idx="1">
-            <a:schemeClr val="accent1"/>
-          </a:fillRef>
-          <a:effectRef idx="0">
-            <a:schemeClr val="accent1"/>
-          </a:effectRef>
-          <a:fontRef idx="minor">
-            <a:schemeClr val="lt1"/>
-          </a:fontRef>
-        </p:style>
-        <p:txBody>
-          <a:bodyPr rtlCol="0" anchor="ctr"/>
-          <a:lstStyle/>
-          <a:p>
-            <a:pPr algn="ctr"/>
-            <a:endParaRPr lang="en-US"/>
-          </a:p>
-        </p:txBody>
-      </p:sp>
-      <p:sp>
-        <p:nvSpPr>
-          <p:cNvPr id="12" name="Rectangle 11"/>
-          <p:cNvSpPr/>
-          <p:nvPr/>
-        </p:nvSpPr>
-        <p:spPr>
-          <a:xfrm>
-            <a:off x="761999" y="5029200"/>
-            <a:ext cx="7600765" cy="1202924"/>
-          </a:xfrm>
-          <a:prstGeom prst="rect">
-            <a:avLst/>
-          </a:prstGeom>
-          <a:solidFill>
-            <a:srgbClr val="FFFFFF"/>
-          </a:solidFill>
-          <a:ln w="6350" cmpd="dbl">
-            <a:noFill/>
-          </a:ln>
-        </p:spPr>
-        <p:style>
-          <a:lnRef idx="2">
-            <a:schemeClr val="accent1">
-              <a:shade val="50000"/>
-            </a:schemeClr>
-          </a:lnRef>
-          <a:fillRef idx="1">
-            <a:schemeClr val="accent1"/>
-          </a:fillRef>
-          <a:effectRef idx="0">
-            <a:schemeClr val="accent1"/>
-          </a:effectRef>
-          <a:fontRef idx="minor">
-            <a:schemeClr val="lt1"/>
-          </a:fontRef>
-        </p:style>
-        <p:txBody>
-          <a:bodyPr rtlCol="0" anchor="ctr"/>
-          <a:lstStyle/>
-          <a:p>
-            <a:pPr algn="ctr"/>
-            <a:endParaRPr lang="en-US"/>
-          </a:p>
-        </p:txBody>
-      </p:sp>
-      <p:sp>
-        <p:nvSpPr>
-          <p:cNvPr id="6" name="Footer Placeholder 5"/>
-          <p:cNvSpPr>
-            <a:spLocks noGrp="1"/>
-          </p:cNvSpPr>
-          <p:nvPr>
-            <p:ph type="ftr" sz="quarter" idx="11"/>
-          </p:nvPr>
-        </p:nvSpPr>
-        <p:spPr/>
-        <p:txBody>
-          <a:bodyPr/>
-          <a:lstStyle/>
-          <a:p>
-            <a:endParaRPr lang="bg-BG"/>
-          </a:p>
-        </p:txBody>
-      </p:sp>
-      <p:sp>
-        <p:nvSpPr>
-          <p:cNvPr id="13" name="Rectangle 12"/>
-          <p:cNvSpPr/>
-          <p:nvPr/>
-        </p:nvSpPr>
-        <p:spPr>
-          <a:xfrm>
-            <a:off x="914400" y="5638800"/>
-            <a:ext cx="7328514" cy="451696"/>
-          </a:xfrm>
-          <a:prstGeom prst="rect">
-            <a:avLst/>
-          </a:prstGeom>
-          <a:solidFill>
-            <a:schemeClr val="accent1"/>
-          </a:solidFill>
-          <a:ln w="6350" cmpd="dbl">
-            <a:noFill/>
-          </a:ln>
-        </p:spPr>
-        <p:style>
-          <a:lnRef idx="2">
-            <a:schemeClr val="accent1">
-              <a:shade val="50000"/>
-            </a:schemeClr>
-          </a:lnRef>
-          <a:fillRef idx="1">
-            <a:schemeClr val="accent1"/>
-          </a:fillRef>
-          <a:effectRef idx="0">
-            <a:schemeClr val="accent1"/>
-          </a:effectRef>
-          <a:fontRef idx="minor">
-            <a:schemeClr val="lt1"/>
-          </a:fontRef>
-        </p:style>
-        <p:txBody>
-          <a:bodyPr rtlCol="0" anchor="ctr"/>
-          <a:lstStyle/>
-          <a:p>
-            <a:pPr algn="ctr"/>
-            <a:endParaRPr lang="en-US"/>
-          </a:p>
-        </p:txBody>
-      </p:sp>
-      <p:sp>
-        <p:nvSpPr>
-          <p:cNvPr id="11" name="Rectangle 10"/>
-          <p:cNvSpPr/>
-          <p:nvPr/>
-        </p:nvSpPr>
-        <p:spPr>
-          <a:xfrm>
-            <a:off x="605589" y="5074920"/>
-            <a:ext cx="7946136" cy="1097280"/>
-          </a:xfrm>
-          <a:prstGeom prst="rect">
-            <a:avLst/>
-          </a:prstGeom>
-          <a:noFill/>
-          <a:ln w="6350" cmpd="dbl">
-            <a:noFill/>
-          </a:ln>
-        </p:spPr>
-        <p:style>
-          <a:lnRef idx="2">
-            <a:schemeClr val="accent1">
-              <a:shade val="50000"/>
-            </a:schemeClr>
-          </a:lnRef>
-          <a:fillRef idx="1">
-            <a:schemeClr val="accent1"/>
-          </a:fillRef>
-          <a:effectRef idx="0">
-            <a:schemeClr val="accent1"/>
-          </a:effectRef>
-          <a:fontRef idx="minor">
-            <a:schemeClr val="lt1"/>
-          </a:fontRef>
-        </p:style>
-        <p:txBody>
-          <a:bodyPr rtlCol="0" anchor="ctr"/>
-          <a:lstStyle/>
-          <a:p>
-            <a:pPr algn="ctr"/>
-            <a:endParaRPr lang="en-US"/>
-          </a:p>
-        </p:txBody>
-      </p:sp>
-      <p:sp>
-        <p:nvSpPr>
-          <p:cNvPr id="4" name="Text Placeholder 3"/>
-          <p:cNvSpPr>
-            <a:spLocks noGrp="1"/>
-          </p:cNvSpPr>
-          <p:nvPr>
-            <p:ph type="body" sz="half" idx="2"/>
-          </p:nvPr>
-        </p:nvSpPr>
-        <p:spPr>
-          <a:xfrm>
-            <a:off x="956289" y="5656556"/>
-            <a:ext cx="7244736" cy="401715"/>
-          </a:xfrm>
-        </p:spPr>
-        <p:txBody>
-          <a:bodyPr anchor="ctr">
-            <a:normAutofit/>
-          </a:bodyPr>
-          <a:lstStyle>
-            <a:lvl1pPr marL="0" indent="0" algn="ctr">
-              <a:buNone/>
-              <a:defRPr sz="1500" cap="all" spc="250" baseline="0">
-                <a:solidFill>
-                  <a:srgbClr val="FFFFFF"/>
-                </a:solidFill>
-              </a:defRPr>
-            </a:lvl1pPr>
-            <a:lvl2pPr marL="457200" indent="0">
-              <a:buNone/>
-              <a:defRPr sz="1200"/>
-            </a:lvl2pPr>
-            <a:lvl3pPr marL="914400" indent="0">
-              <a:buNone/>
-              <a:defRPr sz="1000"/>
-            </a:lvl3pPr>
-            <a:lvl4pPr marL="1371600" indent="0">
-              <a:buNone/>
-              <a:defRPr sz="900"/>
-            </a:lvl4pPr>
-            <a:lvl5pPr marL="1828800" indent="0">
-              <a:buNone/>
-              <a:defRPr sz="900"/>
-            </a:lvl5pPr>
-            <a:lvl6pPr marL="2286000" indent="0">
-              <a:buNone/>
-              <a:defRPr sz="900"/>
-            </a:lvl6pPr>
-            <a:lvl7pPr marL="2743200" indent="0">
-              <a:buNone/>
-              <a:defRPr sz="900"/>
-            </a:lvl7pPr>
-            <a:lvl8pPr marL="3200400" indent="0">
-              <a:buNone/>
-              <a:defRPr sz="900"/>
-            </a:lvl8pPr>
-            <a:lvl9pPr marL="3657600" indent="0">
-              <a:buNone/>
-              <a:defRPr sz="900"/>
-            </a:lvl9pPr>
-          </a:lstStyle>
-          <a:p>
-            <a:pPr lvl="0"/>
-            <a:r>
-              <a:rPr lang="en-US" smtClean="0"/>
-              <a:t>Click to edit Master text styles</a:t>
-            </a:r>
-          </a:p>
-        </p:txBody>
-      </p:sp>
-      <p:sp>
-        <p:nvSpPr>
-          <p:cNvPr id="2" name="Title 1"/>
-          <p:cNvSpPr>
-            <a:spLocks noGrp="1"/>
-          </p:cNvSpPr>
-          <p:nvPr>
-            <p:ph type="title"/>
-          </p:nvPr>
-        </p:nvSpPr>
-        <p:spPr>
-          <a:xfrm>
-            <a:off x="914400" y="5105400"/>
-            <a:ext cx="7328514" cy="523043"/>
-          </a:xfrm>
-        </p:spPr>
-        <p:txBody>
-          <a:bodyPr anchor="ctr" anchorCtr="0"/>
-          <a:lstStyle>
-            <a:lvl1pPr algn="ctr">
-              <a:defRPr sz="2000" b="0">
-                <a:solidFill>
-                  <a:schemeClr val="accent1">
-                    <a:lumMod val="75000"/>
-                  </a:schemeClr>
-                </a:solidFill>
-              </a:defRPr>
-            </a:lvl1pPr>
-          </a:lstStyle>
-          <a:p>
-            <a:r>
-              <a:rPr lang="en-US" smtClean="0"/>
-              <a:t>Click to edit Master title style</a:t>
-            </a:r>
-            <a:endParaRPr lang="en-US" dirty="0"/>
-          </a:p>
-        </p:txBody>
-      </p:sp>
     </p:spTree>
+    <p:extLst>
+      <p:ext uri="{BB962C8B-B14F-4D97-AF65-F5344CB8AC3E}">
+        <p14:creationId xmlns:p14="http://schemas.microsoft.com/office/powerpoint/2010/main" val="2007616836"/>
+      </p:ext>
+    </p:extLst>
   </p:cSld>
   <p:clrMapOvr>
     <a:masterClrMapping/>
@@ -3968,7 +4999,7 @@
   <p:cSld>
     <p:bg>
       <p:bgRef idx="1003">
-        <a:schemeClr val="bg1"/>
+        <a:schemeClr val="bg2"/>
       </p:bgRef>
     </p:bg>
     <p:spTree>
@@ -3987,152 +5018,32 @@
       </p:grpSpPr>
       <p:sp>
         <p:nvSpPr>
-          <p:cNvPr id="8" name="Rectangle 7"/>
-          <p:cNvSpPr/>
-          <p:nvPr/>
+          <p:cNvPr id="2" name="Title Placeholder 1"/>
+          <p:cNvSpPr>
+            <a:spLocks noGrp="1"/>
+          </p:cNvSpPr>
+          <p:nvPr>
+            <p:ph type="title"/>
+          </p:nvPr>
         </p:nvSpPr>
         <p:spPr>
           <a:xfrm>
-            <a:off x="0" y="0"/>
-            <a:ext cx="9144000" cy="6858000"/>
-          </a:xfrm>
-          <a:prstGeom prst="rect">
-            <a:avLst/>
-          </a:prstGeom>
-          <a:solidFill>
-            <a:srgbClr val="FFFFFF"/>
-          </a:solidFill>
-          <a:ln>
-            <a:noFill/>
-          </a:ln>
-        </p:spPr>
-        <p:style>
-          <a:lnRef idx="2">
-            <a:schemeClr val="accent1">
-              <a:shade val="50000"/>
-            </a:schemeClr>
-          </a:lnRef>
-          <a:fillRef idx="1">
-            <a:schemeClr val="accent1"/>
-          </a:fillRef>
-          <a:effectRef idx="0">
-            <a:schemeClr val="accent1"/>
-          </a:effectRef>
-          <a:fontRef idx="minor">
-            <a:schemeClr val="lt1"/>
-          </a:fontRef>
-        </p:style>
-        <p:txBody>
-          <a:bodyPr rtlCol="0" anchor="ctr"/>
-          <a:lstStyle/>
-          <a:p>
-            <a:pPr algn="ctr"/>
-            <a:endParaRPr lang="en-US"/>
-          </a:p>
-        </p:txBody>
-      </p:sp>
-      <p:sp useBgFill="1">
-        <p:nvSpPr>
-          <p:cNvPr id="7" name="Rounded Rectangle 6"/>
-          <p:cNvSpPr/>
-          <p:nvPr/>
-        </p:nvSpPr>
-        <p:spPr>
-          <a:xfrm>
-            <a:off x="91440" y="101600"/>
-            <a:ext cx="8961120" cy="6664960"/>
-          </a:xfrm>
-          <a:prstGeom prst="roundRect">
-            <a:avLst>
-              <a:gd name="adj" fmla="val 1735"/>
-            </a:avLst>
-          </a:prstGeom>
-          <a:ln w="12700" cmpd="sng">
-            <a:noFill/>
-          </a:ln>
-        </p:spPr>
-        <p:style>
-          <a:lnRef idx="2">
-            <a:schemeClr val="accent1">
-              <a:shade val="50000"/>
-            </a:schemeClr>
-          </a:lnRef>
-          <a:fillRef idx="1">
-            <a:schemeClr val="accent1"/>
-          </a:fillRef>
-          <a:effectRef idx="0">
-            <a:schemeClr val="accent1"/>
-          </a:effectRef>
-          <a:fontRef idx="minor">
-            <a:schemeClr val="lt1"/>
-          </a:fontRef>
-        </p:style>
-        <p:txBody>
-          <a:bodyPr rtlCol="0" anchor="ctr"/>
-          <a:lstStyle/>
-          <a:p>
-            <a:pPr algn="ctr"/>
-            <a:endParaRPr lang="en-US"/>
-          </a:p>
-        </p:txBody>
-      </p:sp>
-      <p:sp>
-        <p:nvSpPr>
-          <p:cNvPr id="3" name="Text Placeholder 2"/>
-          <p:cNvSpPr>
-            <a:spLocks noGrp="1"/>
-          </p:cNvSpPr>
-          <p:nvPr>
-            <p:ph type="body" idx="1"/>
-          </p:nvPr>
-        </p:nvSpPr>
-        <p:spPr>
-          <a:xfrm>
-            <a:off x="457200" y="1752600"/>
-            <a:ext cx="8229600" cy="4373563"/>
+            <a:off x="818347" y="596018"/>
+            <a:ext cx="7511473" cy="1312480"/>
           </a:xfrm>
           <a:prstGeom prst="rect">
             <a:avLst/>
           </a:prstGeom>
         </p:spPr>
         <p:txBody>
-          <a:bodyPr vert="horz" lIns="91440" tIns="45720" rIns="91440" bIns="45720" rtlCol="0">
+          <a:bodyPr vert="horz" lIns="91440" tIns="45720" rIns="91440" bIns="45720" rtlCol="0" anchor="ctr">
             <a:normAutofit/>
           </a:bodyPr>
           <a:lstStyle/>
           <a:p>
-            <a:pPr lvl="0"/>
             <a:r>
               <a:rPr lang="en-US" smtClean="0"/>
-              <a:t>Click to edit Master text styles</a:t>
-            </a:r>
-          </a:p>
-          <a:p>
-            <a:pPr lvl="1"/>
-            <a:r>
-              <a:rPr lang="en-US" smtClean="0"/>
-              <a:t>Second level</a:t>
-            </a:r>
-          </a:p>
-          <a:p>
-            <a:pPr lvl="2"/>
-            <a:r>
-              <a:rPr lang="en-US" smtClean="0"/>
-              <a:t>Third level</a:t>
-            </a:r>
-          </a:p>
-          <a:p>
-            <a:pPr lvl="3"/>
-            <a:r>
-              <a:rPr lang="en-US" smtClean="0"/>
-              <a:t>Fourth level</a:t>
-            </a:r>
-          </a:p>
-          <a:p>
-            <a:pPr lvl="4"/>
-            <a:r>
-              <a:rPr lang="en-US" smtClean="0"/>
-              <a:t>Fifth level</a:t>
+              <a:t>Click to edit Master title style</a:t>
             </a:r>
             <a:endParaRPr lang="en-US" dirty="0"/>
           </a:p>
@@ -4140,57 +5051,80 @@
       </p:sp>
       <p:sp>
         <p:nvSpPr>
-          <p:cNvPr id="4" name="Date Placeholder 3"/>
+          <p:cNvPr id="3" name="Text Placeholder 2"/>
           <p:cNvSpPr>
             <a:spLocks noGrp="1"/>
           </p:cNvSpPr>
           <p:nvPr>
-            <p:ph type="dt" sz="half" idx="2"/>
+            <p:ph type="body" idx="1"/>
           </p:nvPr>
         </p:nvSpPr>
         <p:spPr>
           <a:xfrm>
-            <a:off x="457200" y="6356350"/>
-            <a:ext cx="2133600" cy="365125"/>
+            <a:off x="818348" y="2060898"/>
+            <a:ext cx="7511472" cy="4041162"/>
           </a:xfrm>
           <a:prstGeom prst="rect">
             <a:avLst/>
           </a:prstGeom>
         </p:spPr>
         <p:txBody>
-          <a:bodyPr vert="horz" lIns="91440" tIns="45720" rIns="91440" bIns="45720" rtlCol="0" anchor="ctr"/>
-          <a:lstStyle>
-            <a:lvl1pPr algn="l">
-              <a:defRPr sz="1200">
-                <a:solidFill>
-                  <a:schemeClr val="tx2"/>
-                </a:solidFill>
-              </a:defRPr>
-            </a:lvl1pPr>
-          </a:lstStyle>
-          <a:p>
-            <a:fld id="{DDE870DA-2A0E-4DB8-A25D-C09E29500FC2}" type="datetimeFigureOut">
-              <a:rPr lang="bg-BG" smtClean="0"/>
-              <a:t>12.10.2016 г.</a:t>
-            </a:fld>
-            <a:endParaRPr lang="bg-BG"/>
-          </a:p>
-        </p:txBody>
-      </p:sp>
-      <p:sp>
-        <p:nvSpPr>
-          <p:cNvPr id="5" name="Footer Placeholder 4"/>
+          <a:bodyPr vert="horz" lIns="91440" tIns="45720" rIns="91440" bIns="45720" rtlCol="0" anchor="ctr">
+            <a:normAutofit/>
+          </a:bodyPr>
+          <a:lstStyle/>
+          <a:p>
+            <a:pPr lvl="0"/>
+            <a:r>
+              <a:rPr lang="en-US" smtClean="0"/>
+              <a:t>Edit Master text styles</a:t>
+            </a:r>
+          </a:p>
+          <a:p>
+            <a:pPr lvl="1"/>
+            <a:r>
+              <a:rPr lang="en-US" smtClean="0"/>
+              <a:t>Second level</a:t>
+            </a:r>
+          </a:p>
+          <a:p>
+            <a:pPr lvl="2"/>
+            <a:r>
+              <a:rPr lang="en-US" smtClean="0"/>
+              <a:t>Third level</a:t>
+            </a:r>
+          </a:p>
+          <a:p>
+            <a:pPr lvl="3"/>
+            <a:r>
+              <a:rPr lang="en-US" smtClean="0"/>
+              <a:t>Fourth level</a:t>
+            </a:r>
+          </a:p>
+          <a:p>
+            <a:pPr lvl="4"/>
+            <a:r>
+              <a:rPr lang="en-US" smtClean="0"/>
+              <a:t>Fifth level</a:t>
+            </a:r>
+            <a:endParaRPr lang="en-US" dirty="0"/>
+          </a:p>
+        </p:txBody>
+      </p:sp>
+      <p:sp>
+        <p:nvSpPr>
+          <p:cNvPr id="4" name="Date Placeholder 3"/>
           <p:cNvSpPr>
             <a:spLocks noGrp="1"/>
           </p:cNvSpPr>
           <p:nvPr>
-            <p:ph type="ftr" sz="quarter" idx="3"/>
+            <p:ph type="dt" sz="half" idx="2"/>
           </p:nvPr>
         </p:nvSpPr>
         <p:spPr>
           <a:xfrm>
-            <a:off x="3124200" y="6356350"/>
-            <a:ext cx="2895600" cy="365125"/>
+            <a:off x="6551708" y="6178260"/>
+            <a:ext cx="1287464" cy="365125"/>
           </a:xfrm>
           <a:prstGeom prst="rect">
             <a:avLst/>
@@ -4199,33 +5133,47 @@
         <p:txBody>
           <a:bodyPr vert="horz" lIns="91440" tIns="45720" rIns="91440" bIns="45720" rtlCol="0" anchor="ctr"/>
           <a:lstStyle>
-            <a:lvl1pPr algn="ctr">
-              <a:defRPr sz="1200">
-                <a:solidFill>
-                  <a:schemeClr val="tx2"/>
-                </a:solidFill>
+            <a:lvl1pPr algn="r">
+              <a:defRPr sz="800" b="1" i="0">
+                <a:solidFill>
+                  <a:schemeClr val="tx1">
+                    <a:lumMod val="75000"/>
+                  </a:schemeClr>
+                </a:solidFill>
+                <a:effectLst>
+                  <a:outerShdw blurRad="50800" dist="38100" dir="2700000" algn="tl" rotWithShape="0">
+                    <a:srgbClr val="000000">
+                      <a:alpha val="43000"/>
+                    </a:srgbClr>
+                  </a:outerShdw>
+                </a:effectLst>
+                <a:latin typeface="+mn-lt"/>
               </a:defRPr>
             </a:lvl1pPr>
           </a:lstStyle>
           <a:p>
+            <a:fld id="{DDE870DA-2A0E-4DB8-A25D-C09E29500FC2}" type="datetimeFigureOut">
+              <a:rPr lang="bg-BG" smtClean="0"/>
+              <a:t>13.10.2016 г.</a:t>
+            </a:fld>
             <a:endParaRPr lang="bg-BG"/>
           </a:p>
         </p:txBody>
       </p:sp>
       <p:sp>
         <p:nvSpPr>
-          <p:cNvPr id="6" name="Slide Number Placeholder 5"/>
+          <p:cNvPr id="5" name="Footer Placeholder 4"/>
           <p:cNvSpPr>
             <a:spLocks noGrp="1"/>
           </p:cNvSpPr>
           <p:nvPr>
-            <p:ph type="sldNum" sz="quarter" idx="4"/>
+            <p:ph type="ftr" sz="quarter" idx="3"/>
           </p:nvPr>
         </p:nvSpPr>
         <p:spPr>
           <a:xfrm>
-            <a:off x="6553200" y="6356350"/>
-            <a:ext cx="2133600" cy="365125"/>
+            <a:off x="818347" y="6178260"/>
+            <a:ext cx="5624137" cy="365125"/>
           </a:xfrm>
           <a:prstGeom prst="rect">
             <a:avLst/>
@@ -4234,11 +5182,66 @@
         <p:txBody>
           <a:bodyPr vert="horz" lIns="91440" tIns="45720" rIns="91440" bIns="45720" rtlCol="0" anchor="ctr"/>
           <a:lstStyle>
+            <a:lvl1pPr algn="l">
+              <a:defRPr sz="800" b="1" i="0">
+                <a:solidFill>
+                  <a:schemeClr val="tx1">
+                    <a:lumMod val="75000"/>
+                  </a:schemeClr>
+                </a:solidFill>
+                <a:effectLst>
+                  <a:outerShdw blurRad="50800" dist="38100" dir="2700000" algn="tl" rotWithShape="0">
+                    <a:srgbClr val="000000">
+                      <a:alpha val="43000"/>
+                    </a:srgbClr>
+                  </a:outerShdw>
+                </a:effectLst>
+                <a:latin typeface="+mn-lt"/>
+              </a:defRPr>
+            </a:lvl1pPr>
+          </a:lstStyle>
+          <a:p>
+            <a:endParaRPr lang="bg-BG"/>
+          </a:p>
+        </p:txBody>
+      </p:sp>
+      <p:sp>
+        <p:nvSpPr>
+          <p:cNvPr id="6" name="Slide Number Placeholder 5"/>
+          <p:cNvSpPr>
+            <a:spLocks noGrp="1"/>
+          </p:cNvSpPr>
+          <p:nvPr>
+            <p:ph type="sldNum" sz="quarter" idx="4"/>
+          </p:nvPr>
+        </p:nvSpPr>
+        <p:spPr>
+          <a:xfrm>
+            <a:off x="7917202" y="6178260"/>
+            <a:ext cx="413483" cy="365125"/>
+          </a:xfrm>
+          <a:prstGeom prst="rect">
+            <a:avLst/>
+          </a:prstGeom>
+        </p:spPr>
+        <p:txBody>
+          <a:bodyPr vert="horz" lIns="91440" tIns="45720" rIns="91440" bIns="45720" rtlCol="0" anchor="ctr"/>
+          <a:lstStyle>
             <a:lvl1pPr algn="r">
-              <a:defRPr sz="1200">
-                <a:solidFill>
-                  <a:schemeClr val="tx2"/>
-                </a:solidFill>
+              <a:defRPr sz="800" b="1" i="0">
+                <a:solidFill>
+                  <a:schemeClr val="tx1">
+                    <a:lumMod val="75000"/>
+                  </a:schemeClr>
+                </a:solidFill>
+                <a:effectLst>
+                  <a:outerShdw blurRad="50800" dist="38100" dir="2700000" algn="tl" rotWithShape="0">
+                    <a:srgbClr val="000000">
+                      <a:alpha val="43000"/>
+                    </a:srgbClr>
+                  </a:outerShdw>
+                </a:effectLst>
+                <a:latin typeface="+mn-lt"/>
               </a:defRPr>
             </a:lvl1pPr>
           </a:lstStyle>
@@ -4251,336 +5254,553 @@
           </a:p>
         </p:txBody>
       </p:sp>
-      <p:sp>
-        <p:nvSpPr>
-          <p:cNvPr id="9" name="Rectangle 8"/>
-          <p:cNvSpPr/>
-          <p:nvPr/>
-        </p:nvSpPr>
-        <p:spPr>
-          <a:xfrm>
-            <a:off x="274320" y="278166"/>
-            <a:ext cx="8595360" cy="1325880"/>
-          </a:xfrm>
-          <a:prstGeom prst="rect">
-            <a:avLst/>
-          </a:prstGeom>
-          <a:solidFill>
-            <a:srgbClr val="FFFFFF">
-              <a:alpha val="83000"/>
-            </a:srgbClr>
-          </a:solidFill>
-          <a:ln>
-            <a:noFill/>
-          </a:ln>
-          <a:effectLst>
-            <a:softEdge rad="12700"/>
-          </a:effectLst>
-        </p:spPr>
-        <p:style>
-          <a:lnRef idx="2">
-            <a:schemeClr val="accent1">
-              <a:shade val="50000"/>
-            </a:schemeClr>
-          </a:lnRef>
-          <a:fillRef idx="1">
-            <a:schemeClr val="accent1"/>
-          </a:fillRef>
-          <a:effectRef idx="0">
-            <a:schemeClr val="accent1"/>
-          </a:effectRef>
-          <a:fontRef idx="minor">
-            <a:schemeClr val="lt1"/>
-          </a:fontRef>
-        </p:style>
-        <p:txBody>
-          <a:bodyPr rtlCol="0" anchor="ctr"/>
-          <a:lstStyle/>
-          <a:p>
-            <a:pPr marL="0" algn="ctr" defTabSz="914400" rtl="0" eaLnBrk="1" latinLnBrk="0" hangingPunct="1"/>
-            <a:endParaRPr lang="en-US" sz="1800" kern="1200">
-              <a:solidFill>
-                <a:schemeClr val="lt1"/>
-              </a:solidFill>
-              <a:latin typeface="+mn-lt"/>
-              <a:ea typeface="+mn-ea"/>
-              <a:cs typeface="+mn-cs"/>
-            </a:endParaRPr>
-          </a:p>
-        </p:txBody>
-      </p:sp>
-      <p:sp>
-        <p:nvSpPr>
-          <p:cNvPr id="10" name="Rectangle 9"/>
-          <p:cNvSpPr/>
-          <p:nvPr/>
-        </p:nvSpPr>
-        <p:spPr>
-          <a:xfrm>
-            <a:off x="372863" y="372862"/>
-            <a:ext cx="8380520" cy="1118587"/>
-          </a:xfrm>
-          <a:prstGeom prst="rect">
-            <a:avLst/>
-          </a:prstGeom>
-          <a:solidFill>
-            <a:srgbClr val="FFFFFF"/>
-          </a:solidFill>
-          <a:ln w="6350">
-            <a:noFill/>
-          </a:ln>
-        </p:spPr>
-        <p:style>
-          <a:lnRef idx="2">
-            <a:schemeClr val="accent1">
-              <a:shade val="50000"/>
-            </a:schemeClr>
-          </a:lnRef>
-          <a:fillRef idx="1">
-            <a:schemeClr val="accent1"/>
-          </a:fillRef>
-          <a:effectRef idx="0">
-            <a:schemeClr val="accent1"/>
-          </a:effectRef>
-          <a:fontRef idx="minor">
-            <a:schemeClr val="lt1"/>
-          </a:fontRef>
-        </p:style>
-        <p:txBody>
-          <a:bodyPr rtlCol="0" anchor="ctr"/>
-          <a:lstStyle/>
-          <a:p>
-            <a:pPr algn="ctr"/>
-            <a:endParaRPr lang="en-US"/>
-          </a:p>
-        </p:txBody>
-      </p:sp>
-      <p:sp>
-        <p:nvSpPr>
-          <p:cNvPr id="2" name="Title Placeholder 1"/>
-          <p:cNvSpPr>
-            <a:spLocks noGrp="1"/>
-          </p:cNvSpPr>
-          <p:nvPr>
-            <p:ph type="title"/>
-          </p:nvPr>
-        </p:nvSpPr>
-        <p:spPr>
-          <a:xfrm>
-            <a:off x="426128" y="408372"/>
-            <a:ext cx="8260672" cy="1039427"/>
-          </a:xfrm>
-          <a:prstGeom prst="rect">
-            <a:avLst/>
-          </a:prstGeom>
-        </p:spPr>
-        <p:txBody>
-          <a:bodyPr vert="horz" lIns="91440" tIns="45720" rIns="91440" bIns="45720" rtlCol="0" anchor="ctr">
-            <a:normAutofit/>
-          </a:bodyPr>
-          <a:lstStyle/>
-          <a:p>
-            <a:r>
-              <a:rPr lang="en-US" smtClean="0"/>
-              <a:t>Click to edit Master title style</a:t>
-            </a:r>
-            <a:endParaRPr lang="en-US" dirty="0"/>
-          </a:p>
-        </p:txBody>
-      </p:sp>
     </p:spTree>
+    <p:extLst>
+      <p:ext uri="{BB962C8B-B14F-4D97-AF65-F5344CB8AC3E}">
+        <p14:creationId xmlns:p14="http://schemas.microsoft.com/office/powerpoint/2010/main" val="1894942041"/>
+      </p:ext>
+    </p:extLst>
   </p:cSld>
-  <p:clrMap bg1="lt1" tx1="dk1" bg2="lt2" tx2="dk2" accent1="accent1" accent2="accent2" accent3="accent3" accent4="accent4" accent5="accent5" accent6="accent6" hlink="hlink" folHlink="folHlink"/>
+  <p:clrMap bg1="dk1" tx1="lt1" bg2="dk2" tx2="lt2" accent1="accent1" accent2="accent2" accent3="accent3" accent4="accent4" accent5="accent5" accent6="accent6" hlink="hlink" folHlink="folHlink"/>
   <p:sldLayoutIdLst>
-    <p:sldLayoutId id="2147483697" r:id="rId1"/>
-    <p:sldLayoutId id="2147483698" r:id="rId2"/>
-    <p:sldLayoutId id="2147483699" r:id="rId3"/>
-    <p:sldLayoutId id="2147483700" r:id="rId4"/>
-    <p:sldLayoutId id="2147483701" r:id="rId5"/>
-    <p:sldLayoutId id="2147483702" r:id="rId6"/>
-    <p:sldLayoutId id="2147483703" r:id="rId7"/>
-    <p:sldLayoutId id="2147483704" r:id="rId8"/>
-    <p:sldLayoutId id="2147483705" r:id="rId9"/>
-    <p:sldLayoutId id="2147483706" r:id="rId10"/>
-    <p:sldLayoutId id="2147483707" r:id="rId11"/>
+    <p:sldLayoutId id="2147483745" r:id="rId1"/>
+    <p:sldLayoutId id="2147483746" r:id="rId2"/>
+    <p:sldLayoutId id="2147483747" r:id="rId3"/>
+    <p:sldLayoutId id="2147483748" r:id="rId4"/>
+    <p:sldLayoutId id="2147483749" r:id="rId5"/>
+    <p:sldLayoutId id="2147483750" r:id="rId6"/>
+    <p:sldLayoutId id="2147483751" r:id="rId7"/>
+    <p:sldLayoutId id="2147483752" r:id="rId8"/>
+    <p:sldLayoutId id="2147483753" r:id="rId9"/>
+    <p:sldLayoutId id="2147483754" r:id="rId10"/>
+    <p:sldLayoutId id="2147483755" r:id="rId11"/>
+    <p:sldLayoutId id="2147483756" r:id="rId12"/>
+    <p:sldLayoutId id="2147483757" r:id="rId13"/>
+    <p:sldLayoutId id="2147483758" r:id="rId14"/>
+    <p:sldLayoutId id="2147483759" r:id="rId15"/>
+    <p:sldLayoutId id="2147483760" r:id="rId16"/>
+    <p:sldLayoutId id="2147483761" r:id="rId17"/>
   </p:sldLayoutIdLst>
   <p:txStyles>
     <p:titleStyle>
-      <a:lvl1pPr algn="ctr" defTabSz="914400" rtl="0" eaLnBrk="1" latinLnBrk="0" hangingPunct="1">
+      <a:lvl1pPr algn="l" defTabSz="457200" rtl="0" eaLnBrk="1" latinLnBrk="0" hangingPunct="1">
         <a:spcBef>
           <a:spcPct val="0"/>
         </a:spcBef>
         <a:buNone/>
-        <a:defRPr sz="3500" kern="1200" cap="all" baseline="0">
-          <a:solidFill>
-            <a:schemeClr val="accent1">
-              <a:lumMod val="75000"/>
-            </a:schemeClr>
-          </a:solidFill>
+        <a:defRPr sz="2800" kern="1200" cap="all">
+          <a:ln w="3175" cmpd="sng">
+            <a:noFill/>
+          </a:ln>
+          <a:gradFill flip="none" rotWithShape="1">
+            <a:gsLst>
+              <a:gs pos="0">
+                <a:schemeClr val="tx1"/>
+              </a:gs>
+              <a:gs pos="100000">
+                <a:schemeClr val="tx1">
+                  <a:lumMod val="75000"/>
+                </a:schemeClr>
+              </a:gs>
+            </a:gsLst>
+            <a:lin ang="5400000" scaled="0"/>
+            <a:tileRect/>
+          </a:gradFill>
+          <a:effectLst>
+            <a:glow rad="38100">
+              <a:schemeClr val="bg1">
+                <a:lumMod val="65000"/>
+                <a:lumOff val="35000"/>
+                <a:alpha val="40000"/>
+              </a:schemeClr>
+            </a:glow>
+            <a:outerShdw blurRad="28575" dist="38100" dir="14040000" algn="tl" rotWithShape="0">
+              <a:srgbClr val="000000">
+                <a:alpha val="25000"/>
+              </a:srgbClr>
+            </a:outerShdw>
+          </a:effectLst>
           <a:latin typeface="+mj-lt"/>
           <a:ea typeface="+mj-ea"/>
           <a:cs typeface="+mj-cs"/>
         </a:defRPr>
       </a:lvl1pPr>
+      <a:lvl2pPr eaLnBrk="1" hangingPunct="1">
+        <a:defRPr>
+          <a:solidFill>
+            <a:schemeClr val="tx2"/>
+          </a:solidFill>
+        </a:defRPr>
+      </a:lvl2pPr>
+      <a:lvl3pPr eaLnBrk="1" hangingPunct="1">
+        <a:defRPr>
+          <a:solidFill>
+            <a:schemeClr val="tx2"/>
+          </a:solidFill>
+        </a:defRPr>
+      </a:lvl3pPr>
+      <a:lvl4pPr eaLnBrk="1" hangingPunct="1">
+        <a:defRPr>
+          <a:solidFill>
+            <a:schemeClr val="tx2"/>
+          </a:solidFill>
+        </a:defRPr>
+      </a:lvl4pPr>
+      <a:lvl5pPr eaLnBrk="1" hangingPunct="1">
+        <a:defRPr>
+          <a:solidFill>
+            <a:schemeClr val="tx2"/>
+          </a:solidFill>
+        </a:defRPr>
+      </a:lvl5pPr>
+      <a:lvl6pPr eaLnBrk="1" hangingPunct="1">
+        <a:defRPr>
+          <a:solidFill>
+            <a:schemeClr val="tx2"/>
+          </a:solidFill>
+        </a:defRPr>
+      </a:lvl6pPr>
+      <a:lvl7pPr eaLnBrk="1" hangingPunct="1">
+        <a:defRPr>
+          <a:solidFill>
+            <a:schemeClr val="tx2"/>
+          </a:solidFill>
+        </a:defRPr>
+      </a:lvl7pPr>
+      <a:lvl8pPr eaLnBrk="1" hangingPunct="1">
+        <a:defRPr>
+          <a:solidFill>
+            <a:schemeClr val="tx2"/>
+          </a:solidFill>
+        </a:defRPr>
+      </a:lvl8pPr>
+      <a:lvl9pPr eaLnBrk="1" hangingPunct="1">
+        <a:defRPr>
+          <a:solidFill>
+            <a:schemeClr val="tx2"/>
+          </a:solidFill>
+        </a:defRPr>
+      </a:lvl9pPr>
     </p:titleStyle>
     <p:bodyStyle>
-      <a:lvl1pPr marL="342900" indent="-228600" algn="l" defTabSz="914400" rtl="0" eaLnBrk="1" latinLnBrk="0" hangingPunct="1">
+      <a:lvl1pPr marL="285750" indent="-285750" algn="l" defTabSz="457200" rtl="0" eaLnBrk="1" latinLnBrk="0" hangingPunct="1">
         <a:spcBef>
           <a:spcPct val="20000"/>
         </a:spcBef>
+        <a:spcAft>
+          <a:spcPts val="600"/>
+        </a:spcAft>
         <a:buClr>
-          <a:schemeClr val="accent1"/>
+          <a:schemeClr val="tx1"/>
         </a:buClr>
-        <a:buFont typeface="Arial" pitchFamily="34" charset="0"/>
+        <a:buSzPct val="130000"/>
+        <a:buFont typeface="Arial"/>
         <a:buChar char="•"/>
-        <a:defRPr sz="2400" kern="1200">
-          <a:solidFill>
-            <a:schemeClr val="tx2"/>
-          </a:solidFill>
+        <a:defRPr sz="1800" kern="1200" cap="small">
+          <a:gradFill flip="none" rotWithShape="1">
+            <a:gsLst>
+              <a:gs pos="0">
+                <a:schemeClr val="tx1"/>
+              </a:gs>
+              <a:gs pos="100000">
+                <a:schemeClr val="tx1">
+                  <a:lumMod val="75000"/>
+                </a:schemeClr>
+              </a:gs>
+            </a:gsLst>
+            <a:lin ang="5400000" scaled="0"/>
+            <a:tileRect/>
+          </a:gradFill>
+          <a:effectLst>
+            <a:glow rad="38100">
+              <a:schemeClr val="bg1">
+                <a:lumMod val="50000"/>
+                <a:lumOff val="50000"/>
+                <a:alpha val="20000"/>
+              </a:schemeClr>
+            </a:glow>
+            <a:outerShdw blurRad="44450" dist="12700" dir="13860000" algn="tl" rotWithShape="0">
+              <a:srgbClr val="000000">
+                <a:alpha val="20000"/>
+              </a:srgbClr>
+            </a:outerShdw>
+          </a:effectLst>
           <a:latin typeface="+mn-lt"/>
           <a:ea typeface="+mn-ea"/>
           <a:cs typeface="+mn-cs"/>
         </a:defRPr>
       </a:lvl1pPr>
-      <a:lvl2pPr marL="640080" indent="-228600" algn="l" defTabSz="914400" rtl="0" eaLnBrk="1" latinLnBrk="0" hangingPunct="1">
+      <a:lvl2pPr marL="742950" indent="-285750" algn="l" defTabSz="457200" rtl="0" eaLnBrk="1" latinLnBrk="0" hangingPunct="1">
         <a:spcBef>
           <a:spcPct val="20000"/>
         </a:spcBef>
+        <a:spcAft>
+          <a:spcPts val="600"/>
+        </a:spcAft>
         <a:buClr>
-          <a:schemeClr val="accent2"/>
+          <a:schemeClr val="tx1"/>
         </a:buClr>
-        <a:buFont typeface="Arial" pitchFamily="34" charset="0"/>
+        <a:buSzPct val="130000"/>
+        <a:buFont typeface="Arial"/>
         <a:buChar char="•"/>
-        <a:defRPr sz="2000" kern="1200">
-          <a:solidFill>
-            <a:schemeClr val="tx2"/>
-          </a:solidFill>
+        <a:defRPr sz="1600" kern="1200" cap="small">
+          <a:gradFill flip="none" rotWithShape="1">
+            <a:gsLst>
+              <a:gs pos="0">
+                <a:schemeClr val="tx1"/>
+              </a:gs>
+              <a:gs pos="100000">
+                <a:schemeClr val="tx1">
+                  <a:lumMod val="75000"/>
+                </a:schemeClr>
+              </a:gs>
+            </a:gsLst>
+            <a:lin ang="5400000" scaled="0"/>
+            <a:tileRect/>
+          </a:gradFill>
+          <a:effectLst>
+            <a:glow rad="38100">
+              <a:schemeClr val="bg1">
+                <a:lumMod val="50000"/>
+                <a:lumOff val="50000"/>
+                <a:alpha val="20000"/>
+              </a:schemeClr>
+            </a:glow>
+            <a:outerShdw blurRad="44450" dist="12700" dir="13860000" algn="tl" rotWithShape="0">
+              <a:srgbClr val="000000">
+                <a:alpha val="20000"/>
+              </a:srgbClr>
+            </a:outerShdw>
+          </a:effectLst>
           <a:latin typeface="+mn-lt"/>
           <a:ea typeface="+mn-ea"/>
           <a:cs typeface="+mn-cs"/>
         </a:defRPr>
       </a:lvl2pPr>
-      <a:lvl3pPr marL="914400" indent="-228600" algn="l" defTabSz="914400" rtl="0" eaLnBrk="1" latinLnBrk="0" hangingPunct="1">
+      <a:lvl3pPr marL="1200150" indent="-285750" algn="l" defTabSz="457200" rtl="0" eaLnBrk="1" latinLnBrk="0" hangingPunct="1">
         <a:spcBef>
           <a:spcPct val="20000"/>
         </a:spcBef>
+        <a:spcAft>
+          <a:spcPts val="600"/>
+        </a:spcAft>
         <a:buClr>
-          <a:schemeClr val="accent3"/>
+          <a:schemeClr val="tx1"/>
         </a:buClr>
-        <a:buFont typeface="Arial" pitchFamily="34" charset="0"/>
+        <a:buSzPct val="130000"/>
+        <a:buFont typeface="Arial"/>
         <a:buChar char="•"/>
-        <a:defRPr sz="1800" kern="1200">
-          <a:solidFill>
-            <a:schemeClr val="tx2"/>
-          </a:solidFill>
+        <a:defRPr sz="1400" kern="1200" cap="small">
+          <a:gradFill flip="none" rotWithShape="1">
+            <a:gsLst>
+              <a:gs pos="0">
+                <a:schemeClr val="tx1"/>
+              </a:gs>
+              <a:gs pos="100000">
+                <a:schemeClr val="tx1">
+                  <a:lumMod val="75000"/>
+                </a:schemeClr>
+              </a:gs>
+            </a:gsLst>
+            <a:lin ang="5400000" scaled="0"/>
+            <a:tileRect/>
+          </a:gradFill>
+          <a:effectLst>
+            <a:glow rad="38100">
+              <a:schemeClr val="bg1">
+                <a:lumMod val="50000"/>
+                <a:lumOff val="50000"/>
+                <a:alpha val="20000"/>
+              </a:schemeClr>
+            </a:glow>
+            <a:outerShdw blurRad="44450" dist="12700" dir="13860000" algn="tl" rotWithShape="0">
+              <a:srgbClr val="000000">
+                <a:alpha val="20000"/>
+              </a:srgbClr>
+            </a:outerShdw>
+          </a:effectLst>
           <a:latin typeface="+mn-lt"/>
           <a:ea typeface="+mn-ea"/>
           <a:cs typeface="+mn-cs"/>
         </a:defRPr>
       </a:lvl3pPr>
-      <a:lvl4pPr marL="1280160" indent="-228600" algn="l" defTabSz="914400" rtl="0" eaLnBrk="1" latinLnBrk="0" hangingPunct="1">
+      <a:lvl4pPr marL="1543050" indent="-171450" algn="l" defTabSz="457200" rtl="0" eaLnBrk="1" latinLnBrk="0" hangingPunct="1">
         <a:spcBef>
           <a:spcPct val="20000"/>
         </a:spcBef>
+        <a:spcAft>
+          <a:spcPts val="600"/>
+        </a:spcAft>
         <a:buClr>
-          <a:schemeClr val="accent4"/>
+          <a:schemeClr val="tx1"/>
         </a:buClr>
-        <a:buFont typeface="Arial" pitchFamily="34" charset="0"/>
+        <a:buSzPct val="130000"/>
+        <a:buFont typeface="Arial"/>
         <a:buChar char="•"/>
-        <a:defRPr sz="1600" kern="1200">
-          <a:solidFill>
-            <a:schemeClr val="tx2"/>
-          </a:solidFill>
+        <a:defRPr sz="1400" kern="1200" cap="small">
+          <a:gradFill flip="none" rotWithShape="1">
+            <a:gsLst>
+              <a:gs pos="0">
+                <a:schemeClr val="tx1"/>
+              </a:gs>
+              <a:gs pos="100000">
+                <a:schemeClr val="tx1">
+                  <a:lumMod val="75000"/>
+                </a:schemeClr>
+              </a:gs>
+            </a:gsLst>
+            <a:lin ang="5400000" scaled="0"/>
+            <a:tileRect/>
+          </a:gradFill>
+          <a:effectLst>
+            <a:glow rad="38100">
+              <a:schemeClr val="bg1">
+                <a:lumMod val="50000"/>
+                <a:lumOff val="50000"/>
+                <a:alpha val="20000"/>
+              </a:schemeClr>
+            </a:glow>
+            <a:outerShdw blurRad="44450" dist="12700" dir="13860000" algn="tl" rotWithShape="0">
+              <a:srgbClr val="000000">
+                <a:alpha val="20000"/>
+              </a:srgbClr>
+            </a:outerShdw>
+          </a:effectLst>
           <a:latin typeface="+mn-lt"/>
           <a:ea typeface="+mn-ea"/>
           <a:cs typeface="+mn-cs"/>
         </a:defRPr>
       </a:lvl4pPr>
-      <a:lvl5pPr marL="1554480" indent="-228600" algn="l" defTabSz="914400" rtl="0" eaLnBrk="1" latinLnBrk="0" hangingPunct="1">
+      <a:lvl5pPr marL="2000250" indent="-171450" algn="l" defTabSz="457200" rtl="0" eaLnBrk="1" latinLnBrk="0" hangingPunct="1">
         <a:spcBef>
           <a:spcPct val="20000"/>
         </a:spcBef>
+        <a:spcAft>
+          <a:spcPts val="600"/>
+        </a:spcAft>
         <a:buClr>
-          <a:schemeClr val="accent5"/>
+          <a:schemeClr val="tx1"/>
         </a:buClr>
-        <a:buFont typeface="Arial" pitchFamily="34" charset="0"/>
+        <a:buSzPct val="130000"/>
+        <a:buFont typeface="Arial"/>
         <a:buChar char="•"/>
-        <a:defRPr sz="1600" kern="1200" baseline="0">
-          <a:solidFill>
-            <a:schemeClr val="tx2"/>
-          </a:solidFill>
+        <a:defRPr sz="1200" kern="1200" cap="small">
+          <a:gradFill flip="none" rotWithShape="1">
+            <a:gsLst>
+              <a:gs pos="0">
+                <a:schemeClr val="tx1"/>
+              </a:gs>
+              <a:gs pos="100000">
+                <a:schemeClr val="tx1">
+                  <a:lumMod val="75000"/>
+                </a:schemeClr>
+              </a:gs>
+            </a:gsLst>
+            <a:lin ang="5400000" scaled="0"/>
+            <a:tileRect/>
+          </a:gradFill>
+          <a:effectLst>
+            <a:glow rad="38100">
+              <a:schemeClr val="bg1">
+                <a:lumMod val="50000"/>
+                <a:lumOff val="50000"/>
+                <a:alpha val="20000"/>
+              </a:schemeClr>
+            </a:glow>
+            <a:outerShdw blurRad="44450" dist="12700" dir="13860000" algn="tl" rotWithShape="0">
+              <a:srgbClr val="000000">
+                <a:alpha val="20000"/>
+              </a:srgbClr>
+            </a:outerShdw>
+          </a:effectLst>
           <a:latin typeface="+mn-lt"/>
           <a:ea typeface="+mn-ea"/>
           <a:cs typeface="+mn-cs"/>
         </a:defRPr>
       </a:lvl5pPr>
-      <a:lvl6pPr marL="1737360" indent="-182880" algn="l" defTabSz="914400" rtl="0" eaLnBrk="1" latinLnBrk="0" hangingPunct="1">
+      <a:lvl6pPr marL="2514600" indent="-228600" algn="l" defTabSz="457200" rtl="0" eaLnBrk="1" latinLnBrk="0" hangingPunct="1">
         <a:spcBef>
           <a:spcPct val="20000"/>
         </a:spcBef>
+        <a:spcAft>
+          <a:spcPts val="600"/>
+        </a:spcAft>
         <a:buClr>
-          <a:schemeClr val="accent1"/>
+          <a:schemeClr val="tx1"/>
         </a:buClr>
-        <a:buFont typeface="Arial" pitchFamily="34" charset="0"/>
+        <a:buSzPct val="130000"/>
+        <a:buFont typeface="Arial"/>
         <a:buChar char="•"/>
-        <a:defRPr sz="1400" kern="1200">
-          <a:solidFill>
-            <a:schemeClr val="tx2"/>
-          </a:solidFill>
+        <a:defRPr sz="1100" kern="1200" cap="small">
+          <a:gradFill flip="none" rotWithShape="1">
+            <a:gsLst>
+              <a:gs pos="0">
+                <a:schemeClr val="tx1"/>
+              </a:gs>
+              <a:gs pos="100000">
+                <a:schemeClr val="tx1">
+                  <a:lumMod val="75000"/>
+                </a:schemeClr>
+              </a:gs>
+            </a:gsLst>
+            <a:lin ang="5400000" scaled="0"/>
+            <a:tileRect/>
+          </a:gradFill>
+          <a:effectLst>
+            <a:glow rad="38100">
+              <a:schemeClr val="bg1">
+                <a:lumMod val="50000"/>
+                <a:lumOff val="50000"/>
+                <a:alpha val="20000"/>
+              </a:schemeClr>
+            </a:glow>
+            <a:outerShdw blurRad="44450" dist="12700" dir="13860000" algn="tl" rotWithShape="0">
+              <a:srgbClr val="000000">
+                <a:alpha val="20000"/>
+              </a:srgbClr>
+            </a:outerShdw>
+          </a:effectLst>
           <a:latin typeface="+mn-lt"/>
           <a:ea typeface="+mn-ea"/>
           <a:cs typeface="+mn-cs"/>
         </a:defRPr>
       </a:lvl6pPr>
-      <a:lvl7pPr marL="2011680" indent="-182880" algn="l" defTabSz="914400" rtl="0" eaLnBrk="1" latinLnBrk="0" hangingPunct="1">
+      <a:lvl7pPr marL="2971800" indent="-228600" algn="l" defTabSz="457200" rtl="0" eaLnBrk="1" latinLnBrk="0" hangingPunct="1">
         <a:spcBef>
           <a:spcPct val="20000"/>
         </a:spcBef>
+        <a:spcAft>
+          <a:spcPts val="600"/>
+        </a:spcAft>
         <a:buClr>
-          <a:schemeClr val="accent2"/>
+          <a:schemeClr val="tx1"/>
         </a:buClr>
-        <a:buFont typeface="Arial" pitchFamily="34" charset="0"/>
+        <a:buSzPct val="130000"/>
+        <a:buFont typeface="Arial"/>
         <a:buChar char="•"/>
-        <a:defRPr sz="1400" kern="1200">
-          <a:solidFill>
-            <a:schemeClr val="tx2"/>
-          </a:solidFill>
+        <a:defRPr sz="1100" kern="1200" cap="small">
+          <a:gradFill flip="none" rotWithShape="1">
+            <a:gsLst>
+              <a:gs pos="0">
+                <a:schemeClr val="tx1"/>
+              </a:gs>
+              <a:gs pos="100000">
+                <a:schemeClr val="tx1">
+                  <a:lumMod val="75000"/>
+                </a:schemeClr>
+              </a:gs>
+            </a:gsLst>
+            <a:lin ang="5400000" scaled="0"/>
+            <a:tileRect/>
+          </a:gradFill>
+          <a:effectLst>
+            <a:glow rad="38100">
+              <a:schemeClr val="bg1">
+                <a:lumMod val="50000"/>
+                <a:lumOff val="50000"/>
+                <a:alpha val="20000"/>
+              </a:schemeClr>
+            </a:glow>
+            <a:outerShdw blurRad="44450" dist="12700" dir="13860000" algn="tl" rotWithShape="0">
+              <a:srgbClr val="000000">
+                <a:alpha val="20000"/>
+              </a:srgbClr>
+            </a:outerShdw>
+          </a:effectLst>
           <a:latin typeface="+mn-lt"/>
           <a:ea typeface="+mn-ea"/>
           <a:cs typeface="+mn-cs"/>
         </a:defRPr>
       </a:lvl7pPr>
-      <a:lvl8pPr marL="2194560" indent="-182880" algn="l" defTabSz="914400" rtl="0" eaLnBrk="1" latinLnBrk="0" hangingPunct="1">
+      <a:lvl8pPr marL="3429000" indent="-228600" algn="l" defTabSz="457200" rtl="0" eaLnBrk="1" latinLnBrk="0" hangingPunct="1">
         <a:spcBef>
           <a:spcPct val="20000"/>
         </a:spcBef>
+        <a:spcAft>
+          <a:spcPts val="600"/>
+        </a:spcAft>
         <a:buClr>
-          <a:schemeClr val="accent3"/>
+          <a:schemeClr val="tx1"/>
         </a:buClr>
-        <a:buFont typeface="Arial" pitchFamily="34" charset="0"/>
+        <a:buSzPct val="130000"/>
+        <a:buFont typeface="Arial"/>
         <a:buChar char="•"/>
-        <a:defRPr sz="1400" kern="1200">
-          <a:solidFill>
-            <a:schemeClr val="tx2"/>
-          </a:solidFill>
+        <a:defRPr sz="1100" kern="1200" cap="small">
+          <a:gradFill flip="none" rotWithShape="1">
+            <a:gsLst>
+              <a:gs pos="0">
+                <a:schemeClr val="tx1"/>
+              </a:gs>
+              <a:gs pos="100000">
+                <a:schemeClr val="tx1">
+                  <a:lumMod val="75000"/>
+                </a:schemeClr>
+              </a:gs>
+            </a:gsLst>
+            <a:lin ang="5400000" scaled="0"/>
+            <a:tileRect/>
+          </a:gradFill>
+          <a:effectLst>
+            <a:glow rad="38100">
+              <a:schemeClr val="bg1">
+                <a:lumMod val="50000"/>
+                <a:lumOff val="50000"/>
+                <a:alpha val="20000"/>
+              </a:schemeClr>
+            </a:glow>
+            <a:outerShdw blurRad="44450" dist="12700" dir="13860000" algn="tl" rotWithShape="0">
+              <a:srgbClr val="000000">
+                <a:alpha val="20000"/>
+              </a:srgbClr>
+            </a:outerShdw>
+          </a:effectLst>
           <a:latin typeface="+mn-lt"/>
           <a:ea typeface="+mn-ea"/>
           <a:cs typeface="+mn-cs"/>
         </a:defRPr>
       </a:lvl8pPr>
-      <a:lvl9pPr marL="2377440" indent="-182880" algn="l" defTabSz="914400" rtl="0" eaLnBrk="1" latinLnBrk="0" hangingPunct="1">
+      <a:lvl9pPr marL="3886200" indent="-228600" algn="l" defTabSz="457200" rtl="0" eaLnBrk="1" latinLnBrk="0" hangingPunct="1">
         <a:spcBef>
           <a:spcPct val="20000"/>
         </a:spcBef>
+        <a:spcAft>
+          <a:spcPts val="600"/>
+        </a:spcAft>
         <a:buClr>
-          <a:schemeClr val="accent4"/>
+          <a:schemeClr val="tx1"/>
         </a:buClr>
-        <a:buFont typeface="Arial" pitchFamily="34" charset="0"/>
+        <a:buSzPct val="100000"/>
+        <a:buFont typeface="Arial"/>
         <a:buChar char="•"/>
-        <a:defRPr sz="1400" kern="1200">
-          <a:solidFill>
-            <a:schemeClr val="tx2"/>
-          </a:solidFill>
+        <a:defRPr sz="1100" kern="1200" cap="small">
+          <a:gradFill flip="none" rotWithShape="1">
+            <a:gsLst>
+              <a:gs pos="0">
+                <a:schemeClr val="tx1"/>
+              </a:gs>
+              <a:gs pos="100000">
+                <a:schemeClr val="tx1">
+                  <a:lumMod val="75000"/>
+                </a:schemeClr>
+              </a:gs>
+            </a:gsLst>
+            <a:lin ang="5400000" scaled="0"/>
+            <a:tileRect/>
+          </a:gradFill>
+          <a:effectLst>
+            <a:glow rad="38100">
+              <a:schemeClr val="bg1">
+                <a:lumMod val="50000"/>
+                <a:lumOff val="50000"/>
+                <a:alpha val="20000"/>
+              </a:schemeClr>
+            </a:glow>
+            <a:outerShdw blurRad="44450" dist="12700" dir="13860000" algn="tl" rotWithShape="0">
+              <a:srgbClr val="000000">
+                <a:alpha val="20000"/>
+              </a:srgbClr>
+            </a:outerShdw>
+          </a:effectLst>
           <a:latin typeface="+mn-lt"/>
           <a:ea typeface="+mn-ea"/>
           <a:cs typeface="+mn-cs"/>
@@ -4591,7 +5811,7 @@
       <a:defPPr>
         <a:defRPr lang="en-US"/>
       </a:defPPr>
-      <a:lvl1pPr marL="0" algn="l" defTabSz="914400" rtl="0" eaLnBrk="1" latinLnBrk="0" hangingPunct="1">
+      <a:lvl1pPr marL="0" algn="l" defTabSz="457200" rtl="0" eaLnBrk="1" latinLnBrk="0" hangingPunct="1">
         <a:defRPr sz="1800" kern="1200">
           <a:solidFill>
             <a:schemeClr val="tx1"/>
@@ -4601,7 +5821,7 @@
           <a:cs typeface="+mn-cs"/>
         </a:defRPr>
       </a:lvl1pPr>
-      <a:lvl2pPr marL="457200" algn="l" defTabSz="914400" rtl="0" eaLnBrk="1" latinLnBrk="0" hangingPunct="1">
+      <a:lvl2pPr marL="457200" algn="l" defTabSz="457200" rtl="0" eaLnBrk="1" latinLnBrk="0" hangingPunct="1">
         <a:defRPr sz="1800" kern="1200">
           <a:solidFill>
             <a:schemeClr val="tx1"/>
@@ -4611,7 +5831,7 @@
           <a:cs typeface="+mn-cs"/>
         </a:defRPr>
       </a:lvl2pPr>
-      <a:lvl3pPr marL="914400" algn="l" defTabSz="914400" rtl="0" eaLnBrk="1" latinLnBrk="0" hangingPunct="1">
+      <a:lvl3pPr marL="914400" algn="l" defTabSz="457200" rtl="0" eaLnBrk="1" latinLnBrk="0" hangingPunct="1">
         <a:defRPr sz="1800" kern="1200">
           <a:solidFill>
             <a:schemeClr val="tx1"/>
@@ -4621,7 +5841,7 @@
           <a:cs typeface="+mn-cs"/>
         </a:defRPr>
       </a:lvl3pPr>
-      <a:lvl4pPr marL="1371600" algn="l" defTabSz="914400" rtl="0" eaLnBrk="1" latinLnBrk="0" hangingPunct="1">
+      <a:lvl4pPr marL="1371600" algn="l" defTabSz="457200" rtl="0" eaLnBrk="1" latinLnBrk="0" hangingPunct="1">
         <a:defRPr sz="1800" kern="1200">
           <a:solidFill>
             <a:schemeClr val="tx1"/>
@@ -4631,7 +5851,7 @@
           <a:cs typeface="+mn-cs"/>
         </a:defRPr>
       </a:lvl4pPr>
-      <a:lvl5pPr marL="1828800" algn="l" defTabSz="914400" rtl="0" eaLnBrk="1" latinLnBrk="0" hangingPunct="1">
+      <a:lvl5pPr marL="1828800" algn="l" defTabSz="457200" rtl="0" eaLnBrk="1" latinLnBrk="0" hangingPunct="1">
         <a:defRPr sz="1800" kern="1200">
           <a:solidFill>
             <a:schemeClr val="tx1"/>
@@ -4641,7 +5861,7 @@
           <a:cs typeface="+mn-cs"/>
         </a:defRPr>
       </a:lvl5pPr>
-      <a:lvl6pPr marL="2286000" algn="l" defTabSz="914400" rtl="0" eaLnBrk="1" latinLnBrk="0" hangingPunct="1">
+      <a:lvl6pPr marL="2286000" algn="l" defTabSz="457200" rtl="0" eaLnBrk="1" latinLnBrk="0" hangingPunct="1">
         <a:defRPr sz="1800" kern="1200">
           <a:solidFill>
             <a:schemeClr val="tx1"/>
@@ -4651,7 +5871,7 @@
           <a:cs typeface="+mn-cs"/>
         </a:defRPr>
       </a:lvl6pPr>
-      <a:lvl7pPr marL="2743200" algn="l" defTabSz="914400" rtl="0" eaLnBrk="1" latinLnBrk="0" hangingPunct="1">
+      <a:lvl7pPr marL="2743200" algn="l" defTabSz="457200" rtl="0" eaLnBrk="1" latinLnBrk="0" hangingPunct="1">
         <a:defRPr sz="1800" kern="1200">
           <a:solidFill>
             <a:schemeClr val="tx1"/>
@@ -4661,7 +5881,7 @@
           <a:cs typeface="+mn-cs"/>
         </a:defRPr>
       </a:lvl7pPr>
-      <a:lvl8pPr marL="3200400" algn="l" defTabSz="914400" rtl="0" eaLnBrk="1" latinLnBrk="0" hangingPunct="1">
+      <a:lvl8pPr marL="3200400" algn="l" defTabSz="457200" rtl="0" eaLnBrk="1" latinLnBrk="0" hangingPunct="1">
         <a:defRPr sz="1800" kern="1200">
           <a:solidFill>
             <a:schemeClr val="tx1"/>
@@ -4671,7 +5891,7 @@
           <a:cs typeface="+mn-cs"/>
         </a:defRPr>
       </a:lvl8pPr>
-      <a:lvl9pPr marL="3657600" algn="l" defTabSz="914400" rtl="0" eaLnBrk="1" latinLnBrk="0" hangingPunct="1">
+      <a:lvl9pPr marL="3657600" algn="l" defTabSz="457200" rtl="0" eaLnBrk="1" latinLnBrk="0" hangingPunct="1">
         <a:defRPr sz="1800" kern="1200">
           <a:solidFill>
             <a:schemeClr val="tx1"/>
@@ -4705,18 +5925,18 @@
       </p:grpSpPr>
       <p:sp>
         <p:nvSpPr>
-          <p:cNvPr id="3" name="Подзаглавие 2"/>
+          <p:cNvPr id="2" name="Заглавие 1"/>
           <p:cNvSpPr>
             <a:spLocks noGrp="1"/>
           </p:cNvSpPr>
           <p:nvPr>
-            <p:ph type="subTitle" idx="1"/>
+            <p:ph type="ctrTitle"/>
           </p:nvPr>
         </p:nvSpPr>
         <p:spPr>
           <a:xfrm>
-            <a:off x="1979712" y="5229200"/>
-            <a:ext cx="6400800" cy="1219200"/>
+            <a:off x="-33923" y="2492896"/>
+            <a:ext cx="9144000" cy="1080121"/>
           </a:xfrm>
         </p:spPr>
         <p:txBody>
@@ -4725,67 +5945,70 @@
           </a:bodyPr>
           <a:lstStyle/>
           <a:p>
-            <a:pPr algn="r"/>
-            <a:r>
-              <a:rPr lang="en-US" sz="3200" dirty="0" smtClean="0">
-                <a:solidFill>
-                  <a:schemeClr val="accent5">
-                    <a:lumMod val="75000"/>
+            <a:r>
+              <a:rPr lang="en-US" sz="5400" b="1" i="1" dirty="0" smtClean="0">
+                <a:solidFill>
+                  <a:schemeClr val="tx1">
+                    <a:lumMod val="95000"/>
                   </a:schemeClr>
                 </a:solidFill>
                 <a:latin typeface="Gabriola" panose="04040605051002020D02" pitchFamily="82" charset="0"/>
               </a:rPr>
-              <a:t>By </a:t>
-            </a:r>
-            <a:r>
-              <a:rPr lang="en-US" sz="3200" dirty="0" err="1" smtClean="0">
-                <a:solidFill>
-                  <a:schemeClr val="accent5">
-                    <a:lumMod val="75000"/>
-                  </a:schemeClr>
-                </a:solidFill>
-                <a:latin typeface="Gabriola" panose="04040605051002020D02" pitchFamily="82" charset="0"/>
-              </a:rPr>
-              <a:t>Beloslava</a:t>
-            </a:r>
-            <a:r>
-              <a:rPr lang="en-US" sz="3200" dirty="0" smtClean="0">
-                <a:solidFill>
-                  <a:schemeClr val="accent5">
-                    <a:lumMod val="75000"/>
-                  </a:schemeClr>
-                </a:solidFill>
-                <a:latin typeface="Gabriola" panose="04040605051002020D02" pitchFamily="82" charset="0"/>
-              </a:rPr>
-              <a:t> </a:t>
-            </a:r>
-            <a:r>
-              <a:rPr lang="en-US" sz="3200" dirty="0" err="1" smtClean="0">
-                <a:solidFill>
-                  <a:schemeClr val="accent5">
-                    <a:lumMod val="75000"/>
-                  </a:schemeClr>
-                </a:solidFill>
-                <a:latin typeface="Gabriola" panose="04040605051002020D02" pitchFamily="82" charset="0"/>
-              </a:rPr>
-              <a:t>Nedelcheva</a:t>
-            </a:r>
-            <a:endParaRPr lang="en-US" sz="3200" dirty="0" smtClean="0">
+              <a:t>My world in frames</a:t>
+            </a:r>
+            <a:endParaRPr lang="bg-BG" sz="5400" b="1" i="1" dirty="0">
               <a:solidFill>
-                <a:schemeClr val="accent5">
-                  <a:lumMod val="75000"/>
+                <a:schemeClr val="tx1">
+                  <a:lumMod val="95000"/>
                 </a:schemeClr>
               </a:solidFill>
               <a:latin typeface="Gabriola" panose="04040605051002020D02" pitchFamily="82" charset="0"/>
             </a:endParaRPr>
           </a:p>
+        </p:txBody>
+      </p:sp>
+      <p:sp>
+        <p:nvSpPr>
+          <p:cNvPr id="3" name="Подзаглавие 2"/>
+          <p:cNvSpPr>
+            <a:spLocks noGrp="1"/>
+          </p:cNvSpPr>
+          <p:nvPr>
+            <p:ph type="subTitle" idx="1"/>
+          </p:nvPr>
+        </p:nvSpPr>
+        <p:spPr>
+          <a:xfrm>
+            <a:off x="2483768" y="5445224"/>
+            <a:ext cx="6400800" cy="1219200"/>
+          </a:xfrm>
+        </p:spPr>
+        <p:txBody>
+          <a:bodyPr>
+            <a:noAutofit/>
+          </a:bodyPr>
+          <a:lstStyle/>
           <a:p>
             <a:pPr algn="r"/>
             <a:r>
               <a:rPr lang="en-US" sz="3200" dirty="0" smtClean="0">
                 <a:solidFill>
-                  <a:schemeClr val="accent5">
-                    <a:lumMod val="75000"/>
+                  <a:schemeClr val="tx1">
+                    <a:lumMod val="95000"/>
+                  </a:schemeClr>
+                </a:solidFill>
+                <a:latin typeface="Gabriola" panose="04040605051002020D02" pitchFamily="82" charset="0"/>
+              </a:rPr>
+              <a:t>By Iliyana Vitanova</a:t>
+            </a:r>
+          </a:p>
+          <a:p>
+            <a:pPr algn="r"/>
+            <a:r>
+              <a:rPr lang="en-US" sz="3200" dirty="0" smtClean="0">
+                <a:solidFill>
+                  <a:schemeClr val="tx1">
+                    <a:lumMod val="95000"/>
                   </a:schemeClr>
                 </a:solidFill>
                 <a:latin typeface="Gabriola" panose="04040605051002020D02" pitchFamily="82" charset="0"/>
@@ -4795,19 +6018,19 @@
             <a:r>
               <a:rPr lang="en-US" sz="3200" dirty="0" err="1" smtClean="0">
                 <a:solidFill>
-                  <a:schemeClr val="accent5">
-                    <a:lumMod val="75000"/>
+                  <a:schemeClr val="tx1">
+                    <a:lumMod val="95000"/>
                   </a:schemeClr>
                 </a:solidFill>
                 <a:latin typeface="Gabriola" panose="04040605051002020D02" pitchFamily="82" charset="0"/>
               </a:rPr>
-              <a:t>Iliyana</a:t>
+              <a:t>Beloslava</a:t>
             </a:r>
             <a:r>
               <a:rPr lang="en-US" sz="3200" dirty="0" smtClean="0">
                 <a:solidFill>
-                  <a:schemeClr val="accent5">
-                    <a:lumMod val="75000"/>
+                  <a:schemeClr val="tx1">
+                    <a:lumMod val="95000"/>
                   </a:schemeClr>
                 </a:solidFill>
                 <a:latin typeface="Gabriola" panose="04040605051002020D02" pitchFamily="82" charset="0"/>
@@ -4817,60 +6040,18 @@
             <a:r>
               <a:rPr lang="en-US" sz="3200" dirty="0" err="1" smtClean="0">
                 <a:solidFill>
-                  <a:schemeClr val="accent5">
-                    <a:lumMod val="75000"/>
+                  <a:schemeClr val="tx1">
+                    <a:lumMod val="95000"/>
                   </a:schemeClr>
                 </a:solidFill>
                 <a:latin typeface="Gabriola" panose="04040605051002020D02" pitchFamily="82" charset="0"/>
               </a:rPr>
-              <a:t>Vitanova</a:t>
+              <a:t>Nedelcheva</a:t>
             </a:r>
             <a:endParaRPr lang="bg-BG" sz="3200" dirty="0">
               <a:solidFill>
-                <a:schemeClr val="accent5">
-                  <a:lumMod val="75000"/>
-                </a:schemeClr>
-              </a:solidFill>
-              <a:latin typeface="Gabriola" panose="04040605051002020D02" pitchFamily="82" charset="0"/>
-            </a:endParaRPr>
-          </a:p>
-        </p:txBody>
-      </p:sp>
-      <p:sp>
-        <p:nvSpPr>
-          <p:cNvPr id="2" name="Заглавие 1"/>
-          <p:cNvSpPr>
-            <a:spLocks noGrp="1"/>
-          </p:cNvSpPr>
-          <p:nvPr>
-            <p:ph type="ctrTitle"/>
-          </p:nvPr>
-        </p:nvSpPr>
-        <p:spPr>
-          <a:xfrm>
-            <a:off x="1184784" y="2852936"/>
-            <a:ext cx="6982544" cy="1080121"/>
-          </a:xfrm>
-        </p:spPr>
-        <p:txBody>
-          <a:bodyPr/>
-          <a:lstStyle/>
-          <a:p>
-            <a:r>
-              <a:rPr lang="en-US" sz="8800" i="1" dirty="0" smtClean="0">
-                <a:solidFill>
-                  <a:schemeClr val="accent5">
-                    <a:lumMod val="75000"/>
-                  </a:schemeClr>
-                </a:solidFill>
-                <a:latin typeface="Gabriola" panose="04040605051002020D02" pitchFamily="82" charset="0"/>
-              </a:rPr>
-              <a:t>My world in frames</a:t>
-            </a:r>
-            <a:endParaRPr lang="bg-BG" sz="8800" i="1" dirty="0">
-              <a:solidFill>
-                <a:schemeClr val="accent5">
-                  <a:lumMod val="75000"/>
+                <a:schemeClr val="tx1">
+                  <a:lumMod val="95000"/>
                 </a:schemeClr>
               </a:solidFill>
               <a:latin typeface="Gabriola" panose="04040605051002020D02" pitchFamily="82" charset="0"/>
@@ -4901,8 +6082,8 @@
         </p:blipFill>
         <p:spPr bwMode="auto">
           <a:xfrm>
-            <a:off x="323528" y="294440"/>
-            <a:ext cx="1104900" cy="368300"/>
+            <a:off x="323528" y="260648"/>
+            <a:ext cx="1944216" cy="648072"/>
           </a:xfrm>
           <a:prstGeom prst="rect">
             <a:avLst/>
@@ -4981,25 +6162,26 @@
         <p:spPr/>
         <p:txBody>
           <a:bodyPr>
-            <a:normAutofit fontScale="90000"/>
+            <a:normAutofit/>
           </a:bodyPr>
           <a:lstStyle/>
           <a:p>
-            <a:r>
-              <a:rPr lang="en-US" sz="8800" dirty="0" smtClean="0">
-                <a:solidFill>
-                  <a:schemeClr val="accent5">
-                    <a:lumMod val="75000"/>
+            <a:pPr algn="ctr"/>
+            <a:r>
+              <a:rPr lang="en-US" sz="8000" b="1" dirty="0" smtClean="0">
+                <a:solidFill>
+                  <a:schemeClr val="tx1">
+                    <a:lumMod val="95000"/>
                   </a:schemeClr>
                 </a:solidFill>
                 <a:latin typeface="Gabriola" panose="04040605051002020D02" pitchFamily="82" charset="0"/>
               </a:rPr>
               <a:t>Who are we?</a:t>
             </a:r>
-            <a:endParaRPr lang="bg-BG" sz="8800" dirty="0">
+            <a:endParaRPr lang="bg-BG" sz="8000" b="1" dirty="0">
               <a:solidFill>
-                <a:schemeClr val="accent5">
-                  <a:lumMod val="75000"/>
+                <a:schemeClr val="tx1">
+                  <a:lumMod val="95000"/>
                 </a:schemeClr>
               </a:solidFill>
               <a:latin typeface="Gabriola" panose="04040605051002020D02" pitchFamily="82" charset="0"/>
@@ -5032,13 +6214,36 @@
         </p:blipFill>
         <p:spPr bwMode="auto">
           <a:xfrm>
-            <a:off x="1043608" y="1844824"/>
-            <a:ext cx="1833067" cy="1944216"/>
+            <a:off x="1585797" y="1949608"/>
+            <a:ext cx="2664295" cy="2877439"/>
           </a:xfrm>
-          <a:prstGeom prst="rect">
+          <a:prstGeom prst="ellipse">
             <a:avLst/>
           </a:prstGeom>
-          <a:noFill/>
+          <a:ln w="63500" cap="rnd">
+            <a:solidFill>
+              <a:srgbClr val="333333"/>
+            </a:solidFill>
+          </a:ln>
+          <a:effectLst>
+            <a:outerShdw blurRad="381000" dist="292100" dir="5400000" sx="-80000" sy="-18000" rotWithShape="0">
+              <a:srgbClr val="000000">
+                <a:alpha val="22000"/>
+              </a:srgbClr>
+            </a:outerShdw>
+          </a:effectLst>
+          <a:scene3d>
+            <a:camera prst="orthographicFront"/>
+            <a:lightRig rig="contrasting" dir="t">
+              <a:rot lat="0" lon="0" rev="3000000"/>
+            </a:lightRig>
+          </a:scene3d>
+          <a:sp3d contourW="7620">
+            <a:bevelT w="95250" h="31750"/>
+            <a:contourClr>
+              <a:srgbClr val="333333"/>
+            </a:contourClr>
+          </a:sp3d>
           <a:extLst>
             <a:ext uri="{909E8E84-426E-40DD-AFC4-6F175D3DCCD1}">
               <a14:hiddenFill xmlns:a14="http://schemas.microsoft.com/office/drawing/2010/main">
@@ -5058,8 +6263,8 @@
         </p:nvSpPr>
         <p:spPr>
           <a:xfrm>
-            <a:off x="1043608" y="4005064"/>
-            <a:ext cx="1800200" cy="954107"/>
+            <a:off x="2017844" y="4843362"/>
+            <a:ext cx="1800200" cy="1200329"/>
           </a:xfrm>
           <a:prstGeom prst="rect">
             <a:avLst/>
@@ -5073,44 +6278,72 @@
           <a:p>
             <a:pPr algn="ctr"/>
             <a:r>
-              <a:rPr lang="en-US" sz="2800" dirty="0" err="1">
-                <a:solidFill>
-                  <a:schemeClr val="accent5">
-                    <a:lumMod val="75000"/>
-                  </a:schemeClr>
-                </a:solidFill>
+              <a:rPr lang="en-US" sz="3600" b="1" dirty="0" err="1">
+                <a:solidFill>
+                  <a:schemeClr val="tx1">
+                    <a:lumMod val="95000"/>
+                  </a:schemeClr>
+                </a:solidFill>
+                <a:effectLst>
+                  <a:outerShdw blurRad="38100" dist="38100" dir="2700000" algn="tl">
+                    <a:srgbClr val="000000">
+                      <a:alpha val="43137"/>
+                    </a:srgbClr>
+                  </a:outerShdw>
+                </a:effectLst>
                 <a:latin typeface="Gabriola" panose="04040605051002020D02" pitchFamily="82" charset="0"/>
               </a:rPr>
               <a:t>Iliyana</a:t>
             </a:r>
             <a:r>
-              <a:rPr lang="en-US" sz="2800" dirty="0">
-                <a:solidFill>
-                  <a:schemeClr val="accent5">
-                    <a:lumMod val="75000"/>
-                  </a:schemeClr>
-                </a:solidFill>
+              <a:rPr lang="en-US" sz="3600" b="1" dirty="0">
+                <a:solidFill>
+                  <a:schemeClr val="tx1">
+                    <a:lumMod val="95000"/>
+                  </a:schemeClr>
+                </a:solidFill>
+                <a:effectLst>
+                  <a:outerShdw blurRad="38100" dist="38100" dir="2700000" algn="tl">
+                    <a:srgbClr val="000000">
+                      <a:alpha val="43137"/>
+                    </a:srgbClr>
+                  </a:outerShdw>
+                </a:effectLst>
                 <a:latin typeface="Gabriola" panose="04040605051002020D02" pitchFamily="82" charset="0"/>
               </a:rPr>
               <a:t> </a:t>
             </a:r>
             <a:r>
-              <a:rPr lang="en-US" sz="2800" dirty="0" err="1">
-                <a:solidFill>
-                  <a:schemeClr val="accent5">
-                    <a:lumMod val="75000"/>
-                  </a:schemeClr>
-                </a:solidFill>
+              <a:rPr lang="en-US" sz="3600" b="1" dirty="0" err="1">
+                <a:solidFill>
+                  <a:schemeClr val="tx1">
+                    <a:lumMod val="95000"/>
+                  </a:schemeClr>
+                </a:solidFill>
+                <a:effectLst>
+                  <a:outerShdw blurRad="38100" dist="38100" dir="2700000" algn="tl">
+                    <a:srgbClr val="000000">
+                      <a:alpha val="43137"/>
+                    </a:srgbClr>
+                  </a:outerShdw>
+                </a:effectLst>
                 <a:latin typeface="Gabriola" panose="04040605051002020D02" pitchFamily="82" charset="0"/>
               </a:rPr>
               <a:t>Vitanova</a:t>
             </a:r>
-            <a:endParaRPr lang="bg-BG" sz="2800" dirty="0">
+            <a:endParaRPr lang="bg-BG" sz="3600" b="1" dirty="0">
               <a:solidFill>
-                <a:schemeClr val="accent5">
-                  <a:lumMod val="75000"/>
+                <a:schemeClr val="tx1">
+                  <a:lumMod val="95000"/>
                 </a:schemeClr>
               </a:solidFill>
+              <a:effectLst>
+                <a:outerShdw blurRad="38100" dist="38100" dir="2700000" algn="tl">
+                  <a:srgbClr val="000000">
+                    <a:alpha val="43137"/>
+                  </a:srgbClr>
+                </a:outerShdw>
+              </a:effectLst>
               <a:latin typeface="Gabriola" panose="04040605051002020D02" pitchFamily="82" charset="0"/>
             </a:endParaRPr>
           </a:p>
@@ -5139,13 +6372,36 @@
         </p:blipFill>
         <p:spPr bwMode="auto">
           <a:xfrm>
-            <a:off x="5870272" y="1844824"/>
-            <a:ext cx="1742714" cy="2016224"/>
+            <a:off x="5139285" y="1897215"/>
+            <a:ext cx="2577671" cy="2982223"/>
           </a:xfrm>
-          <a:prstGeom prst="rect">
+          <a:prstGeom prst="ellipse">
             <a:avLst/>
           </a:prstGeom>
-          <a:noFill/>
+          <a:ln w="63500" cap="rnd">
+            <a:solidFill>
+              <a:srgbClr val="333333"/>
+            </a:solidFill>
+          </a:ln>
+          <a:effectLst>
+            <a:outerShdw blurRad="381000" dist="292100" dir="5400000" sx="-80000" sy="-18000" rotWithShape="0">
+              <a:srgbClr val="000000">
+                <a:alpha val="22000"/>
+              </a:srgbClr>
+            </a:outerShdw>
+          </a:effectLst>
+          <a:scene3d>
+            <a:camera prst="orthographicFront"/>
+            <a:lightRig rig="contrasting" dir="t">
+              <a:rot lat="0" lon="0" rev="3000000"/>
+            </a:lightRig>
+          </a:scene3d>
+          <a:sp3d contourW="7620">
+            <a:bevelT w="95250" h="31750"/>
+            <a:contourClr>
+              <a:srgbClr val="333333"/>
+            </a:contourClr>
+          </a:sp3d>
           <a:extLst>
             <a:ext uri="{909E8E84-426E-40DD-AFC4-6F175D3DCCD1}">
               <a14:hiddenFill xmlns:a14="http://schemas.microsoft.com/office/drawing/2010/main">
@@ -5165,8 +6421,8 @@
         </p:nvSpPr>
         <p:spPr>
           <a:xfrm>
-            <a:off x="6084168" y="3981115"/>
-            <a:ext cx="1430199" cy="954107"/>
+            <a:off x="5534285" y="4827047"/>
+            <a:ext cx="1787669" cy="1200329"/>
           </a:xfrm>
           <a:prstGeom prst="rect">
             <a:avLst/>
@@ -5180,55 +6436,90 @@
           <a:p>
             <a:pPr algn="r"/>
             <a:r>
-              <a:rPr lang="en-US" sz="2800" dirty="0" err="1">
-                <a:solidFill>
-                  <a:schemeClr val="accent5">
-                    <a:lumMod val="75000"/>
-                  </a:schemeClr>
-                </a:solidFill>
+              <a:rPr lang="en-US" sz="3600" b="1" dirty="0" err="1">
+                <a:solidFill>
+                  <a:schemeClr val="tx1">
+                    <a:lumMod val="95000"/>
+                  </a:schemeClr>
+                </a:solidFill>
+                <a:effectLst>
+                  <a:outerShdw blurRad="38100" dist="38100" dir="2700000" algn="tl">
+                    <a:srgbClr val="000000">
+                      <a:alpha val="43137"/>
+                    </a:srgbClr>
+                  </a:outerShdw>
+                </a:effectLst>
                 <a:latin typeface="Gabriola" panose="04040605051002020D02" pitchFamily="82" charset="0"/>
               </a:rPr>
               <a:t>Beloslava</a:t>
             </a:r>
             <a:r>
-              <a:rPr lang="en-US" sz="2800" dirty="0">
-                <a:solidFill>
-                  <a:schemeClr val="accent5">
-                    <a:lumMod val="75000"/>
-                  </a:schemeClr>
-                </a:solidFill>
+              <a:rPr lang="en-US" sz="3600" b="1" dirty="0">
+                <a:solidFill>
+                  <a:schemeClr val="tx1">
+                    <a:lumMod val="95000"/>
+                  </a:schemeClr>
+                </a:solidFill>
+                <a:effectLst>
+                  <a:outerShdw blurRad="38100" dist="38100" dir="2700000" algn="tl">
+                    <a:srgbClr val="000000">
+                      <a:alpha val="43137"/>
+                    </a:srgbClr>
+                  </a:outerShdw>
+                </a:effectLst>
                 <a:latin typeface="Gabriola" panose="04040605051002020D02" pitchFamily="82" charset="0"/>
               </a:rPr>
               <a:t> </a:t>
             </a:r>
-            <a:endParaRPr lang="en-US" sz="2800" dirty="0" smtClean="0">
+            <a:endParaRPr lang="en-US" sz="3600" b="1" dirty="0" smtClean="0">
               <a:solidFill>
-                <a:schemeClr val="accent5">
-                  <a:lumMod val="75000"/>
+                <a:schemeClr val="tx1">
+                  <a:lumMod val="95000"/>
                 </a:schemeClr>
               </a:solidFill>
+              <a:effectLst>
+                <a:outerShdw blurRad="38100" dist="38100" dir="2700000" algn="tl">
+                  <a:srgbClr val="000000">
+                    <a:alpha val="43137"/>
+                  </a:srgbClr>
+                </a:outerShdw>
+              </a:effectLst>
               <a:latin typeface="Gabriola" panose="04040605051002020D02" pitchFamily="82" charset="0"/>
             </a:endParaRPr>
           </a:p>
           <a:p>
             <a:pPr algn="r"/>
             <a:r>
-              <a:rPr lang="en-US" sz="2800" dirty="0" err="1" smtClean="0">
-                <a:solidFill>
-                  <a:schemeClr val="accent5">
-                    <a:lumMod val="75000"/>
-                  </a:schemeClr>
-                </a:solidFill>
+              <a:rPr lang="en-US" sz="3600" b="1" dirty="0" err="1" smtClean="0">
+                <a:solidFill>
+                  <a:schemeClr val="tx1">
+                    <a:lumMod val="95000"/>
+                  </a:schemeClr>
+                </a:solidFill>
+                <a:effectLst>
+                  <a:outerShdw blurRad="38100" dist="38100" dir="2700000" algn="tl">
+                    <a:srgbClr val="000000">
+                      <a:alpha val="43137"/>
+                    </a:srgbClr>
+                  </a:outerShdw>
+                </a:effectLst>
                 <a:latin typeface="Gabriola" panose="04040605051002020D02" pitchFamily="82" charset="0"/>
               </a:rPr>
               <a:t>Nedelcheva</a:t>
             </a:r>
-            <a:endParaRPr lang="en-US" sz="2800" dirty="0">
+            <a:endParaRPr lang="en-US" sz="3600" b="1" dirty="0">
               <a:solidFill>
-                <a:schemeClr val="accent5">
-                  <a:lumMod val="75000"/>
+                <a:schemeClr val="tx1">
+                  <a:lumMod val="95000"/>
                 </a:schemeClr>
               </a:solidFill>
+              <a:effectLst>
+                <a:outerShdw blurRad="38100" dist="38100" dir="2700000" algn="tl">
+                  <a:srgbClr val="000000">
+                    <a:alpha val="43137"/>
+                  </a:srgbClr>
+                </a:outerShdw>
+              </a:effectLst>
               <a:latin typeface="Gabriola" panose="04040605051002020D02" pitchFamily="82" charset="0"/>
             </a:endParaRPr>
           </a:p>
@@ -5335,8 +6626,8 @@
             <a:r>
               <a:rPr lang="en-US" sz="8800" dirty="0" smtClean="0">
                 <a:solidFill>
-                  <a:schemeClr val="accent5">
-                    <a:lumMod val="75000"/>
+                  <a:schemeClr val="tx1">
+                    <a:lumMod val="95000"/>
                   </a:schemeClr>
                 </a:solidFill>
                 <a:latin typeface="Gabriola" panose="04040605051002020D02" pitchFamily="82" charset="0"/>
@@ -5345,8 +6636,8 @@
             </a:r>
             <a:endParaRPr lang="bg-BG" sz="8800" dirty="0">
               <a:solidFill>
-                <a:schemeClr val="accent5">
-                  <a:lumMod val="75000"/>
+                <a:schemeClr val="tx1">
+                  <a:lumMod val="95000"/>
                 </a:schemeClr>
               </a:solidFill>
               <a:latin typeface="Gabriola" panose="04040605051002020D02" pitchFamily="82" charset="0"/>
@@ -5376,10 +6667,10 @@
           <a:p>
             <a:pPr lvl="1"/>
             <a:r>
-              <a:rPr lang="en-US" sz="2800" dirty="0" smtClean="0">
-                <a:solidFill>
-                  <a:schemeClr val="accent5">
-                    <a:lumMod val="75000"/>
+              <a:rPr lang="en-US" sz="2800" b="1" dirty="0" smtClean="0">
+                <a:solidFill>
+                  <a:schemeClr val="tx1">
+                    <a:lumMod val="95000"/>
                   </a:schemeClr>
                 </a:solidFill>
                 <a:latin typeface="Gabriola" panose="04040605051002020D02" pitchFamily="82" charset="0"/>
@@ -5390,10 +6681,10 @@
           <a:p>
             <a:pPr lvl="1"/>
             <a:r>
-              <a:rPr lang="en-US" sz="2800" dirty="0" smtClean="0">
-                <a:solidFill>
-                  <a:schemeClr val="accent5">
-                    <a:lumMod val="75000"/>
+              <a:rPr lang="en-US" sz="2800" b="1" dirty="0" smtClean="0">
+                <a:solidFill>
+                  <a:schemeClr val="tx1">
+                    <a:lumMod val="95000"/>
                   </a:schemeClr>
                 </a:solidFill>
                 <a:latin typeface="Gabriola" panose="04040605051002020D02" pitchFamily="82" charset="0"/>
@@ -5401,10 +6692,10 @@
               <a:t>It is also a good place to view </a:t>
             </a:r>
             <a:r>
-              <a:rPr lang="en-US" sz="2800" dirty="0">
-                <a:solidFill>
-                  <a:schemeClr val="accent5">
-                    <a:lumMod val="75000"/>
+              <a:rPr lang="en-US" sz="2800" b="1" dirty="0">
+                <a:solidFill>
+                  <a:schemeClr val="tx1">
+                    <a:lumMod val="95000"/>
                   </a:schemeClr>
                 </a:solidFill>
                 <a:latin typeface="Gabriola" panose="04040605051002020D02" pitchFamily="82" charset="0"/>
@@ -5412,10 +6703,10 @@
               <a:t>different </a:t>
             </a:r>
             <a:r>
-              <a:rPr lang="en-US" sz="2800" dirty="0" smtClean="0">
-                <a:solidFill>
-                  <a:schemeClr val="accent5">
-                    <a:lumMod val="75000"/>
+              <a:rPr lang="en-US" sz="2800" b="1" dirty="0" smtClean="0">
+                <a:solidFill>
+                  <a:schemeClr val="tx1">
+                    <a:lumMod val="95000"/>
                   </a:schemeClr>
                 </a:solidFill>
                 <a:latin typeface="Gabriola" panose="04040605051002020D02" pitchFamily="82" charset="0"/>
@@ -5426,10 +6717,10 @@
           <a:p>
             <a:pPr lvl="1"/>
             <a:r>
-              <a:rPr lang="en-US" sz="2800" dirty="0" smtClean="0">
-                <a:solidFill>
-                  <a:schemeClr val="accent5">
-                    <a:lumMod val="75000"/>
+              <a:rPr lang="en-US" sz="2800" b="1" dirty="0" smtClean="0">
+                <a:solidFill>
+                  <a:schemeClr val="tx1">
+                    <a:lumMod val="95000"/>
                   </a:schemeClr>
                 </a:solidFill>
                 <a:latin typeface="Gabriola" panose="04040605051002020D02" pitchFamily="82" charset="0"/>
@@ -5868,7 +7159,12 @@
             <p:ph type="title"/>
           </p:nvPr>
         </p:nvSpPr>
-        <p:spPr/>
+        <p:spPr>
+          <a:xfrm>
+            <a:off x="816263" y="457585"/>
+            <a:ext cx="7511473" cy="1312480"/>
+          </a:xfrm>
+        </p:spPr>
         <p:txBody>
           <a:bodyPr>
             <a:normAutofit fontScale="90000"/>
@@ -5876,20 +7172,20 @@
           <a:lstStyle/>
           <a:p>
             <a:r>
-              <a:rPr lang="en-US" sz="8800" dirty="0" smtClean="0">
-                <a:solidFill>
-                  <a:schemeClr val="accent3">
-                    <a:lumMod val="75000"/>
+              <a:rPr lang="en-US" sz="8800" b="1" dirty="0" smtClean="0">
+                <a:solidFill>
+                  <a:schemeClr val="tx1">
+                    <a:lumMod val="95000"/>
                   </a:schemeClr>
                 </a:solidFill>
                 <a:latin typeface="Gabriola" panose="04040605051002020D02" pitchFamily="82" charset="0"/>
               </a:rPr>
               <a:t>What does it do?</a:t>
             </a:r>
-            <a:endParaRPr lang="bg-BG" sz="8800" dirty="0">
+            <a:endParaRPr lang="bg-BG" sz="8800" b="1" dirty="0">
               <a:solidFill>
-                <a:schemeClr val="accent3">
-                  <a:lumMod val="75000"/>
+                <a:schemeClr val="tx1">
+                  <a:lumMod val="95000"/>
                 </a:schemeClr>
               </a:solidFill>
               <a:latin typeface="Gabriola" panose="04040605051002020D02" pitchFamily="82" charset="0"/>
@@ -5909,130 +7205,78 @@
         </p:nvSpPr>
         <p:spPr>
           <a:xfrm>
-            <a:off x="457200" y="1770065"/>
+            <a:off x="457199" y="2006077"/>
             <a:ext cx="8229600" cy="4032448"/>
           </a:xfrm>
         </p:spPr>
         <p:txBody>
           <a:bodyPr>
-            <a:normAutofit fontScale="92500" lnSpcReduction="10000"/>
+            <a:normAutofit fontScale="85000" lnSpcReduction="20000"/>
           </a:bodyPr>
           <a:lstStyle/>
           <a:p>
             <a:pPr lvl="1"/>
             <a:r>
-              <a:rPr lang="en-US" sz="3200" dirty="0" smtClean="0">
-                <a:solidFill>
-                  <a:schemeClr val="accent5">
-                    <a:lumMod val="75000"/>
+              <a:rPr lang="en-US" sz="3200" b="1" dirty="0" smtClean="0">
+                <a:solidFill>
+                  <a:schemeClr val="tx1">
+                    <a:lumMod val="95000"/>
                   </a:schemeClr>
                 </a:solidFill>
                 <a:latin typeface="Gabriola" panose="04040605051002020D02" pitchFamily="82" charset="0"/>
               </a:rPr>
-              <a:t>It helps </a:t>
-            </a:r>
-            <a:r>
-              <a:rPr lang="en-US" sz="3200" dirty="0" smtClean="0">
-                <a:solidFill>
-                  <a:schemeClr val="accent5">
-                    <a:lumMod val="75000"/>
+              <a:t>It helps people to share photos.</a:t>
+            </a:r>
+          </a:p>
+          <a:p>
+            <a:pPr lvl="1"/>
+            <a:r>
+              <a:rPr lang="en-US" sz="3200" b="1" dirty="0" smtClean="0">
+                <a:solidFill>
+                  <a:schemeClr val="tx1">
+                    <a:lumMod val="95000"/>
                   </a:schemeClr>
                 </a:solidFill>
                 <a:latin typeface="Gabriola" panose="04040605051002020D02" pitchFamily="82" charset="0"/>
               </a:rPr>
-              <a:t>people to share photos.</a:t>
+              <a:t>It is great to explore new photos.</a:t>
             </a:r>
           </a:p>
           <a:p>
             <a:pPr lvl="1"/>
             <a:r>
-              <a:rPr lang="en-US" sz="3200" dirty="0" smtClean="0">
-                <a:solidFill>
-                  <a:schemeClr val="accent5">
-                    <a:lumMod val="75000"/>
+              <a:rPr lang="en-US" sz="3200" b="1" dirty="0" smtClean="0">
+                <a:solidFill>
+                  <a:schemeClr val="tx1">
+                    <a:lumMod val="95000"/>
                   </a:schemeClr>
                 </a:solidFill>
                 <a:latin typeface="Gabriola" panose="04040605051002020D02" pitchFamily="82" charset="0"/>
               </a:rPr>
-              <a:t>It is great </a:t>
-            </a:r>
-            <a:r>
-              <a:rPr lang="en-US" sz="3200" dirty="0" smtClean="0">
-                <a:solidFill>
-                  <a:schemeClr val="accent5">
-                    <a:lumMod val="75000"/>
+              <a:t>You can write comments for the posts you like.</a:t>
+            </a:r>
+          </a:p>
+          <a:p>
+            <a:pPr lvl="1"/>
+            <a:r>
+              <a:rPr lang="en-US" sz="3200" b="1" dirty="0" smtClean="0">
+                <a:solidFill>
+                  <a:schemeClr val="tx1">
+                    <a:lumMod val="95000"/>
                   </a:schemeClr>
                 </a:solidFill>
                 <a:latin typeface="Gabriola" panose="04040605051002020D02" pitchFamily="82" charset="0"/>
               </a:rPr>
-              <a:t>to explore new photos.</a:t>
+              <a:t>You can like/dislike photos and comments.</a:t>
             </a:r>
           </a:p>
           <a:p>
             <a:pPr lvl="1"/>
             <a:r>
-              <a:rPr lang="en-US" sz="3200" dirty="0" smtClean="0">
-                <a:solidFill>
-                  <a:schemeClr val="accent5">
-                    <a:lumMod val="75000"/>
-                  </a:schemeClr>
-                </a:solidFill>
-                <a:latin typeface="Gabriola" panose="04040605051002020D02" pitchFamily="82" charset="0"/>
-              </a:rPr>
-              <a:t>You can write </a:t>
-            </a:r>
-            <a:r>
-              <a:rPr lang="en-US" sz="3200" dirty="0" smtClean="0">
-                <a:solidFill>
-                  <a:schemeClr val="accent5">
-                    <a:lumMod val="75000"/>
-                  </a:schemeClr>
-                </a:solidFill>
-                <a:latin typeface="Gabriola" panose="04040605051002020D02" pitchFamily="82" charset="0"/>
-              </a:rPr>
-              <a:t>comments for the posts you like.</a:t>
-            </a:r>
-          </a:p>
-          <a:p>
-            <a:pPr lvl="1"/>
-            <a:r>
-              <a:rPr lang="en-US" sz="3200" dirty="0" smtClean="0">
-                <a:solidFill>
-                  <a:schemeClr val="accent5">
-                    <a:lumMod val="75000"/>
-                  </a:schemeClr>
-                </a:solidFill>
-                <a:latin typeface="Gabriola" panose="04040605051002020D02" pitchFamily="82" charset="0"/>
-              </a:rPr>
-              <a:t>You can </a:t>
-            </a:r>
-            <a:r>
-              <a:rPr lang="en-US" sz="3200" dirty="0" smtClean="0">
-                <a:solidFill>
-                  <a:schemeClr val="accent5">
-                    <a:lumMod val="75000"/>
-                  </a:schemeClr>
-                </a:solidFill>
-                <a:latin typeface="Gabriola" panose="04040605051002020D02" pitchFamily="82" charset="0"/>
-              </a:rPr>
-              <a:t>like/dislike photos and comments.</a:t>
-            </a:r>
-            <a:endParaRPr lang="en-US" sz="3200" dirty="0" smtClean="0">
-              <a:solidFill>
-                <a:schemeClr val="accent5">
-                  <a:lumMod val="75000"/>
-                </a:schemeClr>
-              </a:solidFill>
-              <a:latin typeface="Gabriola" panose="04040605051002020D02" pitchFamily="82" charset="0"/>
-            </a:endParaRPr>
-          </a:p>
-          <a:p>
-            <a:pPr lvl="1"/>
-            <a:r>
-              <a:rPr lang="en-US" sz="3200" dirty="0" smtClean="0">
-                <a:solidFill>
-                  <a:schemeClr val="accent5">
-                    <a:lumMod val="75000"/>
+              <a:rPr lang="en-US" sz="3200" b="1" dirty="0" smtClean="0">
+                <a:solidFill>
+                  <a:schemeClr val="tx1">
+                    <a:lumMod val="95000"/>
                   </a:schemeClr>
                 </a:solidFill>
                 <a:latin typeface="Gabriola" panose="04040605051002020D02" pitchFamily="82" charset="0"/>
@@ -6043,35 +7287,24 @@
           <a:p>
             <a:pPr lvl="1"/>
             <a:r>
-              <a:rPr lang="en-US" sz="3200" dirty="0" smtClean="0">
-                <a:solidFill>
-                  <a:schemeClr val="accent5">
-                    <a:lumMod val="75000"/>
+              <a:rPr lang="en-US" sz="3200" b="1" dirty="0" smtClean="0">
+                <a:solidFill>
+                  <a:schemeClr val="tx1">
+                    <a:lumMod val="95000"/>
                   </a:schemeClr>
                 </a:solidFill>
                 <a:latin typeface="Gabriola" panose="04040605051002020D02" pitchFamily="82" charset="0"/>
               </a:rPr>
-              <a:t>You can see the 10 most liked posts from our page</a:t>
-            </a:r>
-            <a:r>
-              <a:rPr lang="en-US" sz="3200" dirty="0" smtClean="0">
-                <a:solidFill>
-                  <a:schemeClr val="accent5">
-                    <a:lumMod val="75000"/>
-                  </a:schemeClr>
-                </a:solidFill>
-                <a:latin typeface="Gabriola" panose="04040605051002020D02" pitchFamily="82" charset="0"/>
-              </a:rPr>
-              <a:t>.</a:t>
+              <a:t>You can see the 10 most liked posts from our page.</a:t>
             </a:r>
           </a:p>
           <a:p>
             <a:pPr lvl="1"/>
             <a:r>
-              <a:rPr lang="en-US" sz="3200" dirty="0" smtClean="0">
-                <a:solidFill>
-                  <a:schemeClr val="accent5">
-                    <a:lumMod val="75000"/>
+              <a:rPr lang="en-US" sz="3200" b="1" dirty="0" smtClean="0">
+                <a:solidFill>
+                  <a:schemeClr val="tx1">
+                    <a:lumMod val="95000"/>
                   </a:schemeClr>
                 </a:solidFill>
                 <a:latin typeface="Gabriola" panose="04040605051002020D02" pitchFamily="82" charset="0"/>
@@ -6082,10 +7315,10 @@
           <a:p>
             <a:pPr lvl="1"/>
             <a:r>
-              <a:rPr lang="en-US" sz="3200" dirty="0" smtClean="0">
-                <a:solidFill>
-                  <a:schemeClr val="accent5">
-                    <a:lumMod val="75000"/>
+              <a:rPr lang="en-US" sz="3200" b="1" dirty="0" smtClean="0">
+                <a:solidFill>
+                  <a:schemeClr val="tx1">
+                    <a:lumMod val="95000"/>
                   </a:schemeClr>
                 </a:solidFill>
                 <a:latin typeface="Gabriola" panose="04040605051002020D02" pitchFamily="82" charset="0"/>
@@ -7022,25 +8255,25 @@
         </p:spPr>
         <p:txBody>
           <a:bodyPr>
-            <a:normAutofit fontScale="90000"/>
+            <a:noAutofit/>
           </a:bodyPr>
           <a:lstStyle/>
           <a:p>
             <a:r>
-              <a:rPr lang="en-US" sz="8800" dirty="0" smtClean="0">
-                <a:solidFill>
-                  <a:schemeClr val="accent5">
-                    <a:lumMod val="75000"/>
+              <a:rPr lang="en-US" sz="4800" b="1" dirty="0" smtClean="0">
+                <a:solidFill>
+                  <a:schemeClr val="tx1">
+                    <a:lumMod val="95000"/>
                   </a:schemeClr>
                 </a:solidFill>
                 <a:latin typeface="Gabriola" panose="04040605051002020D02" pitchFamily="82" charset="0"/>
               </a:rPr>
               <a:t>What technologies does it use?</a:t>
             </a:r>
-            <a:endParaRPr lang="bg-BG" sz="8800" dirty="0">
+            <a:endParaRPr lang="bg-BG" sz="4800" b="1" dirty="0">
               <a:solidFill>
-                <a:schemeClr val="accent5">
-                  <a:lumMod val="75000"/>
+                <a:schemeClr val="tx1">
+                  <a:lumMod val="95000"/>
                 </a:schemeClr>
               </a:solidFill>
               <a:latin typeface="Gabriola" panose="04040605051002020D02" pitchFamily="82" charset="0"/>
@@ -7060,7 +8293,7 @@
         </p:nvSpPr>
         <p:spPr>
           <a:xfrm>
-            <a:off x="1835696" y="2446534"/>
+            <a:off x="1979712" y="3645024"/>
             <a:ext cx="3072627" cy="3862786"/>
           </a:xfrm>
         </p:spPr>
@@ -7076,8 +8309,8 @@
             <a:r>
               <a:rPr lang="en-US" sz="2800" b="1" dirty="0" smtClean="0">
                 <a:solidFill>
-                  <a:schemeClr val="accent5">
-                    <a:lumMod val="75000"/>
+                  <a:schemeClr val="tx1">
+                    <a:lumMod val="95000"/>
                   </a:schemeClr>
                 </a:solidFill>
                 <a:latin typeface="Gabriola" panose="04040605051002020D02" pitchFamily="82" charset="0"/>
@@ -7086,8 +8319,8 @@
             </a:r>
             <a:endParaRPr lang="en-US" sz="2800" b="1" dirty="0">
               <a:solidFill>
-                <a:schemeClr val="accent5">
-                  <a:lumMod val="75000"/>
+                <a:schemeClr val="tx1">
+                  <a:lumMod val="95000"/>
                 </a:schemeClr>
               </a:solidFill>
               <a:latin typeface="Gabriola" panose="04040605051002020D02" pitchFamily="82" charset="0"/>
@@ -7096,20 +8329,20 @@
           <a:p>
             <a:pPr lvl="1"/>
             <a:r>
-              <a:rPr lang="en-US" sz="2800" dirty="0" smtClean="0">
-                <a:solidFill>
-                  <a:schemeClr val="accent5">
-                    <a:lumMod val="75000"/>
+              <a:rPr lang="en-US" sz="2800" b="1" dirty="0" smtClean="0">
+                <a:solidFill>
+                  <a:schemeClr val="tx1">
+                    <a:lumMod val="95000"/>
                   </a:schemeClr>
                 </a:solidFill>
                 <a:latin typeface="Gabriola" panose="04040605051002020D02" pitchFamily="82" charset="0"/>
               </a:rPr>
               <a:t>HTML</a:t>
             </a:r>
-            <a:endParaRPr lang="en-US" sz="2800" dirty="0">
+            <a:endParaRPr lang="en-US" sz="2800" b="1" dirty="0">
               <a:solidFill>
-                <a:schemeClr val="accent5">
-                  <a:lumMod val="75000"/>
+                <a:schemeClr val="tx1">
+                  <a:lumMod val="95000"/>
                 </a:schemeClr>
               </a:solidFill>
               <a:latin typeface="Gabriola" panose="04040605051002020D02" pitchFamily="82" charset="0"/>
@@ -7118,10 +8351,10 @@
           <a:p>
             <a:pPr lvl="1"/>
             <a:r>
-              <a:rPr lang="en-US" sz="2800" dirty="0">
-                <a:solidFill>
-                  <a:schemeClr val="accent5">
-                    <a:lumMod val="75000"/>
+              <a:rPr lang="en-US" sz="2800" b="1" dirty="0">
+                <a:solidFill>
+                  <a:schemeClr val="tx1">
+                    <a:lumMod val="95000"/>
                   </a:schemeClr>
                 </a:solidFill>
                 <a:latin typeface="Gabriola" panose="04040605051002020D02" pitchFamily="82" charset="0"/>
@@ -7132,10 +8365,10 @@
           <a:p>
             <a:pPr lvl="1"/>
             <a:r>
-              <a:rPr lang="en-US" sz="2800" dirty="0" smtClean="0">
-                <a:solidFill>
-                  <a:schemeClr val="accent5">
-                    <a:lumMod val="75000"/>
+              <a:rPr lang="en-US" sz="2800" b="1" dirty="0" smtClean="0">
+                <a:solidFill>
+                  <a:schemeClr val="tx1">
+                    <a:lumMod val="95000"/>
                   </a:schemeClr>
                 </a:solidFill>
                 <a:latin typeface="Gabriola" panose="04040605051002020D02" pitchFamily="82" charset="0"/>
@@ -7146,20 +8379,20 @@
           <a:p>
             <a:pPr lvl="1"/>
             <a:r>
-              <a:rPr lang="en-US" sz="2800" dirty="0" err="1" smtClean="0">
-                <a:solidFill>
-                  <a:schemeClr val="accent5">
-                    <a:lumMod val="75000"/>
+              <a:rPr lang="en-US" sz="2800" b="1" dirty="0" err="1" smtClean="0">
+                <a:solidFill>
+                  <a:schemeClr val="tx1">
+                    <a:lumMod val="95000"/>
                   </a:schemeClr>
                 </a:solidFill>
                 <a:latin typeface="Gabriola" panose="04040605051002020D02" pitchFamily="82" charset="0"/>
               </a:rPr>
               <a:t>JQuery</a:t>
             </a:r>
-            <a:endParaRPr lang="en-US" sz="2800" dirty="0" smtClean="0">
+            <a:endParaRPr lang="en-US" sz="2800" b="1" dirty="0" smtClean="0">
               <a:solidFill>
-                <a:schemeClr val="accent5">
-                  <a:lumMod val="75000"/>
+                <a:schemeClr val="tx1">
+                  <a:lumMod val="95000"/>
                 </a:schemeClr>
               </a:solidFill>
               <a:latin typeface="Gabriola" panose="04040605051002020D02" pitchFamily="82" charset="0"/>
@@ -7456,8 +8689,8 @@
             <a:r>
               <a:rPr lang="en-US" sz="2800" b="1" dirty="0" smtClean="0">
                 <a:solidFill>
-                  <a:schemeClr val="accent5">
-                    <a:lumMod val="75000"/>
+                  <a:schemeClr val="tx1">
+                    <a:lumMod val="95000"/>
                   </a:schemeClr>
                 </a:solidFill>
                 <a:latin typeface="Gabriola" panose="04040605051002020D02" pitchFamily="82" charset="0"/>
@@ -7468,10 +8701,10 @@
           <a:p>
             <a:pPr lvl="1"/>
             <a:r>
-              <a:rPr lang="en-US" sz="2800" dirty="0" smtClean="0">
-                <a:solidFill>
-                  <a:schemeClr val="accent5">
-                    <a:lumMod val="75000"/>
+              <a:rPr lang="en-US" sz="2800" b="1" dirty="0" smtClean="0">
+                <a:solidFill>
+                  <a:schemeClr val="tx1">
+                    <a:lumMod val="95000"/>
                   </a:schemeClr>
                 </a:solidFill>
                 <a:latin typeface="Gabriola" panose="04040605051002020D02" pitchFamily="82" charset="0"/>
@@ -7482,10 +8715,10 @@
           <a:p>
             <a:pPr lvl="1"/>
             <a:r>
-              <a:rPr lang="en-US" sz="2800" dirty="0" smtClean="0">
-                <a:solidFill>
-                  <a:schemeClr val="accent5">
-                    <a:lumMod val="75000"/>
+              <a:rPr lang="en-US" sz="2800" b="1" dirty="0" smtClean="0">
+                <a:solidFill>
+                  <a:schemeClr val="tx1">
+                    <a:lumMod val="95000"/>
                   </a:schemeClr>
                 </a:solidFill>
                 <a:latin typeface="Gabriola" panose="04040605051002020D02" pitchFamily="82" charset="0"/>
@@ -7496,10 +8729,10 @@
           <a:p>
             <a:pPr lvl="1"/>
             <a:r>
-              <a:rPr lang="en-US" sz="2800" dirty="0" smtClean="0">
-                <a:solidFill>
-                  <a:schemeClr val="accent5">
-                    <a:lumMod val="75000"/>
+              <a:rPr lang="en-US" sz="2800" b="1" dirty="0" smtClean="0">
+                <a:solidFill>
+                  <a:schemeClr val="tx1">
+                    <a:lumMod val="95000"/>
                   </a:schemeClr>
                 </a:solidFill>
                 <a:latin typeface="Gabriola" panose="04040605051002020D02" pitchFamily="82" charset="0"/>
@@ -8562,20 +9795,20 @@
           <a:lstStyle/>
           <a:p>
             <a:r>
-              <a:rPr lang="en-US" sz="8800" dirty="0" smtClean="0">
-                <a:solidFill>
-                  <a:schemeClr val="accent5">
-                    <a:lumMod val="75000"/>
+              <a:rPr lang="en-US" sz="8800" b="1" dirty="0" smtClean="0">
+                <a:solidFill>
+                  <a:schemeClr val="tx1">
+                    <a:lumMod val="95000"/>
                   </a:schemeClr>
                 </a:solidFill>
                 <a:latin typeface="Gabriola" panose="04040605051002020D02" pitchFamily="82" charset="0"/>
               </a:rPr>
               <a:t>Future plans</a:t>
             </a:r>
-            <a:endParaRPr lang="bg-BG" sz="8800" dirty="0">
+            <a:endParaRPr lang="bg-BG" sz="8800" b="1" dirty="0">
               <a:solidFill>
-                <a:schemeClr val="accent5">
-                  <a:lumMod val="75000"/>
+                <a:schemeClr val="tx1">
+                  <a:lumMod val="95000"/>
                 </a:schemeClr>
               </a:solidFill>
               <a:latin typeface="Gabriola" panose="04040605051002020D02" pitchFamily="82" charset="0"/>
@@ -8605,114 +9838,95 @@
           <a:p>
             <a:pPr lvl="1"/>
             <a:r>
-              <a:rPr lang="en-US" sz="4000" dirty="0" smtClean="0">
-                <a:solidFill>
-                  <a:schemeClr val="accent5">
-                    <a:lumMod val="75000"/>
+              <a:rPr lang="en-US" sz="4000" b="1" dirty="0" smtClean="0">
+                <a:solidFill>
+                  <a:schemeClr val="tx1">
+                    <a:lumMod val="95000"/>
                   </a:schemeClr>
                 </a:solidFill>
                 <a:latin typeface="Gabriola" panose="04040605051002020D02" pitchFamily="82" charset="0"/>
               </a:rPr>
-              <a:t>Make the project more secure and faster</a:t>
-            </a:r>
-            <a:r>
-              <a:rPr lang="en-US" sz="4000" dirty="0" smtClean="0">
-                <a:solidFill>
-                  <a:schemeClr val="accent5">
-                    <a:lumMod val="75000"/>
+              <a:t>Make the project more secure and faster.</a:t>
+            </a:r>
+          </a:p>
+          <a:p>
+            <a:pPr lvl="1"/>
+            <a:r>
+              <a:rPr lang="en-US" sz="4000" b="1" dirty="0" smtClean="0">
+                <a:solidFill>
+                  <a:schemeClr val="tx1">
+                    <a:lumMod val="95000"/>
+                  </a:schemeClr>
+                </a:solidFill>
+                <a:latin typeface="Gabriola" panose="04040605051002020D02" pitchFamily="82" charset="0"/>
+              </a:rPr>
+              <a:t>Add chat</a:t>
+            </a:r>
+          </a:p>
+          <a:p>
+            <a:pPr lvl="1"/>
+            <a:r>
+              <a:rPr lang="en-US" sz="4000" b="1" dirty="0" smtClean="0">
+                <a:solidFill>
+                  <a:schemeClr val="tx1">
+                    <a:lumMod val="95000"/>
+                  </a:schemeClr>
+                </a:solidFill>
+                <a:latin typeface="Gabriola" panose="04040605051002020D02" pitchFamily="82" charset="0"/>
+              </a:rPr>
+              <a:t>Add more fields.</a:t>
+            </a:r>
+          </a:p>
+          <a:p>
+            <a:pPr lvl="1"/>
+            <a:r>
+              <a:rPr lang="en-US" sz="4000" b="1" dirty="0">
+                <a:solidFill>
+                  <a:schemeClr val="tx1">
+                    <a:lumMod val="95000"/>
+                  </a:schemeClr>
+                </a:solidFill>
+                <a:latin typeface="Gabriola" panose="04040605051002020D02" pitchFamily="82" charset="0"/>
+              </a:rPr>
+              <a:t>I</a:t>
+            </a:r>
+            <a:r>
+              <a:rPr lang="en-US" sz="4000" b="1" dirty="0" smtClean="0">
+                <a:solidFill>
+                  <a:schemeClr val="tx1">
+                    <a:lumMod val="95000"/>
+                  </a:schemeClr>
+                </a:solidFill>
+                <a:latin typeface="Gabriola" panose="04040605051002020D02" pitchFamily="82" charset="0"/>
+              </a:rPr>
+              <a:t>mprove </a:t>
+            </a:r>
+            <a:r>
+              <a:rPr lang="en-US" sz="4000" b="1" dirty="0">
+                <a:solidFill>
+                  <a:schemeClr val="tx1">
+                    <a:lumMod val="95000"/>
+                  </a:schemeClr>
+                </a:solidFill>
+                <a:latin typeface="Gabriola" panose="04040605051002020D02" pitchFamily="82" charset="0"/>
+              </a:rPr>
+              <a:t>the design</a:t>
+            </a:r>
+            <a:r>
+              <a:rPr lang="en-US" sz="4000" b="1" dirty="0" smtClean="0">
+                <a:solidFill>
+                  <a:schemeClr val="tx1">
+                    <a:lumMod val="95000"/>
                   </a:schemeClr>
                 </a:solidFill>
                 <a:latin typeface="Gabriola" panose="04040605051002020D02" pitchFamily="82" charset="0"/>
               </a:rPr>
               <a:t>.</a:t>
             </a:r>
-          </a:p>
-          <a:p>
-            <a:pPr lvl="1"/>
-            <a:r>
-              <a:rPr lang="en-US" sz="4000" dirty="0" smtClean="0">
-                <a:solidFill>
-                  <a:schemeClr val="accent5">
-                    <a:lumMod val="75000"/>
-                  </a:schemeClr>
-                </a:solidFill>
-                <a:latin typeface="Gabriola" panose="04040605051002020D02" pitchFamily="82" charset="0"/>
-              </a:rPr>
-              <a:t>Add chat</a:t>
-            </a:r>
-          </a:p>
-          <a:p>
-            <a:pPr lvl="1"/>
-            <a:r>
-              <a:rPr lang="en-US" sz="4000" dirty="0" smtClean="0">
-                <a:solidFill>
-                  <a:schemeClr val="accent5">
-                    <a:lumMod val="75000"/>
-                  </a:schemeClr>
-                </a:solidFill>
-                <a:latin typeface="Gabriola" panose="04040605051002020D02" pitchFamily="82" charset="0"/>
-              </a:rPr>
-              <a:t>Add more fields.</a:t>
-            </a:r>
-            <a:endParaRPr lang="en-US" sz="4000" dirty="0" smtClean="0">
+            <a:endParaRPr lang="en-US" sz="4000" b="1" dirty="0">
               <a:solidFill>
-                <a:schemeClr val="accent5">
-                  <a:lumMod val="75000"/>
-                </a:schemeClr>
-              </a:solidFill>
-              <a:latin typeface="Gabriola" panose="04040605051002020D02" pitchFamily="82" charset="0"/>
-            </a:endParaRPr>
-          </a:p>
-          <a:p>
-            <a:pPr lvl="1"/>
-            <a:r>
-              <a:rPr lang="en-US" sz="4000" dirty="0">
-                <a:solidFill>
-                  <a:schemeClr val="accent5">
-                    <a:lumMod val="75000"/>
-                  </a:schemeClr>
-                </a:solidFill>
-                <a:latin typeface="Gabriola" panose="04040605051002020D02" pitchFamily="82" charset="0"/>
-              </a:rPr>
-              <a:t>I</a:t>
-            </a:r>
-            <a:r>
-              <a:rPr lang="en-US" sz="4000" dirty="0" smtClean="0">
-                <a:solidFill>
-                  <a:schemeClr val="accent5">
-                    <a:lumMod val="75000"/>
-                  </a:schemeClr>
-                </a:solidFill>
-                <a:latin typeface="Gabriola" panose="04040605051002020D02" pitchFamily="82" charset="0"/>
-              </a:rPr>
-              <a:t>mprove </a:t>
-            </a:r>
-            <a:r>
-              <a:rPr lang="en-US" sz="4000" dirty="0">
-                <a:solidFill>
-                  <a:schemeClr val="accent5">
-                    <a:lumMod val="75000"/>
-                  </a:schemeClr>
-                </a:solidFill>
-                <a:latin typeface="Gabriola" panose="04040605051002020D02" pitchFamily="82" charset="0"/>
-              </a:rPr>
-              <a:t>the design</a:t>
-            </a:r>
-            <a:r>
-              <a:rPr lang="en-US" sz="4000" dirty="0" smtClean="0">
-                <a:solidFill>
-                  <a:schemeClr val="accent5">
-                    <a:lumMod val="75000"/>
-                  </a:schemeClr>
-                </a:solidFill>
-                <a:latin typeface="Gabriola" panose="04040605051002020D02" pitchFamily="82" charset="0"/>
-              </a:rPr>
-              <a:t>.</a:t>
-            </a:r>
-            <a:endParaRPr lang="en-US" sz="4000" dirty="0">
-              <a:solidFill>
-                <a:schemeClr val="accent5">
-                  <a:lumMod val="75000"/>
+                <a:schemeClr val="tx1">
+                  <a:lumMod val="95000"/>
                 </a:schemeClr>
               </a:solidFill>
               <a:latin typeface="Gabriola" panose="04040605051002020D02" pitchFamily="82" charset="0"/>
@@ -9208,11 +10422,12 @@
           <a:bodyPr/>
           <a:lstStyle/>
           <a:p>
+            <a:pPr algn="ctr"/>
             <a:r>
               <a:rPr lang="en-US" sz="6600" dirty="0" smtClean="0">
                 <a:solidFill>
-                  <a:schemeClr val="accent5">
-                    <a:lumMod val="75000"/>
+                  <a:schemeClr val="tx1">
+                    <a:lumMod val="95000"/>
                   </a:schemeClr>
                 </a:solidFill>
                 <a:latin typeface="Gabriola" panose="04040605051002020D02" pitchFamily="82" charset="0"/>
@@ -9222,8 +10437,8 @@
             <a:br>
               <a:rPr lang="en-US" sz="6600" dirty="0" smtClean="0">
                 <a:solidFill>
-                  <a:schemeClr val="accent5">
-                    <a:lumMod val="75000"/>
+                  <a:schemeClr val="tx1">
+                    <a:lumMod val="95000"/>
                   </a:schemeClr>
                 </a:solidFill>
                 <a:latin typeface="Gabriola" panose="04040605051002020D02" pitchFamily="82" charset="0"/>
@@ -9232,8 +10447,8 @@
             <a:r>
               <a:rPr lang="en-US" dirty="0">
                 <a:solidFill>
-                  <a:schemeClr val="accent5">
-                    <a:lumMod val="75000"/>
+                  <a:schemeClr val="tx1">
+                    <a:lumMod val="95000"/>
                   </a:schemeClr>
                 </a:solidFill>
               </a:rPr>
@@ -9242,16 +10457,16 @@
             <a:br>
               <a:rPr lang="en-US" dirty="0">
                 <a:solidFill>
-                  <a:schemeClr val="accent5">
-                    <a:lumMod val="75000"/>
+                  <a:schemeClr val="tx1">
+                    <a:lumMod val="95000"/>
                   </a:schemeClr>
                 </a:solidFill>
               </a:rPr>
             </a:br>
             <a:endParaRPr lang="bg-BG" dirty="0">
               <a:solidFill>
-                <a:schemeClr val="accent5">
-                  <a:lumMod val="75000"/>
+                <a:schemeClr val="tx1">
+                  <a:lumMod val="95000"/>
                 </a:schemeClr>
               </a:solidFill>
             </a:endParaRPr>
@@ -9323,9 +10538,9 @@
 </file>
 
 <file path=ppt/theme/theme1.xml><?xml version="1.0" encoding="utf-8"?>
-<a:theme xmlns:a="http://schemas.openxmlformats.org/drawingml/2006/main" name="Apothecary">
+<a:theme xmlns:a="http://schemas.openxmlformats.org/drawingml/2006/main" name="Mesh">
   <a:themeElements>
-    <a:clrScheme name="Grayscale">
+    <a:clrScheme name="Mesh">
       <a:dk1>
         <a:sysClr val="windowText" lastClr="000000"/>
       </a:dk1>
@@ -9333,52 +10548,52 @@
         <a:sysClr val="window" lastClr="FFFFFF"/>
       </a:lt1>
       <a:dk2>
-        <a:srgbClr val="000000"/>
+        <a:srgbClr val="363D46"/>
       </a:dk2>
       <a:lt2>
-        <a:srgbClr val="F8F8F8"/>
+        <a:srgbClr val="EBEBEB"/>
       </a:lt2>
       <a:accent1>
-        <a:srgbClr val="DDDDDD"/>
+        <a:srgbClr val="6F6F6F"/>
       </a:accent1>
       <a:accent2>
-        <a:srgbClr val="B2B2B2"/>
+        <a:srgbClr val="BFBFA5"/>
       </a:accent2>
       <a:accent3>
-        <a:srgbClr val="969696"/>
+        <a:srgbClr val="DCD084"/>
       </a:accent3>
       <a:accent4>
-        <a:srgbClr val="808080"/>
+        <a:srgbClr val="E7BF5F"/>
       </a:accent4>
       <a:accent5>
-        <a:srgbClr val="5F5F5F"/>
+        <a:srgbClr val="E9A039"/>
       </a:accent5>
       <a:accent6>
-        <a:srgbClr val="4D4D4D"/>
+        <a:srgbClr val="CF7133"/>
       </a:accent6>
       <a:hlink>
-        <a:srgbClr val="5F5F5F"/>
+        <a:srgbClr val="F28943"/>
       </a:hlink>
       <a:folHlink>
-        <a:srgbClr val="919191"/>
+        <a:srgbClr val="F1B76C"/>
       </a:folHlink>
     </a:clrScheme>
-    <a:fontScheme name="Apothecary">
+    <a:fontScheme name="Mesh">
       <a:majorFont>
-        <a:latin typeface="Book Antiqua"/>
+        <a:latin typeface="Century Gothic" panose="020B0502020202020204"/>
         <a:ea typeface=""/>
         <a:cs typeface=""/>
-        <a:font script="Jpan" typeface="HGS明朝B"/>
-        <a:font script="Hang" typeface="HY견명조"/>
+        <a:font script="Jpan" typeface="ＭＳ ゴシック"/>
+        <a:font script="Hang" typeface="맑은 고딕"/>
         <a:font script="Hans" typeface="宋体"/>
         <a:font script="Hant" typeface="新細明體"/>
-        <a:font script="Arab" typeface="Times New Roman"/>
-        <a:font script="Hebr" typeface="David"/>
-        <a:font script="Thai" typeface="EucrosiaUPC"/>
+        <a:font script="Arab" typeface="Tahoma"/>
+        <a:font script="Hebr" typeface="Gisha"/>
+        <a:font script="Thai" typeface="DilleniaUPC"/>
         <a:font script="Ethi" typeface="Nyala"/>
         <a:font script="Beng" typeface="Vrinda"/>
         <a:font script="Gujr" typeface="Shruti"/>
-        <a:font script="Khmr" typeface="MoolBoran"/>
+        <a:font script="Khmr" typeface="DaunPenh"/>
         <a:font script="Knda" typeface="Tunga"/>
         <a:font script="Guru" typeface="Raavi"/>
         <a:font script="Cans" typeface="Euphemia"/>
@@ -9395,18 +10610,18 @@
         <a:font script="Laoo" typeface="DokChampa"/>
         <a:font script="Sinh" typeface="Iskoola Pota"/>
         <a:font script="Mong" typeface="Mongolian Baiti"/>
-        <a:font script="Viet" typeface="Times New Roman"/>
+        <a:font script="Viet" typeface="Tahoma"/>
         <a:font script="Uigh" typeface="Microsoft Uighur"/>
         <a:font script="Geor" typeface="Sylfaen"/>
       </a:majorFont>
       <a:minorFont>
-        <a:latin typeface="Century Gothic"/>
+        <a:latin typeface="Century Gothic" panose="020B0502020202020204"/>
         <a:ea typeface=""/>
         <a:cs typeface=""/>
         <a:font script="Jpan" typeface="ＭＳ ゴシック"/>
-        <a:font script="Hang" typeface="HY견명조"/>
-        <a:font script="Hans" typeface="幼圆"/>
-        <a:font script="Hant" typeface="微軟正黑體"/>
+        <a:font script="Hang" typeface="맑은 고딕"/>
+        <a:font script="Hans" typeface="宋体"/>
+        <a:font script="Hant" typeface="新細明體"/>
         <a:font script="Arab" typeface="Tahoma"/>
         <a:font script="Hebr" typeface="Gisha"/>
         <a:font script="Thai" typeface="DilleniaUPC"/>
@@ -9435,7 +10650,7 @@
         <a:font script="Geor" typeface="Sylfaen"/>
       </a:minorFont>
     </a:fontScheme>
-    <a:fmtScheme name="Apothecary">
+    <a:fmtScheme name="Mesh">
       <a:fillStyleLst>
         <a:solidFill>
           <a:schemeClr val="phClr"/>
@@ -9444,32 +10659,13 @@
           <a:gsLst>
             <a:gs pos="0">
               <a:schemeClr val="phClr">
-                <a:tint val="1000"/>
-                <a:satMod val="100000"/>
-              </a:schemeClr>
-            </a:gs>
-            <a:gs pos="68000">
-              <a:schemeClr val="phClr">
-                <a:tint val="77000"/>
-                <a:satMod val="100000"/>
-              </a:schemeClr>
-            </a:gs>
-            <a:gs pos="81000">
-              <a:schemeClr val="phClr">
-                <a:tint val="79000"/>
-                <a:satMod val="100000"/>
-              </a:schemeClr>
-            </a:gs>
-            <a:gs pos="86000">
-              <a:schemeClr val="phClr">
-                <a:tint val="73000"/>
-                <a:satMod val="100000"/>
+                <a:tint val="60000"/>
+                <a:lumMod val="110000"/>
               </a:schemeClr>
             </a:gs>
             <a:gs pos="100000">
               <a:schemeClr val="phClr">
-                <a:tint val="35000"/>
-                <a:satMod val="100000"/>
+                <a:tint val="82000"/>
               </a:schemeClr>
             </a:gs>
           </a:gsLst>
@@ -9479,51 +10675,14 @@
           <a:gsLst>
             <a:gs pos="0">
               <a:schemeClr val="phClr">
-                <a:tint val="73000"/>
-                <a:shade val="100000"/>
-                <a:satMod val="150000"/>
-              </a:schemeClr>
-            </a:gs>
-            <a:gs pos="25000">
-              <a:schemeClr val="phClr">
                 <a:tint val="96000"/>
-                <a:shade val="80000"/>
-                <a:satMod val="105000"/>
-              </a:schemeClr>
-            </a:gs>
-            <a:gs pos="38000">
-              <a:schemeClr val="phClr">
-                <a:tint val="96000"/>
-                <a:shade val="59000"/>
-                <a:satMod val="120000"/>
-              </a:schemeClr>
-            </a:gs>
-            <a:gs pos="55000">
-              <a:schemeClr val="phClr">
-                <a:tint val="100000"/>
-                <a:shade val="57000"/>
-                <a:satMod val="120000"/>
-              </a:schemeClr>
-            </a:gs>
-            <a:gs pos="80000">
-              <a:schemeClr val="phClr">
-                <a:tint val="100000"/>
-                <a:shade val="56000"/>
-                <a:satMod val="145000"/>
-              </a:schemeClr>
-            </a:gs>
-            <a:gs pos="88000">
-              <a:schemeClr val="phClr">
-                <a:tint val="100000"/>
-                <a:shade val="63000"/>
-                <a:satMod val="160000"/>
+                <a:lumMod val="104000"/>
               </a:schemeClr>
             </a:gs>
             <a:gs pos="100000">
               <a:schemeClr val="phClr">
-                <a:tint val="99000"/>
-                <a:shade val="100000"/>
-                <a:satMod val="155000"/>
+                <a:shade val="84000"/>
+                <a:lumMod val="84000"/>
               </a:schemeClr>
             </a:gs>
           </a:gsLst>
@@ -9531,22 +10690,19 @@
         </a:gradFill>
       </a:fillStyleLst>
       <a:lnStyleLst>
-        <a:ln w="9525" cap="flat" cmpd="sng" algn="ctr">
-          <a:solidFill>
-            <a:schemeClr val="phClr">
-              <a:shade val="95000"/>
-              <a:satMod val="105000"/>
-            </a:schemeClr>
-          </a:solidFill>
-          <a:prstDash val="solid"/>
-        </a:ln>
-        <a:ln w="25400" cap="flat" cmpd="sng" algn="ctr">
+        <a:ln w="9525" cap="rnd" cmpd="sng" algn="ctr">
           <a:solidFill>
             <a:schemeClr val="phClr"/>
           </a:solidFill>
           <a:prstDash val="solid"/>
         </a:ln>
-        <a:ln w="38100" cap="flat" cmpd="sng" algn="ctr">
+        <a:ln w="19050" cap="rnd" cmpd="sng" algn="ctr">
+          <a:solidFill>
+            <a:schemeClr val="phClr"/>
+          </a:solidFill>
+          <a:prstDash val="solid"/>
+        </a:ln>
+        <a:ln w="25400" cap="rnd" cmpd="sng" algn="ctr">
           <a:solidFill>
             <a:schemeClr val="phClr"/>
           </a:solidFill>
@@ -9558,52 +10714,30 @@
           <a:effectLst/>
         </a:effectStyle>
         <a:effectStyle>
-          <a:effectLst/>
-          <a:scene3d>
-            <a:camera prst="orthographicFront">
-              <a:rot lat="0" lon="0" rev="0"/>
-            </a:camera>
-            <a:lightRig rig="glow" dir="tl">
-              <a:rot lat="0" lon="0" rev="1800000"/>
-            </a:lightRig>
-          </a:scene3d>
-          <a:sp3d contourW="10160" prstMaterial="dkEdge">
-            <a:bevelT w="0" h="0" prst="angle"/>
-            <a:contourClr>
-              <a:schemeClr val="phClr">
-                <a:shade val="30000"/>
-                <a:satMod val="150000"/>
-              </a:schemeClr>
-            </a:contourClr>
-          </a:sp3d>
+          <a:effectLst>
+            <a:innerShdw blurRad="50800" dist="25400" dir="13500000">
+              <a:srgbClr val="000000">
+                <a:alpha val="55000"/>
+              </a:srgbClr>
+            </a:innerShdw>
+          </a:effectLst>
         </a:effectStyle>
         <a:effectStyle>
           <a:effectLst>
-            <a:glow rad="50800">
-              <a:schemeClr val="phClr">
-                <a:tint val="68000"/>
-                <a:shade val="93000"/>
-                <a:alpha val="37000"/>
-                <a:satMod val="250000"/>
-              </a:schemeClr>
-            </a:glow>
+            <a:outerShdw blurRad="50800" dist="38100" dir="5400000" rotWithShape="0">
+              <a:srgbClr val="000000">
+                <a:alpha val="60000"/>
+              </a:srgbClr>
+            </a:outerShdw>
           </a:effectLst>
           <a:scene3d>
             <a:camera prst="orthographicFront">
               <a:rot lat="0" lon="0" rev="0"/>
             </a:camera>
-            <a:lightRig rig="glow" dir="t">
-              <a:rot lat="0" lon="0" rev="1800000"/>
-            </a:lightRig>
+            <a:lightRig rig="threePt" dir="tl"/>
           </a:scene3d>
-          <a:sp3d contourW="10160" prstMaterial="dkEdge">
-            <a:bevelT w="20320" h="19050" prst="angle"/>
-            <a:contourClr>
-              <a:schemeClr val="phClr">
-                <a:shade val="30000"/>
-                <a:satMod val="150000"/>
-              </a:schemeClr>
-            </a:contourClr>
+          <a:sp3d>
+            <a:bevelT w="25400" h="25400" prst="slope"/>
           </a:sp3d>
         </a:effectStyle>
       </a:effectStyleLst>
@@ -9611,31 +10745,50 @@
         <a:solidFill>
           <a:schemeClr val="phClr"/>
         </a:solidFill>
-        <a:solidFill>
-          <a:schemeClr val="phClr">
-            <a:tint val="93000"/>
-            <a:satMod val="140000"/>
-          </a:schemeClr>
-        </a:solidFill>
+        <a:gradFill rotWithShape="1">
+          <a:gsLst>
+            <a:gs pos="0">
+              <a:schemeClr val="phClr">
+                <a:tint val="90000"/>
+                <a:lumMod val="110000"/>
+              </a:schemeClr>
+            </a:gs>
+            <a:gs pos="100000">
+              <a:schemeClr val="phClr">
+                <a:shade val="64000"/>
+                <a:lumMod val="98000"/>
+              </a:schemeClr>
+            </a:gs>
+          </a:gsLst>
+          <a:lin ang="5400000" scaled="0"/>
+        </a:gradFill>
         <a:blipFill rotWithShape="1">
           <a:blip xmlns:r="http://schemas.openxmlformats.org/officeDocument/2006/relationships" r:embed="rId1">
             <a:duotone>
               <a:schemeClr val="phClr">
-                <a:tint val="70000"/>
-                <a:satMod val="170000"/>
+                <a:shade val="28000"/>
+                <a:satMod val="94000"/>
+                <a:lumMod val="20000"/>
               </a:schemeClr>
               <a:schemeClr val="phClr">
-                <a:shade val="70000"/>
-                <a:satMod val="130000"/>
+                <a:tint val="94000"/>
+                <a:shade val="84000"/>
+                <a:satMod val="148000"/>
+                <a:lumMod val="114000"/>
               </a:schemeClr>
             </a:duotone>
           </a:blip>
-          <a:tile tx="0" ty="0" sx="100000" sy="100000" flip="none" algn="tl"/>
+          <a:stretch/>
         </a:blipFill>
       </a:bgFillStyleLst>
     </a:fmtScheme>
   </a:themeElements>
   <a:objectDefaults/>
   <a:extraClrSchemeLst/>
+  <a:extLst>
+    <a:ext uri="{05A4C25C-085E-4340-85A3-A5531E510DB2}">
+      <thm15:themeFamily xmlns:thm15="http://schemas.microsoft.com/office/thememl/2012/main" name="Mesh" id="{789EC3FE-34FD-429C-9918-760025E6C145}" vid="{B8BE45C0-8141-4D58-8C71-A009BC26FBBB}"/>
+    </a:ext>
+  </a:extLst>
 </a:theme>
 </file>